--- a/Week06/IntroductionToCss.pptx
+++ b/Week06/IntroductionToCss.pptx
@@ -215,7 +215,7 @@
           <a:p>
             <a:fld id="{19104133-B5B0-4351-8158-4F0E5EB1E2BF}" type="datetimeFigureOut">
               <a:rPr lang="en-US" smtClean="0"/>
-              <a:t>3/23/2020</a:t>
+              <a:t>3/18/2022</a:t>
             </a:fld>
             <a:endParaRPr lang="en-US"/>
           </a:p>
@@ -279,38 +279,37 @@
           <a:p>
             <a:pPr lvl="0"/>
             <a:r>
-              <a:rPr lang="en-US" smtClean="0"/>
+              <a:rPr lang="en-US"/>
               <a:t>Edit Master text styles</a:t>
             </a:r>
           </a:p>
           <a:p>
             <a:pPr lvl="1"/>
             <a:r>
-              <a:rPr lang="en-US" smtClean="0"/>
+              <a:rPr lang="en-US"/>
               <a:t>Second level</a:t>
             </a:r>
           </a:p>
           <a:p>
             <a:pPr lvl="2"/>
             <a:r>
-              <a:rPr lang="en-US" smtClean="0"/>
+              <a:rPr lang="en-US"/>
               <a:t>Third level</a:t>
             </a:r>
           </a:p>
           <a:p>
             <a:pPr lvl="3"/>
             <a:r>
-              <a:rPr lang="en-US" smtClean="0"/>
+              <a:rPr lang="en-US"/>
               <a:t>Fourth level</a:t>
             </a:r>
           </a:p>
           <a:p>
             <a:pPr lvl="4"/>
             <a:r>
-              <a:rPr lang="en-US" smtClean="0"/>
+              <a:rPr lang="en-US"/>
               <a:t>Fifth level</a:t>
             </a:r>
-            <a:endParaRPr lang="en-US"/>
           </a:p>
         </p:txBody>
       </p:sp>
@@ -545,14 +544,14 @@
               <a:defRPr/>
             </a:pPr>
             <a:r>
-              <a:rPr lang="en-US" dirty="0" smtClean="0"/>
+              <a:rPr lang="en-US" dirty="0"/>
               <a:t>Explain the</a:t>
             </a:r>
             <a:r>
-              <a:rPr lang="en-US" baseline="0" dirty="0" smtClean="0"/>
+              <a:rPr lang="en-US" baseline="0" dirty="0"/>
               <a:t> purpose of CSS, and what it does.</a:t>
             </a:r>
-            <a:endParaRPr lang="en-US" dirty="0" smtClean="0"/>
+            <a:endParaRPr lang="en-US" dirty="0"/>
           </a:p>
         </p:txBody>
       </p:sp>
@@ -637,17 +636,17 @@
           <a:lstStyle/>
           <a:p>
             <a:r>
-              <a:rPr lang="en-US" dirty="0" smtClean="0"/>
+              <a:rPr lang="en-US" dirty="0"/>
               <a:t>Ask students about</a:t>
             </a:r>
             <a:r>
-              <a:rPr lang="en-US" baseline="0" dirty="0" smtClean="0"/>
+              <a:rPr lang="en-US" baseline="0" dirty="0"/>
               <a:t> the relationships between all these tags.</a:t>
             </a:r>
           </a:p>
           <a:p>
             <a:r>
-              <a:rPr lang="en-US" baseline="0" dirty="0" smtClean="0"/>
+              <a:rPr lang="en-US" baseline="0" dirty="0"/>
               <a:t>E.g., HTML is parent, head/body are siblings. Style always goes in the head, structure goes in the body.</a:t>
             </a:r>
           </a:p>
@@ -737,26 +736,21 @@
           <a:lstStyle/>
           <a:p>
             <a:r>
-              <a:rPr lang="en-US" dirty="0" smtClean="0"/>
+              <a:rPr lang="en-US" dirty="0"/>
               <a:t>For the </a:t>
             </a:r>
             <a:r>
-              <a:rPr lang="en-US" dirty="0" err="1" smtClean="0"/>
+              <a:rPr lang="en-US" dirty="0" err="1"/>
               <a:t>Repl</a:t>
             </a:r>
             <a:r>
-              <a:rPr lang="en-US" dirty="0" smtClean="0"/>
+              <a:rPr lang="en-US" dirty="0"/>
               <a:t>,</a:t>
             </a:r>
             <a:r>
-              <a:rPr lang="en-US" baseline="0" dirty="0" smtClean="0"/>
-              <a:t> </a:t>
+              <a:rPr lang="en-US" baseline="0" dirty="0"/>
+              <a:t> ask the students how to change the text color to blue instead of red.</a:t>
             </a:r>
-            <a:r>
-              <a:rPr lang="en-US" baseline="0" dirty="0" smtClean="0"/>
-              <a:t>ask the students how to change the text color to blue instead of red.</a:t>
-            </a:r>
-            <a:endParaRPr lang="en-US" baseline="0" dirty="0" smtClean="0"/>
           </a:p>
         </p:txBody>
       </p:sp>
@@ -841,11 +835,11 @@
           <a:lstStyle/>
           <a:p>
             <a:r>
-              <a:rPr lang="en-US" dirty="0" smtClean="0"/>
+              <a:rPr lang="en-US" dirty="0"/>
               <a:t>Introduce</a:t>
             </a:r>
             <a:r>
-              <a:rPr lang="en-US" baseline="0" dirty="0" smtClean="0"/>
+              <a:rPr lang="en-US" baseline="0" dirty="0"/>
               <a:t> the idea of separate CSS files. Click the link to show an example of multiple stylesheets applied to one HTML page</a:t>
             </a:r>
             <a:endParaRPr lang="en-US" dirty="0"/>
@@ -937,23 +931,23 @@
               <a:buChar char="-"/>
             </a:pPr>
             <a:r>
-              <a:rPr lang="en-US" dirty="0" smtClean="0"/>
+              <a:rPr lang="en-US" dirty="0"/>
               <a:t>Emphasize that the file has to end in </a:t>
             </a:r>
             <a:r>
-              <a:rPr lang="en-US" b="1" dirty="0" smtClean="0"/>
+              <a:rPr lang="en-US" b="1" dirty="0"/>
               <a:t>.</a:t>
             </a:r>
             <a:r>
-              <a:rPr lang="en-US" b="1" dirty="0" err="1" smtClean="0"/>
+              <a:rPr lang="en-US" b="1" dirty="0" err="1"/>
               <a:t>css</a:t>
             </a:r>
             <a:r>
-              <a:rPr lang="en-US" b="0" dirty="0" smtClean="0"/>
+              <a:rPr lang="en-US" b="0" dirty="0"/>
               <a:t> and it has to be in the same folder as the</a:t>
             </a:r>
             <a:r>
-              <a:rPr lang="en-US" b="0" baseline="0" dirty="0" smtClean="0"/>
+              <a:rPr lang="en-US" b="0" baseline="0" dirty="0"/>
               <a:t> HTML file</a:t>
             </a:r>
           </a:p>
@@ -963,15 +957,15 @@
               <a:buChar char="-"/>
             </a:pPr>
             <a:r>
-              <a:rPr lang="en-US" b="0" baseline="0" dirty="0" smtClean="0"/>
+              <a:rPr lang="en-US" b="0" baseline="0" dirty="0"/>
               <a:t>The </a:t>
             </a:r>
             <a:r>
-              <a:rPr lang="en-US" b="1" baseline="0" dirty="0" smtClean="0"/>
+              <a:rPr lang="en-US" b="1" baseline="0" dirty="0"/>
               <a:t>link</a:t>
             </a:r>
             <a:r>
-              <a:rPr lang="en-US" b="0" baseline="0" dirty="0" smtClean="0"/>
+              <a:rPr lang="en-US" b="0" baseline="0" dirty="0"/>
               <a:t> tag is an example</a:t>
             </a:r>
           </a:p>
@@ -1061,10 +1055,9 @@
           <a:lstStyle/>
           <a:p>
             <a:r>
-              <a:rPr lang="en-US" dirty="0" smtClean="0"/>
+              <a:rPr lang="en-US" dirty="0"/>
               <a:t>Explain the link tag</a:t>
             </a:r>
-            <a:endParaRPr lang="en-US" dirty="0"/>
           </a:p>
         </p:txBody>
       </p:sp>
@@ -1149,14 +1142,13 @@
           <a:lstStyle/>
           <a:p>
             <a:r>
-              <a:rPr lang="en-US" dirty="0" smtClean="0"/>
+              <a:rPr lang="en-US" dirty="0"/>
               <a:t>Show the link tag in action.</a:t>
             </a:r>
             <a:r>
-              <a:rPr lang="en-US" baseline="0" dirty="0" smtClean="0"/>
+              <a:rPr lang="en-US" baseline="0" dirty="0"/>
               <a:t> Make sure to note the filename, attributes, and new CSS property.</a:t>
             </a:r>
-            <a:endParaRPr lang="en-US" baseline="0" dirty="0" smtClean="0"/>
           </a:p>
         </p:txBody>
       </p:sp>
@@ -1336,15 +1328,7 @@
           <a:p>
             <a:r>
               <a:rPr lang="en-US" dirty="0"/>
-              <a:t>Click to edit Master </a:t>
-            </a:r>
-            <a:r>
-              <a:rPr lang="en-US" dirty="0" smtClean="0"/>
-              <a:t>subtitle </a:t>
-            </a:r>
-            <a:r>
-              <a:rPr lang="en-US" dirty="0"/>
-              <a:t>style</a:t>
+              <a:t>Click to edit Master subtitle style</a:t>
             </a:r>
           </a:p>
         </p:txBody>
@@ -1386,7 +1370,7 @@
             <a:fld id="{1C2D31DE-C454-491C-B5C3-F097855E3DF7}" type="datetime4">
               <a:rPr lang="en-US" smtClean="0"/>
               <a:pPr/>
-              <a:t>March 23, 2020</a:t>
+              <a:t>March 18, 2022</a:t>
             </a:fld>
             <a:endParaRPr lang="en-US" dirty="0"/>
           </a:p>
@@ -4460,17 +4444,16 @@
           <a:p>
             <a:pPr lvl="0"/>
             <a:r>
-              <a:rPr lang="en-US" dirty="0" smtClean="0"/>
+              <a:rPr lang="en-US" dirty="0"/>
               <a:t>Presenter Name</a:t>
             </a:r>
             <a:br>
-              <a:rPr lang="en-US" dirty="0" smtClean="0"/>
+              <a:rPr lang="en-US" dirty="0"/>
             </a:br>
             <a:r>
-              <a:rPr lang="en-US" dirty="0" smtClean="0"/>
+              <a:rPr lang="en-US" dirty="0"/>
               <a:t>Presenter Title</a:t>
             </a:r>
-            <a:endParaRPr lang="en-US" dirty="0"/>
           </a:p>
         </p:txBody>
       </p:sp>
@@ -4487,13 +4470,6 @@
   <p:transition>
     <p:fade/>
   </p:transition>
-  <p:timing>
-    <p:tnLst>
-      <p:par>
-        <p:cTn id="1" dur="indefinite" restart="never" nodeType="tmRoot"/>
-      </p:par>
-    </p:tnLst>
-  </p:timing>
   <p:hf sldNum="0" hdr="0" ftr="0"/>
 </p:sldLayout>
 </file>
@@ -4786,7 +4762,7 @@
           <a:p>
             <a:fld id="{5958763E-B898-436D-883D-03711491D54A}" type="datetimeFigureOut">
               <a:rPr lang="en-US" smtClean="0"/>
-              <a:t>3/23/2020</a:t>
+              <a:t>3/18/2022</a:t>
             </a:fld>
             <a:endParaRPr lang="en-US"/>
           </a:p>
@@ -4859,13 +4835,6 @@
   <p:transition>
     <p:fade/>
   </p:transition>
-  <p:timing>
-    <p:tnLst>
-      <p:par>
-        <p:cTn id="1" dur="indefinite" restart="never" nodeType="tmRoot"/>
-      </p:par>
-    </p:tnLst>
-  </p:timing>
 </p:sldLayout>
 </file>
 
@@ -4914,10 +4883,9 @@
           </a:lstStyle>
           <a:p>
             <a:r>
-              <a:rPr lang="en-US" dirty="0" smtClean="0"/>
+              <a:rPr lang="en-US" dirty="0"/>
               <a:t>Click icon to add picture</a:t>
             </a:r>
-            <a:endParaRPr lang="en-US" dirty="0"/>
           </a:p>
         </p:txBody>
       </p:sp>
@@ -4987,7 +4955,7 @@
           <a:p>
             <a:fld id="{5958763E-B898-436D-883D-03711491D54A}" type="datetimeFigureOut">
               <a:rPr lang="en-US" smtClean="0"/>
-              <a:t>3/23/2020</a:t>
+              <a:t>3/18/2022</a:t>
             </a:fld>
             <a:endParaRPr lang="en-US"/>
           </a:p>
@@ -5060,13 +5028,6 @@
   <p:transition>
     <p:fade/>
   </p:transition>
-  <p:timing>
-    <p:tnLst>
-      <p:par>
-        <p:cTn id="1" dur="indefinite" restart="never" nodeType="tmRoot"/>
-      </p:par>
-    </p:tnLst>
-  </p:timing>
 </p:sldLayout>
 </file>
 
@@ -5244,7 +5205,7 @@
           <a:p>
             <a:fld id="{5958763E-B898-436D-883D-03711491D54A}" type="datetimeFigureOut">
               <a:rPr lang="en-US" smtClean="0"/>
-              <a:t>3/23/2020</a:t>
+              <a:t>3/18/2022</a:t>
             </a:fld>
             <a:endParaRPr lang="en-US"/>
           </a:p>
@@ -5317,13 +5278,6 @@
   <p:transition>
     <p:fade/>
   </p:transition>
-  <p:timing>
-    <p:tnLst>
-      <p:par>
-        <p:cTn id="1" dur="indefinite" restart="never" nodeType="tmRoot"/>
-      </p:par>
-    </p:tnLst>
-  </p:timing>
 </p:sldLayout>
 </file>
 
@@ -5599,7 +5553,7 @@
           <a:p>
             <a:fld id="{5958763E-B898-436D-883D-03711491D54A}" type="datetimeFigureOut">
               <a:rPr lang="en-US" smtClean="0"/>
-              <a:t>3/23/2020</a:t>
+              <a:t>3/18/2022</a:t>
             </a:fld>
             <a:endParaRPr lang="en-US"/>
           </a:p>
@@ -5660,13 +5614,6 @@
   <p:transition>
     <p:fade/>
   </p:transition>
-  <p:timing>
-    <p:tnLst>
-      <p:par>
-        <p:cTn id="1" dur="indefinite" restart="never" nodeType="tmRoot"/>
-      </p:par>
-    </p:tnLst>
-  </p:timing>
 </p:sldLayout>
 </file>
 
@@ -6022,7 +5969,7 @@
           <a:p>
             <a:fld id="{5958763E-B898-436D-883D-03711491D54A}" type="datetimeFigureOut">
               <a:rPr lang="en-US" smtClean="0"/>
-              <a:t>3/23/2020</a:t>
+              <a:t>3/18/2022</a:t>
             </a:fld>
             <a:endParaRPr lang="en-US"/>
           </a:p>
@@ -6083,13 +6030,6 @@
   <p:transition>
     <p:fade/>
   </p:transition>
-  <p:timing>
-    <p:tnLst>
-      <p:par>
-        <p:cTn id="1" dur="indefinite" restart="never" nodeType="tmRoot"/>
-      </p:par>
-    </p:tnLst>
-  </p:timing>
 </p:sldLayout>
 </file>
 
@@ -6530,7 +6470,7 @@
           <a:p>
             <a:fld id="{5958763E-B898-436D-883D-03711491D54A}" type="datetimeFigureOut">
               <a:rPr lang="en-US" smtClean="0"/>
-              <a:t>3/23/2020</a:t>
+              <a:t>3/18/2022</a:t>
             </a:fld>
             <a:endParaRPr lang="en-US"/>
           </a:p>
@@ -6591,13 +6531,6 @@
   <p:transition>
     <p:fade/>
   </p:transition>
-  <p:timing>
-    <p:tnLst>
-      <p:par>
-        <p:cTn id="1" dur="indefinite" restart="never" nodeType="tmRoot"/>
-      </p:par>
-    </p:tnLst>
-  </p:timing>
 </p:sldLayout>
 </file>
 
@@ -6988,7 +6921,7 @@
           <a:p>
             <a:fld id="{5958763E-B898-436D-883D-03711491D54A}" type="datetimeFigureOut">
               <a:rPr lang="en-US" smtClean="0"/>
-              <a:t>3/23/2020</a:t>
+              <a:t>3/18/2022</a:t>
             </a:fld>
             <a:endParaRPr lang="en-US"/>
           </a:p>
@@ -7049,13 +6982,6 @@
   <p:transition>
     <p:fade/>
   </p:transition>
-  <p:timing>
-    <p:tnLst>
-      <p:par>
-        <p:cTn id="1" dur="indefinite" restart="never" nodeType="tmRoot"/>
-      </p:par>
-    </p:tnLst>
-  </p:timing>
 </p:sldLayout>
 </file>
 
@@ -7606,7 +7532,7 @@
           <a:p>
             <a:fld id="{5958763E-B898-436D-883D-03711491D54A}" type="datetimeFigureOut">
               <a:rPr lang="en-US" smtClean="0"/>
-              <a:t>3/23/2020</a:t>
+              <a:t>3/18/2022</a:t>
             </a:fld>
             <a:endParaRPr lang="en-US"/>
           </a:p>
@@ -7667,13 +7593,6 @@
   <p:transition>
     <p:fade/>
   </p:transition>
-  <p:timing>
-    <p:tnLst>
-      <p:par>
-        <p:cTn id="1" dur="indefinite" restart="never" nodeType="tmRoot"/>
-      </p:par>
-    </p:tnLst>
-  </p:timing>
 </p:sldLayout>
 </file>
 
@@ -8384,7 +8303,7 @@
           <a:p>
             <a:fld id="{5958763E-B898-436D-883D-03711491D54A}" type="datetimeFigureOut">
               <a:rPr lang="en-US" smtClean="0"/>
-              <a:t>3/23/2020</a:t>
+              <a:t>3/18/2022</a:t>
             </a:fld>
             <a:endParaRPr lang="en-US"/>
           </a:p>
@@ -8445,13 +8364,6 @@
   <p:transition>
     <p:fade/>
   </p:transition>
-  <p:timing>
-    <p:tnLst>
-      <p:par>
-        <p:cTn id="1" dur="indefinite" restart="never" nodeType="tmRoot"/>
-      </p:par>
-    </p:tnLst>
-  </p:timing>
 </p:sldLayout>
 </file>
 
@@ -8495,7 +8407,7 @@
           <a:p>
             <a:fld id="{5958763E-B898-436D-883D-03711491D54A}" type="datetimeFigureOut">
               <a:rPr lang="en-US" smtClean="0"/>
-              <a:t>3/23/2020</a:t>
+              <a:t>3/18/2022</a:t>
             </a:fld>
             <a:endParaRPr lang="en-US"/>
           </a:p>
@@ -8568,13 +8480,6 @@
   <p:transition>
     <p:fade/>
   </p:transition>
-  <p:timing>
-    <p:tnLst>
-      <p:par>
-        <p:cTn id="1" dur="indefinite" restart="never" nodeType="tmRoot"/>
-      </p:par>
-    </p:tnLst>
-  </p:timing>
 </p:sldLayout>
 </file>
 
@@ -8654,7 +8559,7 @@
                 <a:spcPct val="0"/>
               </a:spcAft>
             </a:pPr>
-            <a:endParaRPr lang="en-US" sz="2400" dirty="0" err="1" smtClean="0">
+            <a:endParaRPr lang="en-US" sz="2400" dirty="0" err="1">
               <a:gradFill>
                 <a:gsLst>
                   <a:gs pos="0">
@@ -8787,15 +8692,7 @@
           <a:p>
             <a:r>
               <a:rPr lang="en-US" dirty="0"/>
-              <a:t>Click to edit Master </a:t>
-            </a:r>
-            <a:r>
-              <a:rPr lang="en-US" dirty="0" smtClean="0"/>
-              <a:t>subtitle </a:t>
-            </a:r>
-            <a:r>
-              <a:rPr lang="en-US" dirty="0"/>
-              <a:t>style</a:t>
+              <a:t>Click to edit Master subtitle style</a:t>
             </a:r>
           </a:p>
         </p:txBody>
@@ -8837,7 +8734,7 @@
             <a:fld id="{1C2D31DE-C454-491C-B5C3-F097855E3DF7}" type="datetime4">
               <a:rPr lang="en-US" smtClean="0"/>
               <a:pPr/>
-              <a:t>March 23, 2020</a:t>
+              <a:t>March 18, 2022</a:t>
             </a:fld>
             <a:endParaRPr lang="en-US" dirty="0"/>
           </a:p>
@@ -11911,17 +11808,16 @@
           <a:p>
             <a:pPr lvl="0"/>
             <a:r>
-              <a:rPr lang="en-US" dirty="0" smtClean="0"/>
+              <a:rPr lang="en-US" dirty="0"/>
               <a:t>Presenter Name</a:t>
             </a:r>
             <a:br>
-              <a:rPr lang="en-US" dirty="0" smtClean="0"/>
+              <a:rPr lang="en-US" dirty="0"/>
             </a:br>
             <a:r>
-              <a:rPr lang="en-US" dirty="0" smtClean="0"/>
+              <a:rPr lang="en-US" dirty="0"/>
               <a:t>Presenter Title</a:t>
             </a:r>
-            <a:endParaRPr lang="en-US" dirty="0"/>
           </a:p>
         </p:txBody>
       </p:sp>
@@ -11938,13 +11834,6 @@
   <p:transition>
     <p:fade/>
   </p:transition>
-  <p:timing>
-    <p:tnLst>
-      <p:par>
-        <p:cTn id="1" dur="indefinite" restart="never" nodeType="tmRoot"/>
-      </p:par>
-    </p:tnLst>
-  </p:timing>
   <p:hf sldNum="0" hdr="0" ftr="0"/>
 </p:sldLayout>
 </file>
@@ -11997,7 +11886,7 @@
           <a:p>
             <a:fld id="{5958763E-B898-436D-883D-03711491D54A}" type="datetimeFigureOut">
               <a:rPr lang="en-US" smtClean="0"/>
-              <a:t>3/23/2020</a:t>
+              <a:t>3/18/2022</a:t>
             </a:fld>
             <a:endParaRPr lang="en-US"/>
           </a:p>
@@ -12070,13 +11959,6 @@
   <p:transition>
     <p:fade/>
   </p:transition>
-  <p:timing>
-    <p:tnLst>
-      <p:par>
-        <p:cTn id="1" dur="indefinite" restart="never" nodeType="tmRoot"/>
-      </p:par>
-    </p:tnLst>
-  </p:timing>
 </p:sldLayout>
 </file>
 
@@ -12128,7 +12010,7 @@
           <a:p>
             <a:fld id="{5958763E-B898-436D-883D-03711491D54A}" type="datetimeFigureOut">
               <a:rPr lang="en-US" smtClean="0"/>
-              <a:t>3/23/2020</a:t>
+              <a:t>3/18/2022</a:t>
             </a:fld>
             <a:endParaRPr lang="en-US"/>
           </a:p>
@@ -12201,13 +12083,6 @@
   <p:transition>
     <p:fade/>
   </p:transition>
-  <p:timing>
-    <p:tnLst>
-      <p:par>
-        <p:cTn id="1" dur="indefinite" restart="never" nodeType="tmRoot"/>
-      </p:par>
-    </p:tnLst>
-  </p:timing>
 </p:sldLayout>
 </file>
 
@@ -12259,7 +12134,7 @@
           <a:p>
             <a:fld id="{5958763E-B898-436D-883D-03711491D54A}" type="datetimeFigureOut">
               <a:rPr lang="en-US" smtClean="0"/>
-              <a:t>3/23/2020</a:t>
+              <a:t>3/18/2022</a:t>
             </a:fld>
             <a:endParaRPr lang="en-US"/>
           </a:p>
@@ -12332,13 +12207,6 @@
   <p:transition>
     <p:fade/>
   </p:transition>
-  <p:timing>
-    <p:tnLst>
-      <p:par>
-        <p:cTn id="1" dur="indefinite" restart="never" nodeType="tmRoot"/>
-      </p:par>
-    </p:tnLst>
-  </p:timing>
 </p:sldLayout>
 </file>
 
@@ -12390,7 +12258,7 @@
           <a:p>
             <a:fld id="{5958763E-B898-436D-883D-03711491D54A}" type="datetimeFigureOut">
               <a:rPr lang="en-US" smtClean="0"/>
-              <a:t>3/23/2020</a:t>
+              <a:t>3/18/2022</a:t>
             </a:fld>
             <a:endParaRPr lang="en-US"/>
           </a:p>
@@ -12463,13 +12331,6 @@
   <p:transition>
     <p:fade/>
   </p:transition>
-  <p:timing>
-    <p:tnLst>
-      <p:par>
-        <p:cTn id="1" dur="indefinite" restart="never" nodeType="tmRoot"/>
-      </p:par>
-    </p:tnLst>
-  </p:timing>
 </p:sldLayout>
 </file>
 
@@ -12521,7 +12382,7 @@
           <a:p>
             <a:fld id="{5958763E-B898-436D-883D-03711491D54A}" type="datetimeFigureOut">
               <a:rPr lang="en-US" smtClean="0"/>
-              <a:t>3/23/2020</a:t>
+              <a:t>3/18/2022</a:t>
             </a:fld>
             <a:endParaRPr lang="en-US"/>
           </a:p>
@@ -12594,13 +12455,6 @@
   <p:transition>
     <p:fade/>
   </p:transition>
-  <p:timing>
-    <p:tnLst>
-      <p:par>
-        <p:cTn id="1" dur="indefinite" restart="never" nodeType="tmRoot"/>
-      </p:par>
-    </p:tnLst>
-  </p:timing>
 </p:sldLayout>
 </file>
 
@@ -12652,7 +12506,7 @@
           <a:p>
             <a:fld id="{5958763E-B898-436D-883D-03711491D54A}" type="datetimeFigureOut">
               <a:rPr lang="en-US" smtClean="0"/>
-              <a:t>3/23/2020</a:t>
+              <a:t>3/18/2022</a:t>
             </a:fld>
             <a:endParaRPr lang="en-US"/>
           </a:p>
@@ -12725,13 +12579,6 @@
   <p:transition>
     <p:fade/>
   </p:transition>
-  <p:timing>
-    <p:tnLst>
-      <p:par>
-        <p:cTn id="1" dur="indefinite" restart="never" nodeType="tmRoot"/>
-      </p:par>
-    </p:tnLst>
-  </p:timing>
 </p:sldLayout>
 </file>
 
@@ -12783,7 +12630,7 @@
           <a:p>
             <a:fld id="{5958763E-B898-436D-883D-03711491D54A}" type="datetimeFigureOut">
               <a:rPr lang="en-US" smtClean="0"/>
-              <a:t>3/23/2020</a:t>
+              <a:t>3/18/2022</a:t>
             </a:fld>
             <a:endParaRPr lang="en-US"/>
           </a:p>
@@ -12856,13 +12703,6 @@
   <p:transition>
     <p:fade/>
   </p:transition>
-  <p:timing>
-    <p:tnLst>
-      <p:par>
-        <p:cTn id="1" dur="indefinite" restart="never" nodeType="tmRoot"/>
-      </p:par>
-    </p:tnLst>
-  </p:timing>
 </p:sldLayout>
 </file>
 
@@ -12914,7 +12754,7 @@
           <a:p>
             <a:fld id="{5958763E-B898-436D-883D-03711491D54A}" type="datetimeFigureOut">
               <a:rPr lang="en-US" smtClean="0"/>
-              <a:t>3/23/2020</a:t>
+              <a:t>3/18/2022</a:t>
             </a:fld>
             <a:endParaRPr lang="en-US"/>
           </a:p>
@@ -12987,13 +12827,6 @@
   <p:transition>
     <p:fade/>
   </p:transition>
-  <p:timing>
-    <p:tnLst>
-      <p:par>
-        <p:cTn id="1" dur="indefinite" restart="never" nodeType="tmRoot"/>
-      </p:par>
-    </p:tnLst>
-  </p:timing>
 </p:sldLayout>
 </file>
 
@@ -13054,7 +12887,7 @@
           <a:p>
             <a:fld id="{5958763E-B898-436D-883D-03711491D54A}" type="datetimeFigureOut">
               <a:rPr lang="en-US" smtClean="0"/>
-              <a:t>3/23/2020</a:t>
+              <a:t>3/18/2022</a:t>
             </a:fld>
             <a:endParaRPr lang="en-US"/>
           </a:p>
@@ -13127,13 +12960,6 @@
   <p:transition>
     <p:fade/>
   </p:transition>
-  <p:timing>
-    <p:tnLst>
-      <p:par>
-        <p:cTn id="1" dur="indefinite" restart="never" nodeType="tmRoot"/>
-      </p:par>
-    </p:tnLst>
-  </p:timing>
 </p:sldLayout>
 </file>
 
@@ -16135,13 +15961,6 @@
   <p:transition>
     <p:fade/>
   </p:transition>
-  <p:timing>
-    <p:tnLst>
-      <p:par>
-        <p:cTn id="1" dur="indefinite" restart="never" nodeType="tmRoot"/>
-      </p:par>
-    </p:tnLst>
-  </p:timing>
 </p:sldLayout>
 </file>
 
@@ -16229,7 +16048,7 @@
                 <a:spcPct val="0"/>
               </a:spcAft>
             </a:pPr>
-            <a:endParaRPr lang="en-US" sz="2400" dirty="0" err="1" smtClean="0">
+            <a:endParaRPr lang="en-US" sz="2400" dirty="0" err="1">
               <a:gradFill>
                 <a:gsLst>
                   <a:gs pos="0">
@@ -16365,15 +16184,7 @@
           <a:p>
             <a:r>
               <a:rPr lang="en-US" dirty="0"/>
-              <a:t>Click to edit Master </a:t>
-            </a:r>
-            <a:r>
-              <a:rPr lang="en-US" dirty="0" smtClean="0"/>
-              <a:t>subtitle </a:t>
-            </a:r>
-            <a:r>
-              <a:rPr lang="en-US" dirty="0"/>
-              <a:t>style</a:t>
+              <a:t>Click to edit Master subtitle style</a:t>
             </a:r>
           </a:p>
         </p:txBody>
@@ -16415,7 +16226,7 @@
             <a:fld id="{1C2D31DE-C454-491C-B5C3-F097855E3DF7}" type="datetime4">
               <a:rPr lang="en-US" smtClean="0"/>
               <a:pPr/>
-              <a:t>March 23, 2020</a:t>
+              <a:t>March 18, 2022</a:t>
             </a:fld>
             <a:endParaRPr lang="en-US" dirty="0"/>
           </a:p>
@@ -19497,17 +19308,16 @@
           <a:p>
             <a:pPr lvl="0"/>
             <a:r>
-              <a:rPr lang="en-US" dirty="0" smtClean="0"/>
+              <a:rPr lang="en-US" dirty="0"/>
               <a:t>Presenter Name</a:t>
             </a:r>
             <a:br>
-              <a:rPr lang="en-US" dirty="0" smtClean="0"/>
+              <a:rPr lang="en-US" dirty="0"/>
             </a:br>
             <a:r>
-              <a:rPr lang="en-US" dirty="0" smtClean="0"/>
+              <a:rPr lang="en-US" dirty="0"/>
               <a:t>Presenter Title</a:t>
             </a:r>
-            <a:endParaRPr lang="en-US" dirty="0"/>
           </a:p>
         </p:txBody>
       </p:sp>
@@ -19524,13 +19334,6 @@
   <p:transition>
     <p:fade/>
   </p:transition>
-  <p:timing>
-    <p:tnLst>
-      <p:par>
-        <p:cTn id="1" dur="indefinite" restart="never" nodeType="tmRoot"/>
-      </p:par>
-    </p:tnLst>
-  </p:timing>
   <p:hf sldNum="0" hdr="0" ftr="0"/>
 </p:sldLayout>
 </file>
@@ -27040,10 +26843,9 @@
           <a:p>
             <a:pPr lvl="0"/>
             <a:r>
-              <a:rPr lang="en-US" dirty="0" smtClean="0"/>
+              <a:rPr lang="en-US" dirty="0"/>
               <a:t>&lt;Call to action&gt;</a:t>
             </a:r>
-            <a:endParaRPr lang="en-US" dirty="0"/>
           </a:p>
         </p:txBody>
       </p:sp>
@@ -28660,7 +28462,7 @@
           <a:p>
             <a:fld id="{5958763E-B898-436D-883D-03711491D54A}" type="datetimeFigureOut">
               <a:rPr lang="en-US" smtClean="0"/>
-              <a:t>3/23/2020</a:t>
+              <a:t>3/18/2022</a:t>
             </a:fld>
             <a:endParaRPr lang="en-US"/>
           </a:p>
@@ -28787,7 +28589,7 @@
                 <a:spcPct val="0"/>
               </a:spcAft>
             </a:pPr>
-            <a:endParaRPr lang="en-US" sz="2400" dirty="0" err="1" smtClean="0">
+            <a:endParaRPr lang="en-US" sz="2400" dirty="0" err="1">
               <a:gradFill>
                 <a:gsLst>
                   <a:gs pos="0">
@@ -28818,13 +28620,6 @@
   <p:transition>
     <p:fade/>
   </p:transition>
-  <p:timing>
-    <p:tnLst>
-      <p:par>
-        <p:cTn id="1" dur="indefinite" restart="never" nodeType="tmRoot"/>
-      </p:par>
-    </p:tnLst>
-  </p:timing>
 </p:sldLayout>
 </file>
 
@@ -29069,7 +28864,7 @@
           <a:p>
             <a:fld id="{5958763E-B898-436D-883D-03711491D54A}" type="datetimeFigureOut">
               <a:rPr lang="en-US" smtClean="0"/>
-              <a:t>3/23/2020</a:t>
+              <a:t>3/18/2022</a:t>
             </a:fld>
             <a:endParaRPr lang="en-US"/>
           </a:p>
@@ -29142,13 +28937,6 @@
   <p:transition>
     <p:fade/>
   </p:transition>
-  <p:timing>
-    <p:tnLst>
-      <p:par>
-        <p:cTn id="1" dur="indefinite" restart="never" nodeType="tmRoot"/>
-      </p:par>
-    </p:tnLst>
-  </p:timing>
 </p:sldLayout>
 </file>
 
@@ -29370,7 +29158,7 @@
           <a:p>
             <a:fld id="{5958763E-B898-436D-883D-03711491D54A}" type="datetimeFigureOut">
               <a:rPr lang="en-US" smtClean="0"/>
-              <a:t>3/23/2020</a:t>
+              <a:t>3/18/2022</a:t>
             </a:fld>
             <a:endParaRPr lang="en-US"/>
           </a:p>
@@ -29443,13 +29231,6 @@
   <p:transition>
     <p:fade/>
   </p:transition>
-  <p:timing>
-    <p:tnLst>
-      <p:par>
-        <p:cTn id="1" dur="indefinite" restart="never" nodeType="tmRoot"/>
-      </p:par>
-    </p:tnLst>
-  </p:timing>
 </p:sldLayout>
 </file>
 
@@ -29578,7 +29359,7 @@
           <a:p>
             <a:fld id="{5958763E-B898-436D-883D-03711491D54A}" type="datetimeFigureOut">
               <a:rPr lang="en-US" smtClean="0"/>
-              <a:t>3/23/2020</a:t>
+              <a:t>3/18/2022</a:t>
             </a:fld>
             <a:endParaRPr lang="en-US"/>
           </a:p>
@@ -29701,13 +29482,6 @@
   <p:transition>
     <p:fade/>
   </p:transition>
-  <p:timing>
-    <p:tnLst>
-      <p:par>
-        <p:cTn id="1" dur="indefinite" restart="never" nodeType="tmRoot"/>
-      </p:par>
-    </p:tnLst>
-  </p:timing>
 </p:sldLayout>
 </file>
 
@@ -29846,7 +29620,7 @@
           <a:p>
             <a:fld id="{5958763E-B898-436D-883D-03711491D54A}" type="datetimeFigureOut">
               <a:rPr lang="en-US" smtClean="0"/>
-              <a:t>3/23/2020</a:t>
+              <a:t>3/18/2022</a:t>
             </a:fld>
             <a:endParaRPr lang="en-US"/>
           </a:p>
@@ -29973,13 +29747,6 @@
   <p:transition>
     <p:fade/>
   </p:transition>
-  <p:timing>
-    <p:tnLst>
-      <p:par>
-        <p:cTn id="1" dur="indefinite" restart="never" nodeType="tmRoot"/>
-      </p:par>
-    </p:tnLst>
-  </p:timing>
 </p:sldLayout>
 </file>
 
@@ -30141,7 +29908,7 @@
                 <a:spcPct val="0"/>
               </a:spcAft>
             </a:pPr>
-            <a:endParaRPr lang="en-US" sz="2400" dirty="0" err="1" smtClean="0">
+            <a:endParaRPr lang="en-US" sz="2400" dirty="0" err="1">
               <a:gradFill>
                 <a:gsLst>
                   <a:gs pos="0">
@@ -30192,10 +29959,9 @@
           </a:lstStyle>
           <a:p>
             <a:r>
-              <a:rPr lang="en-US" dirty="0" smtClean="0"/>
+              <a:rPr lang="en-US" dirty="0"/>
               <a:t>Type “Agenda”</a:t>
             </a:r>
-            <a:endParaRPr lang="en-US" dirty="0"/>
           </a:p>
         </p:txBody>
       </p:sp>
@@ -30319,24 +30085,23 @@
           <a:p>
             <a:pPr lvl="0"/>
             <a:r>
-              <a:rPr lang="en-US" dirty="0" smtClean="0"/>
+              <a:rPr lang="en-US" dirty="0"/>
               <a:t>Item 1</a:t>
             </a:r>
           </a:p>
           <a:p>
             <a:pPr lvl="0"/>
             <a:r>
-              <a:rPr lang="en-US" dirty="0" smtClean="0"/>
+              <a:rPr lang="en-US" dirty="0"/>
               <a:t>Item 2</a:t>
             </a:r>
           </a:p>
           <a:p>
             <a:pPr lvl="0"/>
             <a:r>
-              <a:rPr lang="en-US" dirty="0" smtClean="0"/>
+              <a:rPr lang="en-US" dirty="0"/>
               <a:t>Item 3</a:t>
             </a:r>
-            <a:endParaRPr lang="en-US" dirty="0"/>
           </a:p>
         </p:txBody>
       </p:sp>
@@ -30363,7 +30128,7 @@
           <a:p>
             <a:fld id="{5958763E-B898-436D-883D-03711491D54A}" type="datetimeFigureOut">
               <a:rPr lang="en-US" smtClean="0"/>
-              <a:t>3/23/2020</a:t>
+              <a:t>3/18/2022</a:t>
             </a:fld>
             <a:endParaRPr lang="en-US"/>
           </a:p>
@@ -30470,13 +30235,6 @@
   <p:transition>
     <p:fade/>
   </p:transition>
-  <p:timing>
-    <p:tnLst>
-      <p:par>
-        <p:cTn id="1" dur="indefinite" restart="never" nodeType="tmRoot"/>
-      </p:par>
-    </p:tnLst>
-  </p:timing>
 </p:sldLayout>
 </file>
 
@@ -30638,7 +30396,7 @@
                 <a:spcPct val="0"/>
               </a:spcAft>
             </a:pPr>
-            <a:endParaRPr lang="en-US" sz="2400" dirty="0" err="1" smtClean="0">
+            <a:endParaRPr lang="en-US" sz="2400" dirty="0" err="1">
               <a:gradFill>
                 <a:gsLst>
                   <a:gs pos="0">
@@ -30691,10 +30449,9 @@
           </a:lstStyle>
           <a:p>
             <a:r>
-              <a:rPr lang="en-US" dirty="0" smtClean="0"/>
+              <a:rPr lang="en-US" dirty="0"/>
               <a:t>Notable Quote</a:t>
             </a:r>
-            <a:endParaRPr lang="en-US" dirty="0"/>
           </a:p>
         </p:txBody>
       </p:sp>
@@ -30821,10 +30578,9 @@
           <a:p>
             <a:pPr lvl="0"/>
             <a:r>
-              <a:rPr lang="en-US" dirty="0" smtClean="0"/>
+              <a:rPr lang="en-US" dirty="0"/>
               <a:t>– Attribution</a:t>
             </a:r>
-            <a:endParaRPr lang="en-US" dirty="0"/>
           </a:p>
         </p:txBody>
       </p:sp>
@@ -30851,7 +30607,7 @@
           <a:p>
             <a:fld id="{5958763E-B898-436D-883D-03711491D54A}" type="datetimeFigureOut">
               <a:rPr lang="en-US" smtClean="0"/>
-              <a:t>3/23/2020</a:t>
+              <a:t>3/18/2022</a:t>
             </a:fld>
             <a:endParaRPr lang="en-US"/>
           </a:p>
@@ -31599,13 +31355,6 @@
   <p:transition>
     <p:fade/>
   </p:transition>
-  <p:timing>
-    <p:tnLst>
-      <p:par>
-        <p:cTn id="1" dur="indefinite" restart="never" nodeType="tmRoot"/>
-      </p:par>
-    </p:tnLst>
-  </p:timing>
 </p:sldLayout>
 </file>
 
@@ -31677,7 +31426,7 @@
           <a:p>
             <a:fld id="{5958763E-B898-436D-883D-03711491D54A}" type="datetimeFigureOut">
               <a:rPr lang="en-US" smtClean="0"/>
-              <a:t>3/23/2020</a:t>
+              <a:t>3/18/2022</a:t>
             </a:fld>
             <a:endParaRPr lang="en-US"/>
           </a:p>
@@ -31750,13 +31499,6 @@
   <p:transition>
     <p:fade/>
   </p:transition>
-  <p:timing>
-    <p:tnLst>
-      <p:par>
-        <p:cTn id="1" dur="indefinite" restart="never" nodeType="tmRoot"/>
-      </p:par>
-    </p:tnLst>
-  </p:timing>
 </p:sldLayout>
 </file>
 
@@ -31885,7 +31627,7 @@
           <a:p>
             <a:fld id="{5958763E-B898-436D-883D-03711491D54A}" type="datetimeFigureOut">
               <a:rPr lang="en-US" smtClean="0"/>
-              <a:t>3/23/2020</a:t>
+              <a:t>3/18/2022</a:t>
             </a:fld>
             <a:endParaRPr lang="en-US"/>
           </a:p>
@@ -32008,13 +31750,6 @@
   <p:transition>
     <p:fade/>
   </p:transition>
-  <p:timing>
-    <p:tnLst>
-      <p:par>
-        <p:cTn id="1" dur="indefinite" restart="never" nodeType="tmRoot"/>
-      </p:par>
-    </p:tnLst>
-  </p:timing>
 </p:sldLayout>
 </file>
 
@@ -32227,7 +31962,7 @@
           <a:p>
             <a:fld id="{5958763E-B898-436D-883D-03711491D54A}" type="datetimeFigureOut">
               <a:rPr lang="en-US" smtClean="0"/>
-              <a:t>3/23/2020</a:t>
+              <a:t>3/18/2022</a:t>
             </a:fld>
             <a:endParaRPr lang="en-US"/>
           </a:p>
@@ -32300,13 +32035,6 @@
   <p:transition>
     <p:fade/>
   </p:transition>
-  <p:timing>
-    <p:tnLst>
-      <p:par>
-        <p:cTn id="1" dur="indefinite" restart="never" nodeType="tmRoot"/>
-      </p:par>
-    </p:tnLst>
-  </p:timing>
 </p:sldLayout>
 </file>
 
@@ -32464,7 +32192,7 @@
           <a:p>
             <a:fld id="{5958763E-B898-436D-883D-03711491D54A}" type="datetimeFigureOut">
               <a:rPr lang="en-US" smtClean="0"/>
-              <a:t>3/23/2020</a:t>
+              <a:t>3/18/2022</a:t>
             </a:fld>
             <a:endParaRPr lang="en-US"/>
           </a:p>
@@ -32537,13 +32265,6 @@
   <p:transition>
     <p:fade/>
   </p:transition>
-  <p:timing>
-    <p:tnLst>
-      <p:par>
-        <p:cTn id="1" dur="indefinite" restart="never" nodeType="tmRoot"/>
-      </p:par>
-    </p:tnLst>
-  </p:timing>
 </p:sldLayout>
 </file>
 
@@ -32715,7 +32436,7 @@
           <a:p>
             <a:fld id="{5958763E-B898-436D-883D-03711491D54A}" type="datetimeFigureOut">
               <a:rPr lang="en-US" smtClean="0"/>
-              <a:t>3/23/2020</a:t>
+              <a:t>3/18/2022</a:t>
             </a:fld>
             <a:endParaRPr lang="en-US"/>
           </a:p>
@@ -32861,13 +32582,6 @@
   <p:transition>
     <p:fade/>
   </p:transition>
-  <p:timing>
-    <p:tnLst>
-      <p:par>
-        <p:cTn id="1" dur="indefinite" restart="never" nodeType="tmRoot"/>
-      </p:par>
-    </p:tnLst>
-  </p:timing>
   <p:txStyles>
     <p:titleStyle>
       <a:lvl1pPr algn="l" defTabSz="914400" rtl="0" eaLnBrk="1" latinLnBrk="0" hangingPunct="1">
@@ -33172,7 +32886,7 @@
       </a:lvl9pPr>
     </p:otherStyle>
   </p:txStyles>
-  <p:extLst mod="1">
+  <p:extLst>
     <p:ext uri="{27BBF7A9-308A-43DC-89C8-2F10F3537804}">
       <p15:sldGuideLst xmlns:p15="http://schemas.microsoft.com/office/powerpoint/2012/main">
         <p15:guide id="1" orient="horz" pos="2160" userDrawn="1">
@@ -33251,10 +32965,9 @@
           <a:lstStyle/>
           <a:p>
             <a:r>
-              <a:rPr lang="en-US" sz="6600" dirty="0" smtClean="0"/>
+              <a:rPr lang="en-US" sz="6600" dirty="0"/>
               <a:t>Introduction to CSS</a:t>
             </a:r>
-            <a:endParaRPr lang="en-US" sz="6600" dirty="0"/>
           </a:p>
         </p:txBody>
       </p:sp>
@@ -33279,10 +32992,9 @@
           <a:lstStyle/>
           <a:p>
             <a:r>
-              <a:rPr lang="en-US" dirty="0" smtClean="0"/>
+              <a:rPr lang="en-US" dirty="0"/>
               <a:t>Hy-Tech Club: Web 101</a:t>
             </a:r>
-            <a:endParaRPr lang="en-US" dirty="0"/>
           </a:p>
         </p:txBody>
       </p:sp>
@@ -36267,13 +35979,6 @@
   <p:transition>
     <p:fade/>
   </p:transition>
-  <p:timing>
-    <p:tnLst>
-      <p:par>
-        <p:cTn id="1" dur="indefinite" restart="never" nodeType="tmRoot"/>
-      </p:par>
-    </p:tnLst>
-  </p:timing>
 </p:sld>
 </file>
 
@@ -36310,10 +36015,9 @@
           <a:lstStyle/>
           <a:p>
             <a:r>
-              <a:rPr lang="en-US" dirty="0" smtClean="0"/>
+              <a:rPr lang="en-US" dirty="0"/>
               <a:t>What is CSS?</a:t>
             </a:r>
-            <a:endParaRPr lang="en-US" dirty="0"/>
           </a:p>
         </p:txBody>
       </p:sp>
@@ -36340,46 +36044,45 @@
           <a:lstStyle/>
           <a:p>
             <a:r>
-              <a:rPr lang="en-US" dirty="0" smtClean="0"/>
+              <a:rPr lang="en-US" dirty="0"/>
               <a:t>CSS (</a:t>
             </a:r>
             <a:r>
-              <a:rPr lang="en-US" b="1" dirty="0" smtClean="0"/>
+              <a:rPr lang="en-US" b="1" dirty="0"/>
               <a:t>C</a:t>
             </a:r>
             <a:r>
-              <a:rPr lang="en-US" dirty="0" smtClean="0"/>
+              <a:rPr lang="en-US" dirty="0"/>
               <a:t>ascading </a:t>
             </a:r>
             <a:r>
-              <a:rPr lang="en-US" b="1" dirty="0" smtClean="0"/>
+              <a:rPr lang="en-US" b="1" dirty="0"/>
               <a:t>S</a:t>
             </a:r>
             <a:r>
-              <a:rPr lang="en-US" dirty="0" smtClean="0"/>
+              <a:rPr lang="en-US" dirty="0"/>
               <a:t>tyle</a:t>
             </a:r>
             <a:r>
-              <a:rPr lang="en-US" b="1" dirty="0" smtClean="0"/>
+              <a:rPr lang="en-US" b="1" dirty="0"/>
               <a:t>s</a:t>
             </a:r>
             <a:r>
-              <a:rPr lang="en-US" dirty="0" smtClean="0"/>
+              <a:rPr lang="en-US" dirty="0"/>
               <a:t>heets) is a language that allows developers to change </a:t>
             </a:r>
             <a:r>
-              <a:rPr lang="en-US" i="1" dirty="0" smtClean="0"/>
+              <a:rPr lang="en-US" i="1" dirty="0"/>
               <a:t>styles</a:t>
             </a:r>
             <a:r>
-              <a:rPr lang="en-US" dirty="0" smtClean="0"/>
+              <a:rPr lang="en-US" dirty="0"/>
               <a:t> on a webpage</a:t>
             </a:r>
-            <a:endParaRPr lang="en-US" dirty="0" smtClean="0"/>
           </a:p>
           <a:p>
             <a:r>
-              <a:rPr lang="en-US" dirty="0" smtClean="0"/>
+              <a:rPr lang="en-US" dirty="0"/>
               <a:t>CSS can change fonts, colors,  backgrounds, positioning, even animations!</a:t>
             </a:r>
           </a:p>
@@ -36388,18 +36091,17 @@
           </a:p>
           <a:p>
             <a:r>
-              <a:rPr lang="en-US" dirty="0" smtClean="0"/>
+              <a:rPr lang="en-US" dirty="0"/>
               <a:t>If HTML is the </a:t>
             </a:r>
             <a:r>
-              <a:rPr lang="en-US" i="1" dirty="0" smtClean="0"/>
+              <a:rPr lang="en-US" i="1" dirty="0"/>
               <a:t>skeleton</a:t>
             </a:r>
             <a:r>
-              <a:rPr lang="en-US" dirty="0" smtClean="0"/>
+              <a:rPr lang="en-US" dirty="0"/>
               <a:t> of a page, CSS is the clothing that it wears</a:t>
             </a:r>
-            <a:endParaRPr lang="en-US" dirty="0" smtClean="0"/>
           </a:p>
           <a:p>
             <a:endParaRPr lang="en-US" dirty="0"/>
@@ -36896,11 +36598,11 @@
           <a:lstStyle/>
           <a:p>
             <a:r>
-              <a:rPr lang="en-US" dirty="0" smtClean="0"/>
+              <a:rPr lang="en-US" dirty="0"/>
               <a:t>CSS Example – A webpage with </a:t>
             </a:r>
             <a:r>
-              <a:rPr lang="en-US" dirty="0" err="1" smtClean="0"/>
+              <a:rPr lang="en-US" dirty="0" err="1"/>
               <a:t>css</a:t>
             </a:r>
             <a:endParaRPr lang="en-US" dirty="0"/>
@@ -37341,13 +37043,6 @@
   <p:transition>
     <p:fade/>
   </p:transition>
-  <p:timing>
-    <p:tnLst>
-      <p:par>
-        <p:cTn id="1" dur="indefinite" restart="never" nodeType="tmRoot"/>
-      </p:par>
-    </p:tnLst>
-  </p:timing>
 </p:sld>
 </file>
 
@@ -37394,14 +37089,9 @@
           <a:lstStyle/>
           <a:p>
             <a:r>
-              <a:rPr lang="en-US" dirty="0" smtClean="0"/>
-              <a:t>CSS </a:t>
+              <a:rPr lang="en-US" dirty="0"/>
+              <a:t>CSS example</a:t>
             </a:r>
-            <a:r>
-              <a:rPr lang="en-US" dirty="0" smtClean="0"/>
-              <a:t>example</a:t>
-            </a:r>
-            <a:endParaRPr lang="en-US" dirty="0"/>
           </a:p>
         </p:txBody>
       </p:sp>
@@ -37429,7 +37119,7 @@
               <a:rPr lang="en-US" sz="11500" dirty="0">
                 <a:hlinkClick r:id="rId3"/>
               </a:rPr>
-              <a:t>https://repl.it/repls/DemandingDetailedOutcomes</a:t>
+              <a:t>https://replit.com/@HylandOutreach/CssExample</a:t>
             </a:r>
             <a:endParaRPr lang="en-US" sz="13800" dirty="0"/>
           </a:p>
@@ -37448,13 +37138,6 @@
   <p:transition>
     <p:fade/>
   </p:transition>
-  <p:timing>
-    <p:tnLst>
-      <p:par>
-        <p:cTn id="1" dur="indefinite" restart="never" nodeType="tmRoot"/>
-      </p:par>
-    </p:tnLst>
-  </p:timing>
 </p:sld>
 </file>
 
@@ -37491,10 +37174,9 @@
           <a:lstStyle/>
           <a:p>
             <a:r>
-              <a:rPr lang="en-US" dirty="0" smtClean="0"/>
+              <a:rPr lang="en-US" dirty="0"/>
               <a:t>Using external stylesheets – Why?</a:t>
             </a:r>
-            <a:endParaRPr lang="en-US" dirty="0"/>
           </a:p>
         </p:txBody>
       </p:sp>
@@ -37514,27 +37196,27 @@
           <a:lstStyle/>
           <a:p>
             <a:r>
-              <a:rPr lang="en-US" dirty="0" smtClean="0"/>
+              <a:rPr lang="en-US" dirty="0"/>
               <a:t>While it is possible to put CSS in HTML files, </a:t>
             </a:r>
             <a:r>
-              <a:rPr lang="en-US" i="1" dirty="0" smtClean="0"/>
+              <a:rPr lang="en-US" i="1" dirty="0"/>
               <a:t>external stylesheets</a:t>
             </a:r>
             <a:r>
-              <a:rPr lang="en-US" dirty="0" smtClean="0"/>
+              <a:rPr lang="en-US" dirty="0"/>
               <a:t> are easier to maintain</a:t>
             </a:r>
           </a:p>
           <a:p>
-            <a:endParaRPr lang="en-US" dirty="0" smtClean="0"/>
+            <a:endParaRPr lang="en-US" dirty="0"/>
           </a:p>
           <a:p>
-            <a:endParaRPr lang="en-US" dirty="0" smtClean="0"/>
+            <a:endParaRPr lang="en-US" dirty="0"/>
           </a:p>
           <a:p>
             <a:r>
-              <a:rPr lang="en-US" dirty="0" smtClean="0"/>
+              <a:rPr lang="en-US" dirty="0"/>
               <a:t>This way, it is easy to swap out styles for HTML pages</a:t>
             </a:r>
           </a:p>
@@ -37542,27 +37224,21 @@
             <a:pPr marL="57150" indent="0">
               <a:buNone/>
             </a:pPr>
-            <a:endParaRPr lang="en-US" dirty="0" smtClean="0"/>
+            <a:endParaRPr lang="en-US" dirty="0"/>
           </a:p>
           <a:p>
             <a:endParaRPr lang="en-US" dirty="0"/>
           </a:p>
           <a:p>
             <a:r>
-              <a:rPr lang="en-US" dirty="0" smtClean="0"/>
+              <a:rPr lang="en-US" dirty="0"/>
               <a:t>Example: </a:t>
             </a:r>
             <a:r>
               <a:rPr lang="en-US" dirty="0">
                 <a:hlinkClick r:id="rId3"/>
               </a:rPr>
-              <a:t>https://</a:t>
-            </a:r>
-            <a:r>
-              <a:rPr lang="en-US" dirty="0" smtClean="0">
-                <a:hlinkClick r:id="rId3"/>
-              </a:rPr>
-              <a:t>www.w3schools.com/css/css_intro.asp</a:t>
+              <a:t>https://www.w3schools.com/css/css_intro.asp</a:t>
             </a:r>
             <a:endParaRPr lang="en-US" dirty="0"/>
           </a:p>
@@ -37581,13 +37257,6 @@
   <p:transition>
     <p:fade/>
   </p:transition>
-  <p:timing>
-    <p:tnLst>
-      <p:par>
-        <p:cTn id="1" dur="indefinite" restart="never" nodeType="tmRoot"/>
-      </p:par>
-    </p:tnLst>
-  </p:timing>
 </p:sld>
 </file>
 
@@ -37624,10 +37293,9 @@
           <a:lstStyle/>
           <a:p>
             <a:r>
-              <a:rPr lang="en-US" dirty="0" smtClean="0"/>
+              <a:rPr lang="en-US" dirty="0"/>
               <a:t>Using external stylesheets – How</a:t>
             </a:r>
-            <a:endParaRPr lang="en-US" dirty="0"/>
           </a:p>
         </p:txBody>
       </p:sp>
@@ -37691,26 +37359,14 @@
             <a:pPr lvl="1"/>
             <a:r>
               <a:rPr lang="en-US" dirty="0"/>
-              <a:t>Make sure it’s in the same directory as </a:t>
-            </a:r>
-            <a:r>
-              <a:rPr lang="en-US" dirty="0" smtClean="0"/>
-              <a:t>the </a:t>
-            </a:r>
-            <a:r>
-              <a:rPr lang="en-US" dirty="0"/>
-              <a:t>HTML file</a:t>
-            </a:r>
-            <a:r>
-              <a:rPr lang="en-US" dirty="0" smtClean="0"/>
-              <a:t>!</a:t>
+              <a:t>Make sure it’s in the same directory as the HTML file!</a:t>
             </a:r>
           </a:p>
           <a:p>
             <a:pPr marL="57150" indent="0">
               <a:buNone/>
             </a:pPr>
-            <a:endParaRPr lang="en-US" dirty="0" smtClean="0"/>
+            <a:endParaRPr lang="en-US" dirty="0"/>
           </a:p>
           <a:p>
             <a:pPr marL="57150" indent="0">
@@ -37746,30 +37402,7 @@
             </a:r>
             <a:r>
               <a:rPr lang="en-US" dirty="0"/>
-              <a:t>of </a:t>
-            </a:r>
-            <a:r>
-              <a:rPr lang="en-US" dirty="0" smtClean="0"/>
-              <a:t>the </a:t>
-            </a:r>
-            <a:r>
-              <a:rPr lang="en-US" dirty="0"/>
-              <a:t>HTML file, insert </a:t>
-            </a:r>
-            <a:r>
-              <a:rPr lang="en-US" dirty="0" smtClean="0"/>
-              <a:t>a </a:t>
-            </a:r>
-            <a:r>
-              <a:rPr lang="en-US" dirty="0" smtClean="0">
-                <a:solidFill>
-                  <a:schemeClr val="bg2">
-                    <a:lumMod val="50000"/>
-                  </a:schemeClr>
-                </a:solidFill>
-                <a:latin typeface="Consolas" panose="020B0609020204030204" pitchFamily="49" charset="0"/>
-              </a:rPr>
-              <a:t>&lt;</a:t>
+              <a:t>of the HTML file, insert a </a:t>
             </a:r>
             <a:r>
               <a:rPr lang="en-US" dirty="0">
@@ -37780,7 +37413,7 @@
                 </a:solidFill>
                 <a:latin typeface="Consolas" panose="020B0609020204030204" pitchFamily="49" charset="0"/>
               </a:rPr>
-              <a:t>link&gt;</a:t>
+              <a:t>&lt;link&gt;</a:t>
             </a:r>
             <a:r>
               <a:rPr lang="en-US" dirty="0">
@@ -37793,22 +37426,21 @@
               <a:t> </a:t>
             </a:r>
             <a:r>
-              <a:rPr lang="en-US" dirty="0" smtClean="0"/>
+              <a:rPr lang="en-US" dirty="0"/>
               <a:t>element</a:t>
             </a:r>
           </a:p>
           <a:p>
-            <a:endParaRPr lang="en-US" dirty="0" smtClean="0"/>
+            <a:endParaRPr lang="en-US" dirty="0"/>
           </a:p>
           <a:p>
             <a:endParaRPr lang="en-US" dirty="0"/>
           </a:p>
           <a:p>
             <a:r>
-              <a:rPr lang="en-US" dirty="0" smtClean="0"/>
+              <a:rPr lang="en-US" dirty="0"/>
               <a:t>Example:</a:t>
             </a:r>
-            <a:endParaRPr lang="en-US" dirty="0"/>
           </a:p>
           <a:p>
             <a:pPr marL="0" indent="0">
@@ -38315,11 +37947,11 @@
           <a:lstStyle/>
           <a:p>
             <a:r>
-              <a:rPr lang="en-US" dirty="0" smtClean="0"/>
+              <a:rPr lang="en-US" dirty="0"/>
               <a:t>More about the </a:t>
             </a:r>
             <a:r>
-              <a:rPr lang="en-US" cap="none" dirty="0" smtClean="0">
+              <a:rPr lang="en-US" cap="none" dirty="0">
                 <a:solidFill>
                   <a:schemeClr val="accent1">
                     <a:lumMod val="20000"/>
@@ -38331,10 +37963,9 @@
               <a:t>link</a:t>
             </a:r>
             <a:r>
-              <a:rPr lang="en-US" dirty="0" smtClean="0"/>
+              <a:rPr lang="en-US" dirty="0"/>
               <a:t> element</a:t>
             </a:r>
-            <a:endParaRPr lang="en-US" dirty="0"/>
           </a:p>
         </p:txBody>
       </p:sp>
@@ -38356,37 +37987,37 @@
           <a:lstStyle/>
           <a:p>
             <a:r>
-              <a:rPr lang="en-US" dirty="0" smtClean="0"/>
+              <a:rPr lang="en-US" dirty="0"/>
               <a:t>Links a variety of external files (CSS, fonts, icons)</a:t>
             </a:r>
           </a:p>
           <a:p>
-            <a:endParaRPr lang="en-US" dirty="0" smtClean="0"/>
+            <a:endParaRPr lang="en-US" dirty="0"/>
           </a:p>
           <a:p>
             <a:r>
-              <a:rPr lang="en-US" dirty="0" smtClean="0"/>
+              <a:rPr lang="en-US" dirty="0"/>
               <a:t>It is a </a:t>
             </a:r>
             <a:r>
-              <a:rPr lang="en-US" i="1" dirty="0" smtClean="0"/>
+              <a:rPr lang="en-US" i="1" dirty="0"/>
               <a:t>self-closing</a:t>
             </a:r>
             <a:r>
-              <a:rPr lang="en-US" dirty="0" smtClean="0"/>
+              <a:rPr lang="en-US" dirty="0"/>
               <a:t> tag</a:t>
             </a:r>
           </a:p>
           <a:p>
-            <a:endParaRPr lang="en-US" dirty="0" smtClean="0"/>
+            <a:endParaRPr lang="en-US" dirty="0"/>
           </a:p>
           <a:p>
             <a:r>
-              <a:rPr lang="en-US" dirty="0" smtClean="0"/>
+              <a:rPr lang="en-US" dirty="0"/>
               <a:t>It goes within the </a:t>
             </a:r>
             <a:r>
-              <a:rPr lang="en-US" sz="3200" dirty="0" smtClean="0">
+              <a:rPr lang="en-US" sz="3200" dirty="0">
                 <a:solidFill>
                   <a:schemeClr val="accent1">
                     <a:lumMod val="50000"/>
@@ -38397,7 +38028,7 @@
               <a:t>&lt;head&gt;&lt;/head&gt;</a:t>
             </a:r>
             <a:r>
-              <a:rPr lang="en-US" dirty="0" smtClean="0"/>
+              <a:rPr lang="en-US" dirty="0"/>
               <a:t> element</a:t>
             </a:r>
           </a:p>
@@ -38406,7 +38037,7 @@
           </a:p>
           <a:p>
             <a:r>
-              <a:rPr lang="en-US" dirty="0" smtClean="0"/>
+              <a:rPr lang="en-US" dirty="0"/>
               <a:t>Important attributes:</a:t>
             </a:r>
           </a:p>
@@ -39067,14 +38698,9 @@
           <a:lstStyle/>
           <a:p>
             <a:r>
-              <a:rPr lang="en-US" dirty="0" smtClean="0"/>
-              <a:t>Stylesheet </a:t>
+              <a:rPr lang="en-US" dirty="0"/>
+              <a:t>Stylesheet example</a:t>
             </a:r>
-            <a:r>
-              <a:rPr lang="en-US" dirty="0" smtClean="0"/>
-              <a:t>example</a:t>
-            </a:r>
-            <a:endParaRPr lang="en-US" dirty="0"/>
           </a:p>
         </p:txBody>
       </p:sp>
@@ -39099,12 +38725,12 @@
               <a:buNone/>
             </a:pPr>
             <a:r>
-              <a:rPr lang="en-US" sz="11500" dirty="0">
+              <a:rPr lang="en-US" sz="8800" dirty="0">
                 <a:hlinkClick r:id="rId3"/>
               </a:rPr>
-              <a:t>https://repl.it/repls/AdolescentDecimalRouter</a:t>
+              <a:t>https://replit.com/@HylandOutreach/ExternalStylesheetExample</a:t>
             </a:r>
-            <a:endParaRPr lang="en-US" sz="16600" dirty="0"/>
+            <a:endParaRPr lang="en-US" sz="11500" dirty="0"/>
           </a:p>
         </p:txBody>
       </p:sp>
@@ -39121,13 +38747,6 @@
   <p:transition>
     <p:fade/>
   </p:transition>
-  <p:timing>
-    <p:tnLst>
-      <p:par>
-        <p:cTn id="1" dur="indefinite" restart="never" nodeType="tmRoot"/>
-      </p:par>
-    </p:tnLst>
-  </p:timing>
 </p:sld>
 </file>
 

--- a/Week06/IntroductionToCss.pptx
+++ b/Week06/IntroductionToCss.pptx
@@ -5759,7 +5759,7 @@
           <a:p>
             <a:fld id="{5958763E-B898-436D-883D-03711491D54A}" type="datetimeFigureOut">
               <a:rPr lang="en-US" smtClean="0"/>
-              <a:t>2/9/2023</a:t>
+              <a:t>6/25/2024</a:t>
             </a:fld>
             <a:endParaRPr lang="en-US"/>
           </a:p>
@@ -8638,21 +8638,18 @@
                 <a:solidFill>
                   <a:schemeClr val="bg1"/>
                 </a:solidFill>
-                <a:hlinkClick r:id="rId3">
-                  <a:extLst>
-                    <a:ext uri="{A12FA001-AC4F-418D-AE19-62706E023703}">
-                      <ahyp:hlinkClr xmlns:ahyp="http://schemas.microsoft.com/office/drawing/2018/hyperlinkcolor" val="tx"/>
-                    </a:ext>
-                  </a:extLst>
-                </a:hlinkClick>
+                <a:hlinkClick r:id="rId3"/>
               </a:rPr>
-              <a:t>https://replit.com/@HylandOutreach/CssExample</a:t>
-            </a:r>
-            <a:endParaRPr lang="en-US" sz="2800" b="1" dirty="0">
-              <a:solidFill>
-                <a:schemeClr val="bg1"/>
-              </a:solidFill>
-            </a:endParaRPr>
+              <a:t>https://glitch.com/edit/#!/cssexamplee</a:t>
+            </a:r>
+            <a:r>
+              <a:rPr lang="en-US" sz="2800" b="1" dirty="0">
+                <a:solidFill>
+                  <a:schemeClr val="bg1"/>
+                </a:solidFill>
+              </a:rPr>
+              <a:t> </a:t>
+            </a:r>
           </a:p>
         </p:txBody>
       </p:sp>
@@ -10310,21 +10307,18 @@
                 <a:solidFill>
                   <a:schemeClr val="bg1"/>
                 </a:solidFill>
-                <a:hlinkClick r:id="rId3">
-                  <a:extLst>
-                    <a:ext uri="{A12FA001-AC4F-418D-AE19-62706E023703}">
-                      <ahyp:hlinkClr xmlns:ahyp="http://schemas.microsoft.com/office/drawing/2018/hyperlinkcolor" val="tx"/>
-                    </a:ext>
-                  </a:extLst>
-                </a:hlinkClick>
+                <a:hlinkClick r:id="rId3"/>
               </a:rPr>
-              <a:t>https://replit.com/@HylandOutreach/ExternalStylesheetExample</a:t>
-            </a:r>
-            <a:endParaRPr lang="en-US" sz="2000" b="1" dirty="0">
-              <a:solidFill>
-                <a:schemeClr val="bg1"/>
-              </a:solidFill>
-            </a:endParaRPr>
+              <a:t>https://glitch.com/edit/#!/externalstylesheetexample</a:t>
+            </a:r>
+            <a:r>
+              <a:rPr lang="en-US" sz="2000" b="1" dirty="0">
+                <a:solidFill>
+                  <a:schemeClr val="bg1"/>
+                </a:solidFill>
+              </a:rPr>
+              <a:t> </a:t>
+            </a:r>
           </a:p>
         </p:txBody>
       </p:sp>

--- a/Week06/IntroductionToCss.pptx
+++ b/Week06/IntroductionToCss.pptx
@@ -5759,7 +5759,7 @@
           <a:p>
             <a:fld id="{5958763E-B898-436D-883D-03711491D54A}" type="datetimeFigureOut">
               <a:rPr lang="en-US" smtClean="0"/>
-              <a:t>6/25/2024</a:t>
+              <a:t>6/26/2024</a:t>
             </a:fld>
             <a:endParaRPr lang="en-US"/>
           </a:p>
@@ -8638,15 +8638,21 @@
                 <a:solidFill>
                   <a:schemeClr val="bg1"/>
                 </a:solidFill>
+                <a:highlight>
+                  <a:srgbClr val="C0C0C0"/>
+                </a:highlight>
                 <a:hlinkClick r:id="rId3"/>
               </a:rPr>
-              <a:t>https://glitch.com/edit/#!/cssexamplee</a:t>
+              <a:t>https://glitch.com/edit/#!/remix/cssexamplee</a:t>
             </a:r>
             <a:r>
               <a:rPr lang="en-US" sz="2800" b="1" dirty="0">
                 <a:solidFill>
                   <a:schemeClr val="bg1"/>
                 </a:solidFill>
+                <a:highlight>
+                  <a:srgbClr val="C0C0C0"/>
+                </a:highlight>
               </a:rPr>
               <a:t> </a:t>
             </a:r>
@@ -10307,15 +10313,21 @@
                 <a:solidFill>
                   <a:schemeClr val="bg1"/>
                 </a:solidFill>
+                <a:highlight>
+                  <a:srgbClr val="C0C0C0"/>
+                </a:highlight>
                 <a:hlinkClick r:id="rId3"/>
               </a:rPr>
-              <a:t>https://glitch.com/edit/#!/externalstylesheetexample</a:t>
+              <a:t>https://glitch.com/edit/#!/remix/externalstylesheetexample</a:t>
             </a:r>
             <a:r>
               <a:rPr lang="en-US" sz="2000" b="1" dirty="0">
                 <a:solidFill>
                   <a:schemeClr val="bg1"/>
                 </a:solidFill>
+                <a:highlight>
+                  <a:srgbClr val="C0C0C0"/>
+                </a:highlight>
               </a:rPr>
               <a:t> </a:t>
             </a:r>

--- a/Week06/IntroductionToCss.pptx
+++ b/Week06/IntroductionToCss.pptx
@@ -5759,7 +5759,7 @@
           <a:p>
             <a:fld id="{5958763E-B898-436D-883D-03711491D54A}" type="datetimeFigureOut">
               <a:rPr lang="en-US" smtClean="0"/>
-              <a:t>2/9/2023</a:t>
+              <a:t>6/26/2024</a:t>
             </a:fld>
             <a:endParaRPr lang="en-US"/>
           </a:p>
@@ -8638,21 +8638,24 @@
                 <a:solidFill>
                   <a:schemeClr val="bg1"/>
                 </a:solidFill>
-                <a:hlinkClick r:id="rId3">
-                  <a:extLst>
-                    <a:ext uri="{A12FA001-AC4F-418D-AE19-62706E023703}">
-                      <ahyp:hlinkClr xmlns:ahyp="http://schemas.microsoft.com/office/drawing/2018/hyperlinkcolor" val="tx"/>
-                    </a:ext>
-                  </a:extLst>
-                </a:hlinkClick>
+                <a:highlight>
+                  <a:srgbClr val="C0C0C0"/>
+                </a:highlight>
+                <a:hlinkClick r:id="rId3"/>
               </a:rPr>
-              <a:t>https://replit.com/@HylandOutreach/CssExample</a:t>
-            </a:r>
-            <a:endParaRPr lang="en-US" sz="2800" b="1" dirty="0">
-              <a:solidFill>
-                <a:schemeClr val="bg1"/>
-              </a:solidFill>
-            </a:endParaRPr>
+              <a:t>https://glitch.com/edit/#!/remix/cssexamplee</a:t>
+            </a:r>
+            <a:r>
+              <a:rPr lang="en-US" sz="2800" b="1" dirty="0">
+                <a:solidFill>
+                  <a:schemeClr val="bg1"/>
+                </a:solidFill>
+                <a:highlight>
+                  <a:srgbClr val="C0C0C0"/>
+                </a:highlight>
+              </a:rPr>
+              <a:t> </a:t>
+            </a:r>
           </a:p>
         </p:txBody>
       </p:sp>
@@ -10310,21 +10313,24 @@
                 <a:solidFill>
                   <a:schemeClr val="bg1"/>
                 </a:solidFill>
-                <a:hlinkClick r:id="rId3">
-                  <a:extLst>
-                    <a:ext uri="{A12FA001-AC4F-418D-AE19-62706E023703}">
-                      <ahyp:hlinkClr xmlns:ahyp="http://schemas.microsoft.com/office/drawing/2018/hyperlinkcolor" val="tx"/>
-                    </a:ext>
-                  </a:extLst>
-                </a:hlinkClick>
+                <a:highlight>
+                  <a:srgbClr val="C0C0C0"/>
+                </a:highlight>
+                <a:hlinkClick r:id="rId3"/>
               </a:rPr>
-              <a:t>https://replit.com/@HylandOutreach/ExternalStylesheetExample</a:t>
-            </a:r>
-            <a:endParaRPr lang="en-US" sz="2000" b="1" dirty="0">
-              <a:solidFill>
-                <a:schemeClr val="bg1"/>
-              </a:solidFill>
-            </a:endParaRPr>
+              <a:t>https://glitch.com/edit/#!/remix/externalstylesheetexample</a:t>
+            </a:r>
+            <a:r>
+              <a:rPr lang="en-US" sz="2000" b="1" dirty="0">
+                <a:solidFill>
+                  <a:schemeClr val="bg1"/>
+                </a:solidFill>
+                <a:highlight>
+                  <a:srgbClr val="C0C0C0"/>
+                </a:highlight>
+              </a:rPr>
+              <a:t> </a:t>
+            </a:r>
           </a:p>
         </p:txBody>
       </p:sp>

--- a/Week06/IntroductionToCss.pptx
+++ b/Week06/IntroductionToCss.pptx
@@ -5759,7 +5759,7 @@
           <a:p>
             <a:fld id="{5958763E-B898-436D-883D-03711491D54A}" type="datetimeFigureOut">
               <a:rPr lang="en-US" smtClean="0"/>
-              <a:t>6/26/2024</a:t>
+              <a:t>2/9/2023</a:t>
             </a:fld>
             <a:endParaRPr lang="en-US"/>
           </a:p>
@@ -8638,24 +8638,21 @@
                 <a:solidFill>
                   <a:schemeClr val="bg1"/>
                 </a:solidFill>
-                <a:highlight>
-                  <a:srgbClr val="C0C0C0"/>
-                </a:highlight>
-                <a:hlinkClick r:id="rId3"/>
+                <a:hlinkClick r:id="rId3">
+                  <a:extLst>
+                    <a:ext uri="{A12FA001-AC4F-418D-AE19-62706E023703}">
+                      <ahyp:hlinkClr xmlns:ahyp="http://schemas.microsoft.com/office/drawing/2018/hyperlinkcolor" val="tx"/>
+                    </a:ext>
+                  </a:extLst>
+                </a:hlinkClick>
               </a:rPr>
-              <a:t>https://glitch.com/edit/#!/remix/cssexamplee</a:t>
-            </a:r>
-            <a:r>
-              <a:rPr lang="en-US" sz="2800" b="1" dirty="0">
-                <a:solidFill>
-                  <a:schemeClr val="bg1"/>
-                </a:solidFill>
-                <a:highlight>
-                  <a:srgbClr val="C0C0C0"/>
-                </a:highlight>
-              </a:rPr>
-              <a:t> </a:t>
-            </a:r>
+              <a:t>https://replit.com/@HylandOutreach/CssExample</a:t>
+            </a:r>
+            <a:endParaRPr lang="en-US" sz="2800" b="1" dirty="0">
+              <a:solidFill>
+                <a:schemeClr val="bg1"/>
+              </a:solidFill>
+            </a:endParaRPr>
           </a:p>
         </p:txBody>
       </p:sp>
@@ -10313,24 +10310,21 @@
                 <a:solidFill>
                   <a:schemeClr val="bg1"/>
                 </a:solidFill>
-                <a:highlight>
-                  <a:srgbClr val="C0C0C0"/>
-                </a:highlight>
-                <a:hlinkClick r:id="rId3"/>
+                <a:hlinkClick r:id="rId3">
+                  <a:extLst>
+                    <a:ext uri="{A12FA001-AC4F-418D-AE19-62706E023703}">
+                      <ahyp:hlinkClr xmlns:ahyp="http://schemas.microsoft.com/office/drawing/2018/hyperlinkcolor" val="tx"/>
+                    </a:ext>
+                  </a:extLst>
+                </a:hlinkClick>
               </a:rPr>
-              <a:t>https://glitch.com/edit/#!/remix/externalstylesheetexample</a:t>
-            </a:r>
-            <a:r>
-              <a:rPr lang="en-US" sz="2000" b="1" dirty="0">
-                <a:solidFill>
-                  <a:schemeClr val="bg1"/>
-                </a:solidFill>
-                <a:highlight>
-                  <a:srgbClr val="C0C0C0"/>
-                </a:highlight>
-              </a:rPr>
-              <a:t> </a:t>
-            </a:r>
+              <a:t>https://replit.com/@HylandOutreach/ExternalStylesheetExample</a:t>
+            </a:r>
+            <a:endParaRPr lang="en-US" sz="2000" b="1" dirty="0">
+              <a:solidFill>
+                <a:schemeClr val="bg1"/>
+              </a:solidFill>
+            </a:endParaRPr>
           </a:p>
         </p:txBody>
       </p:sp>

--- a/Week06/IntroductionToCss.pptx
+++ b/Week06/IntroductionToCss.pptx
@@ -5,42 +5,44 @@
     <p:sldMasterId id="2147483676" r:id="rId1"/>
   </p:sldMasterIdLst>
   <p:notesMasterIdLst>
-    <p:notesMasterId r:id="rId11"/>
+    <p:notesMasterId r:id="rId13"/>
   </p:notesMasterIdLst>
   <p:sldIdLst>
     <p:sldId id="256" r:id="rId2"/>
     <p:sldId id="319" r:id="rId3"/>
     <p:sldId id="320" r:id="rId4"/>
-    <p:sldId id="321" r:id="rId5"/>
-    <p:sldId id="322" r:id="rId6"/>
-    <p:sldId id="323" r:id="rId7"/>
-    <p:sldId id="324" r:id="rId8"/>
-    <p:sldId id="325" r:id="rId9"/>
-    <p:sldId id="279" r:id="rId10"/>
+    <p:sldId id="326" r:id="rId5"/>
+    <p:sldId id="321" r:id="rId6"/>
+    <p:sldId id="322" r:id="rId7"/>
+    <p:sldId id="327" r:id="rId8"/>
+    <p:sldId id="323" r:id="rId9"/>
+    <p:sldId id="324" r:id="rId10"/>
+    <p:sldId id="325" r:id="rId11"/>
+    <p:sldId id="279" r:id="rId12"/>
   </p:sldIdLst>
   <p:sldSz cx="9144000" cy="5143500" type="screen16x9"/>
   <p:notesSz cx="6858000" cy="9144000"/>
   <p:embeddedFontLst>
     <p:embeddedFont>
       <p:font typeface="Consolas" panose="020B0609020204030204" pitchFamily="49" charset="0"/>
-      <p:regular r:id="rId12"/>
-      <p:bold r:id="rId13"/>
-      <p:italic r:id="rId14"/>
-      <p:boldItalic r:id="rId15"/>
+      <p:regular r:id="rId14"/>
+      <p:bold r:id="rId15"/>
+      <p:italic r:id="rId16"/>
+      <p:boldItalic r:id="rId17"/>
     </p:embeddedFont>
     <p:embeddedFont>
       <p:font typeface="Krona One" panose="020B0604020202020204" charset="0"/>
-      <p:regular r:id="rId16"/>
+      <p:regular r:id="rId18"/>
     </p:embeddedFont>
     <p:embeddedFont>
       <p:font typeface="Miriam Libre" panose="00000500000000000000" pitchFamily="2" charset="-79"/>
-      <p:regular r:id="rId17"/>
-      <p:bold r:id="rId18"/>
+      <p:regular r:id="rId19"/>
+      <p:bold r:id="rId20"/>
     </p:embeddedFont>
     <p:embeddedFont>
       <p:font typeface="Roboto Condensed Light" panose="02000000000000000000" pitchFamily="2" charset="0"/>
-      <p:regular r:id="rId19"/>
-      <p:italic r:id="rId20"/>
+      <p:regular r:id="rId21"/>
+      <p:italic r:id="rId22"/>
     </p:embeddedFont>
   </p:embeddedFontLst>
   <p:defaultTextStyle>
@@ -860,6 +862,110 @@
 </p:notes>
 </file>
 
+<file path=ppt/notesSlides/notesSlide10.xml><?xml version="1.0" encoding="utf-8"?>
+<p:notes xmlns:a="http://schemas.openxmlformats.org/drawingml/2006/main" xmlns:r="http://schemas.openxmlformats.org/officeDocument/2006/relationships" xmlns:p="http://schemas.openxmlformats.org/presentationml/2006/main" showMasterSp="0" showMasterPhAnim="0">
+  <p:cSld>
+    <p:spTree>
+      <p:nvGrpSpPr>
+        <p:cNvPr id="1" name="Shape 1499"/>
+        <p:cNvGrpSpPr/>
+        <p:nvPr/>
+      </p:nvGrpSpPr>
+      <p:grpSpPr>
+        <a:xfrm>
+          <a:off x="0" y="0"/>
+          <a:ext cx="0" cy="0"/>
+          <a:chOff x="0" y="0"/>
+          <a:chExt cx="0" cy="0"/>
+        </a:xfrm>
+      </p:grpSpPr>
+      <p:sp>
+        <p:nvSpPr>
+          <p:cNvPr id="1500" name="Google Shape;1500;ge30e247bb5_0_42916:notes"/>
+          <p:cNvSpPr>
+            <a:spLocks noGrp="1" noRot="1" noChangeAspect="1"/>
+          </p:cNvSpPr>
+          <p:nvPr>
+            <p:ph type="sldImg" idx="2"/>
+          </p:nvPr>
+        </p:nvSpPr>
+        <p:spPr>
+          <a:xfrm>
+            <a:off x="381000" y="685800"/>
+            <a:ext cx="6096000" cy="3429000"/>
+          </a:xfrm>
+          <a:custGeom>
+            <a:avLst/>
+            <a:gdLst/>
+            <a:ahLst/>
+            <a:cxnLst/>
+            <a:rect l="l" t="t" r="r" b="b"/>
+            <a:pathLst>
+              <a:path w="120000" h="120000" extrusionOk="0">
+                <a:moveTo>
+                  <a:pt x="0" y="0"/>
+                </a:moveTo>
+                <a:lnTo>
+                  <a:pt x="120000" y="0"/>
+                </a:lnTo>
+                <a:lnTo>
+                  <a:pt x="120000" y="120000"/>
+                </a:lnTo>
+                <a:lnTo>
+                  <a:pt x="0" y="120000"/>
+                </a:lnTo>
+                <a:close/>
+              </a:path>
+            </a:pathLst>
+          </a:custGeom>
+        </p:spPr>
+      </p:sp>
+      <p:sp>
+        <p:nvSpPr>
+          <p:cNvPr id="1501" name="Google Shape;1501;ge30e247bb5_0_42916:notes"/>
+          <p:cNvSpPr txBox="1">
+            <a:spLocks noGrp="1"/>
+          </p:cNvSpPr>
+          <p:nvPr>
+            <p:ph type="body" idx="1"/>
+          </p:nvPr>
+        </p:nvSpPr>
+        <p:spPr>
+          <a:xfrm>
+            <a:off x="685800" y="4343400"/>
+            <a:ext cx="5486400" cy="4114800"/>
+          </a:xfrm>
+          <a:prstGeom prst="rect">
+            <a:avLst/>
+          </a:prstGeom>
+        </p:spPr>
+        <p:txBody>
+          <a:bodyPr spcFirstLastPara="1" wrap="square" lIns="91425" tIns="91425" rIns="91425" bIns="91425" anchor="t" anchorCtr="0">
+            <a:noAutofit/>
+          </a:bodyPr>
+          <a:lstStyle/>
+          <a:p>
+            <a:pPr marL="0" lvl="0" indent="0" algn="l" rtl="0">
+              <a:spcBef>
+                <a:spcPts val="0"/>
+              </a:spcBef>
+              <a:spcAft>
+                <a:spcPts val="0"/>
+              </a:spcAft>
+              <a:buNone/>
+            </a:pPr>
+            <a:endParaRPr/>
+          </a:p>
+        </p:txBody>
+      </p:sp>
+    </p:spTree>
+  </p:cSld>
+  <p:clrMapOvr>
+    <a:masterClrMapping/>
+  </p:clrMapOvr>
+</p:notes>
+</file>
+
 <file path=ppt/notesSlides/notesSlide2.xml><?xml version="1.0" encoding="utf-8"?>
 <p:notes xmlns:a="http://schemas.openxmlformats.org/drawingml/2006/main" xmlns:r="http://schemas.openxmlformats.org/officeDocument/2006/relationships" xmlns:p="http://schemas.openxmlformats.org/presentationml/2006/main">
   <p:cSld>
@@ -1164,7 +1270,7 @@
           <a:p>
             <a:fld id="{DEC8F7F9-57EC-49CF-9FCD-2B781E4B449F}" type="slidenum">
               <a:rPr lang="en-US" smtClean="0"/>
-              <a:t>4</a:t>
+              <a:t>5</a:t>
             </a:fld>
             <a:endParaRPr lang="en-US"/>
           </a:p>
@@ -1261,7 +1367,7 @@
           <a:p>
             <a:fld id="{DEC8F7F9-57EC-49CF-9FCD-2B781E4B449F}" type="slidenum">
               <a:rPr lang="en-US" smtClean="0"/>
-              <a:t>5</a:t>
+              <a:t>6</a:t>
             </a:fld>
             <a:endParaRPr lang="en-US"/>
           </a:p>
@@ -1329,50 +1435,14 @@
           <a:bodyPr/>
           <a:lstStyle/>
           <a:p>
-            <a:pPr marL="171450" indent="-171450">
-              <a:buFontTx/>
-              <a:buChar char="-"/>
-            </a:pPr>
             <a:r>
               <a:rPr lang="en-US" dirty="0"/>
-              <a:t>Emphasize that the file has to end in </a:t>
-            </a:r>
-            <a:r>
-              <a:rPr lang="en-US" b="1" dirty="0"/>
-              <a:t>.</a:t>
-            </a:r>
-            <a:r>
-              <a:rPr lang="en-US" b="1" dirty="0" err="1"/>
-              <a:t>css</a:t>
-            </a:r>
-            <a:r>
-              <a:rPr lang="en-US" b="0" dirty="0"/>
-              <a:t> and it has to be in the same folder as the</a:t>
-            </a:r>
-            <a:r>
-              <a:rPr lang="en-US" b="0" baseline="0" dirty="0"/>
-              <a:t> HTML file</a:t>
-            </a:r>
-          </a:p>
-          <a:p>
-            <a:pPr marL="171450" indent="-171450">
-              <a:buFontTx/>
-              <a:buChar char="-"/>
-            </a:pPr>
-            <a:r>
-              <a:rPr lang="en-US" b="0" baseline="0" dirty="0"/>
-              <a:t>The </a:t>
-            </a:r>
-            <a:r>
-              <a:rPr lang="en-US" b="1" baseline="0" dirty="0"/>
-              <a:t>link</a:t>
-            </a:r>
-            <a:r>
-              <a:rPr lang="en-US" b="0" baseline="0" dirty="0"/>
-              <a:t> tag is an example</a:t>
-            </a:r>
-          </a:p>
-          <a:p>
+              <a:t>Introduce</a:t>
+            </a:r>
+            <a:r>
+              <a:rPr lang="en-US" baseline="0" dirty="0"/>
+              <a:t> the idea of separate CSS files. Click the link to show an example of multiple stylesheets applied to one HTML page</a:t>
+            </a:r>
             <a:endParaRPr lang="en-US" dirty="0"/>
           </a:p>
         </p:txBody>
@@ -1394,7 +1464,7 @@
           <a:p>
             <a:fld id="{DEC8F7F9-57EC-49CF-9FCD-2B781E4B449F}" type="slidenum">
               <a:rPr lang="en-US" smtClean="0"/>
-              <a:t>6</a:t>
+              <a:t>7</a:t>
             </a:fld>
             <a:endParaRPr lang="en-US"/>
           </a:p>
@@ -1403,7 +1473,7 @@
     </p:spTree>
     <p:extLst>
       <p:ext uri="{BB962C8B-B14F-4D97-AF65-F5344CB8AC3E}">
-        <p14:creationId xmlns:p14="http://schemas.microsoft.com/office/powerpoint/2010/main" val="2031122598"/>
+        <p14:creationId xmlns:p14="http://schemas.microsoft.com/office/powerpoint/2010/main" val="3810924368"/>
       </p:ext>
     </p:extLst>
   </p:cSld>
@@ -1462,10 +1532,51 @@
           <a:bodyPr/>
           <a:lstStyle/>
           <a:p>
+            <a:pPr marL="171450" indent="-171450">
+              <a:buFontTx/>
+              <a:buChar char="-"/>
+            </a:pPr>
             <a:r>
               <a:rPr lang="en-US" dirty="0"/>
-              <a:t>Explain the link tag</a:t>
-            </a:r>
+              <a:t>Emphasize that the file has to end in </a:t>
+            </a:r>
+            <a:r>
+              <a:rPr lang="en-US" b="1" dirty="0"/>
+              <a:t>.</a:t>
+            </a:r>
+            <a:r>
+              <a:rPr lang="en-US" b="1" dirty="0" err="1"/>
+              <a:t>css</a:t>
+            </a:r>
+            <a:r>
+              <a:rPr lang="en-US" b="0" dirty="0"/>
+              <a:t> and it has to be in the same folder as the</a:t>
+            </a:r>
+            <a:r>
+              <a:rPr lang="en-US" b="0" baseline="0" dirty="0"/>
+              <a:t> HTML file</a:t>
+            </a:r>
+          </a:p>
+          <a:p>
+            <a:pPr marL="171450" indent="-171450">
+              <a:buFontTx/>
+              <a:buChar char="-"/>
+            </a:pPr>
+            <a:r>
+              <a:rPr lang="en-US" b="0" baseline="0" dirty="0"/>
+              <a:t>The </a:t>
+            </a:r>
+            <a:r>
+              <a:rPr lang="en-US" b="1" baseline="0" dirty="0"/>
+              <a:t>link</a:t>
+            </a:r>
+            <a:r>
+              <a:rPr lang="en-US" b="0" baseline="0" dirty="0"/>
+              <a:t> tag is an example</a:t>
+            </a:r>
+          </a:p>
+          <a:p>
+            <a:endParaRPr lang="en-US" dirty="0"/>
           </a:p>
         </p:txBody>
       </p:sp>
@@ -1486,7 +1597,7 @@
           <a:p>
             <a:fld id="{DEC8F7F9-57EC-49CF-9FCD-2B781E4B449F}" type="slidenum">
               <a:rPr lang="en-US" smtClean="0"/>
-              <a:t>7</a:t>
+              <a:t>8</a:t>
             </a:fld>
             <a:endParaRPr lang="en-US"/>
           </a:p>
@@ -1495,7 +1606,7 @@
     </p:spTree>
     <p:extLst>
       <p:ext uri="{BB962C8B-B14F-4D97-AF65-F5344CB8AC3E}">
-        <p14:creationId xmlns:p14="http://schemas.microsoft.com/office/powerpoint/2010/main" val="2439832816"/>
+        <p14:creationId xmlns:p14="http://schemas.microsoft.com/office/powerpoint/2010/main" val="2031122598"/>
       </p:ext>
     </p:extLst>
   </p:cSld>
@@ -1556,11 +1667,7 @@
           <a:p>
             <a:r>
               <a:rPr lang="en-US" dirty="0"/>
-              <a:t>Show the link tag in action.</a:t>
-            </a:r>
-            <a:r>
-              <a:rPr lang="en-US" baseline="0" dirty="0"/>
-              <a:t> Make sure to note the filename, attributes, and new CSS property.</a:t>
+              <a:t>Explain the link tag</a:t>
             </a:r>
           </a:p>
         </p:txBody>
@@ -1582,7 +1689,7 @@
           <a:p>
             <a:fld id="{DEC8F7F9-57EC-49CF-9FCD-2B781E4B449F}" type="slidenum">
               <a:rPr lang="en-US" smtClean="0"/>
-              <a:t>8</a:t>
+              <a:t>9</a:t>
             </a:fld>
             <a:endParaRPr lang="en-US"/>
           </a:p>
@@ -1591,7 +1698,7 @@
     </p:spTree>
     <p:extLst>
       <p:ext uri="{BB962C8B-B14F-4D97-AF65-F5344CB8AC3E}">
-        <p14:creationId xmlns:p14="http://schemas.microsoft.com/office/powerpoint/2010/main" val="1081873275"/>
+        <p14:creationId xmlns:p14="http://schemas.microsoft.com/office/powerpoint/2010/main" val="2439832816"/>
       </p:ext>
     </p:extLst>
   </p:cSld>
@@ -1602,11 +1709,11 @@
 </file>
 
 <file path=ppt/notesSlides/notesSlide9.xml><?xml version="1.0" encoding="utf-8"?>
-<p:notes xmlns:a="http://schemas.openxmlformats.org/drawingml/2006/main" xmlns:r="http://schemas.openxmlformats.org/officeDocument/2006/relationships" xmlns:p="http://schemas.openxmlformats.org/presentationml/2006/main" showMasterSp="0" showMasterPhAnim="0">
+<p:notes xmlns:a="http://schemas.openxmlformats.org/drawingml/2006/main" xmlns:r="http://schemas.openxmlformats.org/officeDocument/2006/relationships" xmlns:p="http://schemas.openxmlformats.org/presentationml/2006/main">
   <p:cSld>
     <p:spTree>
       <p:nvGrpSpPr>
-        <p:cNvPr id="1" name="Shape 1499"/>
+        <p:cNvPr id="1" name=""/>
         <p:cNvGrpSpPr/>
         <p:nvPr/>
       </p:nvGrpSpPr>
@@ -1620,12 +1727,12 @@
       </p:grpSpPr>
       <p:sp>
         <p:nvSpPr>
-          <p:cNvPr id="1500" name="Google Shape;1500;ge30e247bb5_0_42916:notes"/>
+          <p:cNvPr id="2" name="Slide Image Placeholder 1"/>
           <p:cNvSpPr>
             <a:spLocks noGrp="1" noRot="1" noChangeAspect="1"/>
           </p:cNvSpPr>
           <p:nvPr>
-            <p:ph type="sldImg" idx="2"/>
+            <p:ph type="sldImg"/>
           </p:nvPr>
         </p:nvSpPr>
         <p:spPr>
@@ -1633,71 +1740,63 @@
             <a:off x="381000" y="685800"/>
             <a:ext cx="6096000" cy="3429000"/>
           </a:xfrm>
-          <a:custGeom>
-            <a:avLst/>
-            <a:gdLst/>
-            <a:ahLst/>
-            <a:cxnLst/>
-            <a:rect l="l" t="t" r="r" b="b"/>
-            <a:pathLst>
-              <a:path w="120000" h="120000" extrusionOk="0">
-                <a:moveTo>
-                  <a:pt x="0" y="0"/>
-                </a:moveTo>
-                <a:lnTo>
-                  <a:pt x="120000" y="0"/>
-                </a:lnTo>
-                <a:lnTo>
-                  <a:pt x="120000" y="120000"/>
-                </a:lnTo>
-                <a:lnTo>
-                  <a:pt x="0" y="120000"/>
-                </a:lnTo>
-                <a:close/>
-              </a:path>
-            </a:pathLst>
-          </a:custGeom>
         </p:spPr>
       </p:sp>
       <p:sp>
         <p:nvSpPr>
-          <p:cNvPr id="1501" name="Google Shape;1501;ge30e247bb5_0_42916:notes"/>
-          <p:cNvSpPr txBox="1">
+          <p:cNvPr id="3" name="Notes Placeholder 2"/>
+          <p:cNvSpPr>
             <a:spLocks noGrp="1"/>
           </p:cNvSpPr>
           <p:nvPr>
             <p:ph type="body" idx="1"/>
           </p:nvPr>
         </p:nvSpPr>
-        <p:spPr>
-          <a:xfrm>
-            <a:off x="685800" y="4343400"/>
-            <a:ext cx="5486400" cy="4114800"/>
-          </a:xfrm>
-          <a:prstGeom prst="rect">
-            <a:avLst/>
-          </a:prstGeom>
-        </p:spPr>
-        <p:txBody>
-          <a:bodyPr spcFirstLastPara="1" wrap="square" lIns="91425" tIns="91425" rIns="91425" bIns="91425" anchor="t" anchorCtr="0">
-            <a:noAutofit/>
-          </a:bodyPr>
+        <p:spPr/>
+        <p:txBody>
+          <a:bodyPr/>
           <a:lstStyle/>
           <a:p>
-            <a:pPr marL="0" lvl="0" indent="0" algn="l" rtl="0">
-              <a:spcBef>
-                <a:spcPts val="0"/>
-              </a:spcBef>
-              <a:spcAft>
-                <a:spcPts val="0"/>
-              </a:spcAft>
-              <a:buNone/>
-            </a:pPr>
-            <a:endParaRPr/>
+            <a:r>
+              <a:rPr lang="en-US" dirty="0"/>
+              <a:t>Show the link tag in action.</a:t>
+            </a:r>
+            <a:r>
+              <a:rPr lang="en-US" baseline="0" dirty="0"/>
+              <a:t> Make sure to note the filename, attributes, and new CSS property.</a:t>
+            </a:r>
+          </a:p>
+        </p:txBody>
+      </p:sp>
+      <p:sp>
+        <p:nvSpPr>
+          <p:cNvPr id="4" name="Slide Number Placeholder 3"/>
+          <p:cNvSpPr>
+            <a:spLocks noGrp="1"/>
+          </p:cNvSpPr>
+          <p:nvPr>
+            <p:ph type="sldNum" sz="quarter" idx="10"/>
+          </p:nvPr>
+        </p:nvSpPr>
+        <p:spPr/>
+        <p:txBody>
+          <a:bodyPr/>
+          <a:lstStyle/>
+          <a:p>
+            <a:fld id="{DEC8F7F9-57EC-49CF-9FCD-2B781E4B449F}" type="slidenum">
+              <a:rPr lang="en-US" smtClean="0"/>
+              <a:t>10</a:t>
+            </a:fld>
+            <a:endParaRPr lang="en-US"/>
           </a:p>
         </p:txBody>
       </p:sp>
     </p:spTree>
+    <p:extLst>
+      <p:ext uri="{BB962C8B-B14F-4D97-AF65-F5344CB8AC3E}">
+        <p14:creationId xmlns:p14="http://schemas.microsoft.com/office/powerpoint/2010/main" val="1081873275"/>
+      </p:ext>
+    </p:extLst>
   </p:cSld>
   <p:clrMapOvr>
     <a:masterClrMapping/>
@@ -5759,7 +5858,7 @@
           <a:p>
             <a:fld id="{5958763E-B898-436D-883D-03711491D54A}" type="datetimeFigureOut">
               <a:rPr lang="en-US" smtClean="0"/>
-              <a:t>2/9/2023</a:t>
+              <a:t>7/3/2024</a:t>
             </a:fld>
             <a:endParaRPr lang="en-US"/>
           </a:p>
@@ -7492,6 +7591,562 @@
 </p:sld>
 </file>
 
+<file path=ppt/slides/slide10.xml><?xml version="1.0" encoding="utf-8"?>
+<p:sld xmlns:a="http://schemas.openxmlformats.org/drawingml/2006/main" xmlns:r="http://schemas.openxmlformats.org/officeDocument/2006/relationships" xmlns:p="http://schemas.openxmlformats.org/presentationml/2006/main">
+  <p:cSld>
+    <p:spTree>
+      <p:nvGrpSpPr>
+        <p:cNvPr id="1" name=""/>
+        <p:cNvGrpSpPr/>
+        <p:nvPr/>
+      </p:nvGrpSpPr>
+      <p:grpSpPr>
+        <a:xfrm>
+          <a:off x="0" y="0"/>
+          <a:ext cx="0" cy="0"/>
+          <a:chOff x="0" y="0"/>
+          <a:chExt cx="0" cy="0"/>
+        </a:xfrm>
+      </p:grpSpPr>
+      <p:sp>
+        <p:nvSpPr>
+          <p:cNvPr id="2" name="Title 1"/>
+          <p:cNvSpPr>
+            <a:spLocks noGrp="1"/>
+          </p:cNvSpPr>
+          <p:nvPr>
+            <p:ph type="title"/>
+          </p:nvPr>
+        </p:nvSpPr>
+        <p:spPr/>
+        <p:txBody>
+          <a:bodyPr anchor="ctr"/>
+          <a:lstStyle/>
+          <a:p>
+            <a:r>
+              <a:rPr lang="en-US" dirty="0">
+                <a:solidFill>
+                  <a:schemeClr val="tx1"/>
+                </a:solidFill>
+              </a:rPr>
+              <a:t>Stylesheet Example</a:t>
+            </a:r>
+          </a:p>
+        </p:txBody>
+      </p:sp>
+      <p:sp>
+        <p:nvSpPr>
+          <p:cNvPr id="3" name="Content Placeholder 2"/>
+          <p:cNvSpPr>
+            <a:spLocks noGrp="1"/>
+          </p:cNvSpPr>
+          <p:nvPr>
+            <p:ph idx="1"/>
+          </p:nvPr>
+        </p:nvSpPr>
+        <p:spPr>
+          <a:xfrm>
+            <a:off x="0" y="1152475"/>
+            <a:ext cx="9144000" cy="3416400"/>
+          </a:xfrm>
+        </p:spPr>
+        <p:txBody>
+          <a:bodyPr anchor="ctr">
+            <a:noAutofit/>
+          </a:bodyPr>
+          <a:lstStyle/>
+          <a:p>
+            <a:pPr marL="42863" indent="0" algn="ctr">
+              <a:buNone/>
+            </a:pPr>
+            <a:r>
+              <a:rPr lang="en-US" sz="2000" b="1" dirty="0">
+                <a:solidFill>
+                  <a:schemeClr val="bg1"/>
+                </a:solidFill>
+                <a:hlinkClick r:id="rId3">
+                  <a:extLst>
+                    <a:ext uri="{A12FA001-AC4F-418D-AE19-62706E023703}">
+                      <ahyp:hlinkClr xmlns:ahyp="http://schemas.microsoft.com/office/drawing/2018/hyperlinkcolor" val="tx"/>
+                    </a:ext>
+                  </a:extLst>
+                </a:hlinkClick>
+              </a:rPr>
+              <a:t>https://replit.com/@HylandOutreach/ExternalStylesheetExample</a:t>
+            </a:r>
+            <a:endParaRPr lang="en-US" sz="2000" b="1" dirty="0">
+              <a:solidFill>
+                <a:schemeClr val="bg1"/>
+              </a:solidFill>
+            </a:endParaRPr>
+          </a:p>
+        </p:txBody>
+      </p:sp>
+    </p:spTree>
+    <p:extLst>
+      <p:ext uri="{BB962C8B-B14F-4D97-AF65-F5344CB8AC3E}">
+        <p14:creationId xmlns:p14="http://schemas.microsoft.com/office/powerpoint/2010/main" val="4005549343"/>
+      </p:ext>
+    </p:extLst>
+  </p:cSld>
+  <p:clrMapOvr>
+    <a:masterClrMapping/>
+  </p:clrMapOvr>
+  <p:transition>
+    <p:fade/>
+  </p:transition>
+</p:sld>
+</file>
+
+<file path=ppt/slides/slide11.xml><?xml version="1.0" encoding="utf-8"?>
+<p:sld xmlns:a="http://schemas.openxmlformats.org/drawingml/2006/main" xmlns:r="http://schemas.openxmlformats.org/officeDocument/2006/relationships" xmlns:p="http://schemas.openxmlformats.org/presentationml/2006/main">
+  <p:cSld>
+    <p:spTree>
+      <p:nvGrpSpPr>
+        <p:cNvPr id="1" name="Shape 1502"/>
+        <p:cNvGrpSpPr/>
+        <p:nvPr/>
+      </p:nvGrpSpPr>
+      <p:grpSpPr>
+        <a:xfrm>
+          <a:off x="0" y="0"/>
+          <a:ext cx="0" cy="0"/>
+          <a:chOff x="0" y="0"/>
+          <a:chExt cx="0" cy="0"/>
+        </a:xfrm>
+      </p:grpSpPr>
+      <p:sp>
+        <p:nvSpPr>
+          <p:cNvPr id="1503" name="Google Shape;1503;p54"/>
+          <p:cNvSpPr txBox="1">
+            <a:spLocks noGrp="1"/>
+          </p:cNvSpPr>
+          <p:nvPr>
+            <p:ph type="subTitle" idx="1"/>
+          </p:nvPr>
+        </p:nvSpPr>
+        <p:spPr>
+          <a:xfrm>
+            <a:off x="720000" y="1824225"/>
+            <a:ext cx="5650200" cy="378300"/>
+          </a:xfrm>
+          <a:prstGeom prst="rect">
+            <a:avLst/>
+          </a:prstGeom>
+        </p:spPr>
+        <p:txBody>
+          <a:bodyPr spcFirstLastPara="1" wrap="square" lIns="91425" tIns="91425" rIns="91425" bIns="91425" anchor="t" anchorCtr="0">
+            <a:noAutofit/>
+          </a:bodyPr>
+          <a:lstStyle/>
+          <a:p>
+            <a:pPr marL="0" lvl="0" indent="0" algn="l" rtl="0">
+              <a:spcBef>
+                <a:spcPts val="0"/>
+              </a:spcBef>
+              <a:spcAft>
+                <a:spcPts val="0"/>
+              </a:spcAft>
+              <a:buNone/>
+            </a:pPr>
+            <a:r>
+              <a:rPr lang="en"/>
+              <a:t>DO YOU HAVE ANY QUESTIONS?</a:t>
+            </a:r>
+            <a:endParaRPr/>
+          </a:p>
+        </p:txBody>
+      </p:sp>
+      <p:sp>
+        <p:nvSpPr>
+          <p:cNvPr id="1504" name="Google Shape;1504;p54"/>
+          <p:cNvSpPr txBox="1">
+            <a:spLocks noGrp="1"/>
+          </p:cNvSpPr>
+          <p:nvPr>
+            <p:ph type="ctrTitle"/>
+          </p:nvPr>
+        </p:nvSpPr>
+        <p:spPr>
+          <a:xfrm>
+            <a:off x="720000" y="1049325"/>
+            <a:ext cx="5650200" cy="774900"/>
+          </a:xfrm>
+          <a:prstGeom prst="rect">
+            <a:avLst/>
+          </a:prstGeom>
+        </p:spPr>
+        <p:txBody>
+          <a:bodyPr spcFirstLastPara="1" wrap="square" lIns="91425" tIns="91425" rIns="91425" bIns="91425" anchor="t" anchorCtr="0">
+            <a:noAutofit/>
+          </a:bodyPr>
+          <a:lstStyle/>
+          <a:p>
+            <a:pPr marL="0" lvl="0" indent="0" algn="l" rtl="0">
+              <a:spcBef>
+                <a:spcPts val="0"/>
+              </a:spcBef>
+              <a:spcAft>
+                <a:spcPts val="0"/>
+              </a:spcAft>
+              <a:buNone/>
+            </a:pPr>
+            <a:r>
+              <a:rPr lang="en"/>
+              <a:t>THANKS!</a:t>
+            </a:r>
+            <a:endParaRPr/>
+          </a:p>
+        </p:txBody>
+      </p:sp>
+      <p:sp>
+        <p:nvSpPr>
+          <p:cNvPr id="1542" name="Google Shape;1542;p54"/>
+          <p:cNvSpPr/>
+          <p:nvPr/>
+        </p:nvSpPr>
+        <p:spPr>
+          <a:xfrm>
+            <a:off x="570050" y="3746300"/>
+            <a:ext cx="939600" cy="939600"/>
+          </a:xfrm>
+          <a:prstGeom prst="snip1Rect">
+            <a:avLst>
+              <a:gd name="adj" fmla="val 11329"/>
+            </a:avLst>
+          </a:prstGeom>
+          <a:solidFill>
+            <a:schemeClr val="lt1"/>
+          </a:solidFill>
+          <a:ln w="28575" cap="flat" cmpd="sng">
+            <a:solidFill>
+              <a:schemeClr val="dk1"/>
+            </a:solidFill>
+            <a:prstDash val="solid"/>
+            <a:round/>
+            <a:headEnd type="none" w="sm" len="sm"/>
+            <a:tailEnd type="none" w="sm" len="sm"/>
+          </a:ln>
+        </p:spPr>
+        <p:txBody>
+          <a:bodyPr spcFirstLastPara="1" wrap="square" lIns="91425" tIns="91425" rIns="91425" bIns="91425" anchor="ctr" anchorCtr="0">
+            <a:noAutofit/>
+          </a:bodyPr>
+          <a:lstStyle/>
+          <a:p>
+            <a:pPr marL="0" lvl="0" indent="0" algn="l" rtl="0">
+              <a:spcBef>
+                <a:spcPts val="0"/>
+              </a:spcBef>
+              <a:spcAft>
+                <a:spcPts val="0"/>
+              </a:spcAft>
+              <a:buNone/>
+            </a:pPr>
+            <a:endParaRPr/>
+          </a:p>
+        </p:txBody>
+      </p:sp>
+      <p:sp>
+        <p:nvSpPr>
+          <p:cNvPr id="1543" name="Google Shape;1543;p54"/>
+          <p:cNvSpPr/>
+          <p:nvPr/>
+        </p:nvSpPr>
+        <p:spPr>
+          <a:xfrm>
+            <a:off x="490150" y="3665400"/>
+            <a:ext cx="939600" cy="939600"/>
+          </a:xfrm>
+          <a:prstGeom prst="snip1Rect">
+            <a:avLst>
+              <a:gd name="adj" fmla="val 11329"/>
+            </a:avLst>
+          </a:prstGeom>
+          <a:solidFill>
+            <a:schemeClr val="accent1"/>
+          </a:solidFill>
+          <a:ln w="28575" cap="flat" cmpd="sng">
+            <a:solidFill>
+              <a:schemeClr val="dk1"/>
+            </a:solidFill>
+            <a:prstDash val="solid"/>
+            <a:round/>
+            <a:headEnd type="none" w="sm" len="sm"/>
+            <a:tailEnd type="none" w="sm" len="sm"/>
+          </a:ln>
+        </p:spPr>
+        <p:txBody>
+          <a:bodyPr spcFirstLastPara="1" wrap="square" lIns="91425" tIns="91425" rIns="91425" bIns="91425" anchor="ctr" anchorCtr="0">
+            <a:noAutofit/>
+          </a:bodyPr>
+          <a:lstStyle/>
+          <a:p>
+            <a:pPr marL="0" lvl="0" indent="0" algn="l" rtl="0">
+              <a:spcBef>
+                <a:spcPts val="0"/>
+              </a:spcBef>
+              <a:spcAft>
+                <a:spcPts val="0"/>
+              </a:spcAft>
+              <a:buNone/>
+            </a:pPr>
+            <a:endParaRPr/>
+          </a:p>
+        </p:txBody>
+      </p:sp>
+      <p:sp>
+        <p:nvSpPr>
+          <p:cNvPr id="1544" name="Google Shape;1544;p54"/>
+          <p:cNvSpPr/>
+          <p:nvPr/>
+        </p:nvSpPr>
+        <p:spPr>
+          <a:xfrm>
+            <a:off x="1708675" y="3746300"/>
+            <a:ext cx="939600" cy="939600"/>
+          </a:xfrm>
+          <a:prstGeom prst="snip1Rect">
+            <a:avLst>
+              <a:gd name="adj" fmla="val 11329"/>
+            </a:avLst>
+          </a:prstGeom>
+          <a:solidFill>
+            <a:schemeClr val="lt1"/>
+          </a:solidFill>
+          <a:ln w="28575" cap="flat" cmpd="sng">
+            <a:solidFill>
+              <a:schemeClr val="dk1"/>
+            </a:solidFill>
+            <a:prstDash val="solid"/>
+            <a:round/>
+            <a:headEnd type="none" w="sm" len="sm"/>
+            <a:tailEnd type="none" w="sm" len="sm"/>
+          </a:ln>
+        </p:spPr>
+        <p:txBody>
+          <a:bodyPr spcFirstLastPara="1" wrap="square" lIns="91425" tIns="91425" rIns="91425" bIns="91425" anchor="ctr" anchorCtr="0">
+            <a:noAutofit/>
+          </a:bodyPr>
+          <a:lstStyle/>
+          <a:p>
+            <a:pPr marL="0" lvl="0" indent="0" algn="l" rtl="0">
+              <a:spcBef>
+                <a:spcPts val="0"/>
+              </a:spcBef>
+              <a:spcAft>
+                <a:spcPts val="0"/>
+              </a:spcAft>
+              <a:buNone/>
+            </a:pPr>
+            <a:endParaRPr/>
+          </a:p>
+        </p:txBody>
+      </p:sp>
+      <p:sp>
+        <p:nvSpPr>
+          <p:cNvPr id="1545" name="Google Shape;1545;p54"/>
+          <p:cNvSpPr/>
+          <p:nvPr/>
+        </p:nvSpPr>
+        <p:spPr>
+          <a:xfrm>
+            <a:off x="1628775" y="3665400"/>
+            <a:ext cx="939600" cy="939600"/>
+          </a:xfrm>
+          <a:prstGeom prst="snip1Rect">
+            <a:avLst>
+              <a:gd name="adj" fmla="val 11329"/>
+            </a:avLst>
+          </a:prstGeom>
+          <a:solidFill>
+            <a:schemeClr val="accent2"/>
+          </a:solidFill>
+          <a:ln w="28575" cap="flat" cmpd="sng">
+            <a:solidFill>
+              <a:schemeClr val="dk1"/>
+            </a:solidFill>
+            <a:prstDash val="solid"/>
+            <a:round/>
+            <a:headEnd type="none" w="sm" len="sm"/>
+            <a:tailEnd type="none" w="sm" len="sm"/>
+          </a:ln>
+        </p:spPr>
+        <p:txBody>
+          <a:bodyPr spcFirstLastPara="1" wrap="square" lIns="91425" tIns="91425" rIns="91425" bIns="91425" anchor="ctr" anchorCtr="0">
+            <a:noAutofit/>
+          </a:bodyPr>
+          <a:lstStyle/>
+          <a:p>
+            <a:pPr marL="0" lvl="0" indent="0" algn="l" rtl="0">
+              <a:spcBef>
+                <a:spcPts val="0"/>
+              </a:spcBef>
+              <a:spcAft>
+                <a:spcPts val="0"/>
+              </a:spcAft>
+              <a:buNone/>
+            </a:pPr>
+            <a:endParaRPr/>
+          </a:p>
+        </p:txBody>
+      </p:sp>
+      <p:sp>
+        <p:nvSpPr>
+          <p:cNvPr id="1546" name="Google Shape;1546;p54"/>
+          <p:cNvSpPr/>
+          <p:nvPr/>
+        </p:nvSpPr>
+        <p:spPr>
+          <a:xfrm>
+            <a:off x="2847300" y="3746300"/>
+            <a:ext cx="939600" cy="939600"/>
+          </a:xfrm>
+          <a:prstGeom prst="snip1Rect">
+            <a:avLst>
+              <a:gd name="adj" fmla="val 11329"/>
+            </a:avLst>
+          </a:prstGeom>
+          <a:solidFill>
+            <a:schemeClr val="lt1"/>
+          </a:solidFill>
+          <a:ln w="28575" cap="flat" cmpd="sng">
+            <a:solidFill>
+              <a:schemeClr val="dk1"/>
+            </a:solidFill>
+            <a:prstDash val="solid"/>
+            <a:round/>
+            <a:headEnd type="none" w="sm" len="sm"/>
+            <a:tailEnd type="none" w="sm" len="sm"/>
+          </a:ln>
+        </p:spPr>
+        <p:txBody>
+          <a:bodyPr spcFirstLastPara="1" wrap="square" lIns="91425" tIns="91425" rIns="91425" bIns="91425" anchor="ctr" anchorCtr="0">
+            <a:noAutofit/>
+          </a:bodyPr>
+          <a:lstStyle/>
+          <a:p>
+            <a:pPr marL="0" lvl="0" indent="0" algn="l" rtl="0">
+              <a:spcBef>
+                <a:spcPts val="0"/>
+              </a:spcBef>
+              <a:spcAft>
+                <a:spcPts val="0"/>
+              </a:spcAft>
+              <a:buNone/>
+            </a:pPr>
+            <a:endParaRPr/>
+          </a:p>
+        </p:txBody>
+      </p:sp>
+      <p:sp>
+        <p:nvSpPr>
+          <p:cNvPr id="1547" name="Google Shape;1547;p54"/>
+          <p:cNvSpPr/>
+          <p:nvPr/>
+        </p:nvSpPr>
+        <p:spPr>
+          <a:xfrm>
+            <a:off x="2767400" y="3665400"/>
+            <a:ext cx="939600" cy="939600"/>
+          </a:xfrm>
+          <a:prstGeom prst="snip1Rect">
+            <a:avLst>
+              <a:gd name="adj" fmla="val 11329"/>
+            </a:avLst>
+          </a:prstGeom>
+          <a:solidFill>
+            <a:schemeClr val="lt2"/>
+          </a:solidFill>
+          <a:ln w="28575" cap="flat" cmpd="sng">
+            <a:solidFill>
+              <a:schemeClr val="dk1"/>
+            </a:solidFill>
+            <a:prstDash val="solid"/>
+            <a:round/>
+            <a:headEnd type="none" w="sm" len="sm"/>
+            <a:tailEnd type="none" w="sm" len="sm"/>
+          </a:ln>
+        </p:spPr>
+        <p:txBody>
+          <a:bodyPr spcFirstLastPara="1" wrap="square" lIns="91425" tIns="91425" rIns="91425" bIns="91425" anchor="ctr" anchorCtr="0">
+            <a:noAutofit/>
+          </a:bodyPr>
+          <a:lstStyle/>
+          <a:p>
+            <a:pPr marL="0" lvl="0" indent="0" algn="l" rtl="0">
+              <a:spcBef>
+                <a:spcPts val="0"/>
+              </a:spcBef>
+              <a:spcAft>
+                <a:spcPts val="0"/>
+              </a:spcAft>
+              <a:buNone/>
+            </a:pPr>
+            <a:endParaRPr/>
+          </a:p>
+        </p:txBody>
+      </p:sp>
+      <p:sp>
+        <p:nvSpPr>
+          <p:cNvPr id="4" name="Rectangle 3">
+            <a:extLst>
+              <a:ext uri="{FF2B5EF4-FFF2-40B4-BE49-F238E27FC236}">
+                <a16:creationId xmlns:a16="http://schemas.microsoft.com/office/drawing/2014/main" id="{9694C185-2733-82A6-CD26-B6BB946D14B6}"/>
+              </a:ext>
+            </a:extLst>
+          </p:cNvPr>
+          <p:cNvSpPr/>
+          <p:nvPr/>
+        </p:nvSpPr>
+        <p:spPr>
+          <a:xfrm>
+            <a:off x="4211782" y="3837709"/>
+            <a:ext cx="4253345" cy="477982"/>
+          </a:xfrm>
+          <a:prstGeom prst="rect">
+            <a:avLst/>
+          </a:prstGeom>
+          <a:solidFill>
+            <a:schemeClr val="bg1"/>
+          </a:solidFill>
+          <a:ln>
+            <a:noFill/>
+          </a:ln>
+        </p:spPr>
+        <p:style>
+          <a:lnRef idx="2">
+            <a:schemeClr val="accent1">
+              <a:shade val="50000"/>
+            </a:schemeClr>
+          </a:lnRef>
+          <a:fillRef idx="1">
+            <a:schemeClr val="accent1"/>
+          </a:fillRef>
+          <a:effectRef idx="0">
+            <a:schemeClr val="accent1"/>
+          </a:effectRef>
+          <a:fontRef idx="minor">
+            <a:schemeClr val="lt1"/>
+          </a:fontRef>
+        </p:style>
+        <p:txBody>
+          <a:bodyPr rtlCol="0" anchor="ctr"/>
+          <a:lstStyle/>
+          <a:p>
+            <a:pPr algn="ctr"/>
+            <a:endParaRPr lang="en-US"/>
+          </a:p>
+        </p:txBody>
+      </p:sp>
+    </p:spTree>
+  </p:cSld>
+  <p:clrMapOvr>
+    <a:masterClrMapping/>
+  </p:clrMapOvr>
+</p:sld>
+</file>
+
 <file path=ppt/slides/slide2.xml><?xml version="1.0" encoding="utf-8"?>
 <p:sld xmlns:a="http://schemas.openxmlformats.org/drawingml/2006/main" xmlns:r="http://schemas.openxmlformats.org/officeDocument/2006/relationships" xmlns:p="http://schemas.openxmlformats.org/presentationml/2006/main">
   <p:cSld>
@@ -8584,7 +9239,13 @@
       </p:grpSpPr>
       <p:sp>
         <p:nvSpPr>
-          <p:cNvPr id="2" name="Title 1"/>
+          <p:cNvPr id="2" name="Title 1">
+            <a:extLst>
+              <a:ext uri="{FF2B5EF4-FFF2-40B4-BE49-F238E27FC236}">
+                <a16:creationId xmlns:a16="http://schemas.microsoft.com/office/drawing/2014/main" id="{FB63D9E0-6F6B-33E2-C30A-B0EA2CF94E45}"/>
+              </a:ext>
+            </a:extLst>
+          </p:cNvPr>
           <p:cNvSpPr>
             <a:spLocks noGrp="1"/>
           </p:cNvSpPr>
@@ -8594,81 +9255,130 @@
         </p:nvSpPr>
         <p:spPr/>
         <p:txBody>
-          <a:bodyPr anchor="ctr"/>
+          <a:bodyPr/>
           <a:lstStyle/>
           <a:p>
             <a:r>
-              <a:rPr lang="en-US" dirty="0">
-                <a:solidFill>
-                  <a:schemeClr val="tx1"/>
-                </a:solidFill>
-              </a:rPr>
-              <a:t>CSS Example</a:t>
-            </a:r>
-          </a:p>
-        </p:txBody>
-      </p:sp>
-      <p:sp>
-        <p:nvSpPr>
-          <p:cNvPr id="3" name="Content Placeholder 2"/>
+              <a:rPr lang="en-US" dirty="0"/>
+              <a:t>A Webpage with CSS</a:t>
+            </a:r>
+          </a:p>
+        </p:txBody>
+      </p:sp>
+      <p:sp>
+        <p:nvSpPr>
+          <p:cNvPr id="3" name="Text Placeholder 2">
+            <a:extLst>
+              <a:ext uri="{FF2B5EF4-FFF2-40B4-BE49-F238E27FC236}">
+                <a16:creationId xmlns:a16="http://schemas.microsoft.com/office/drawing/2014/main" id="{2AAE01E2-6030-5543-F2AB-6E76E7E39DB2}"/>
+              </a:ext>
+            </a:extLst>
+          </p:cNvPr>
           <p:cNvSpPr>
             <a:spLocks noGrp="1"/>
           </p:cNvSpPr>
           <p:nvPr>
-            <p:ph idx="1"/>
+            <p:ph type="body" idx="1"/>
           </p:nvPr>
         </p:nvSpPr>
+        <p:spPr/>
+        <p:txBody>
+          <a:bodyPr/>
+          <a:lstStyle/>
+          <a:p>
+            <a:endParaRPr lang="en-US"/>
+          </a:p>
+        </p:txBody>
+      </p:sp>
+      <p:pic>
+        <p:nvPicPr>
+          <p:cNvPr id="5" name="Picture 4">
+            <a:extLst>
+              <a:ext uri="{FF2B5EF4-FFF2-40B4-BE49-F238E27FC236}">
+                <a16:creationId xmlns:a16="http://schemas.microsoft.com/office/drawing/2014/main" id="{554EA9C6-714C-B63D-5419-6A01C2E032FA}"/>
+              </a:ext>
+            </a:extLst>
+          </p:cNvPr>
+          <p:cNvPicPr>
+            <a:picLocks noChangeAspect="1"/>
+          </p:cNvPicPr>
+          <p:nvPr/>
+        </p:nvPicPr>
+        <p:blipFill>
+          <a:blip r:embed="rId2"/>
+          <a:stretch>
+            <a:fillRect/>
+          </a:stretch>
+        </p:blipFill>
         <p:spPr>
           <a:xfrm>
-            <a:off x="0" y="1152475"/>
-            <a:ext cx="9144000" cy="3416400"/>
+            <a:off x="1002500" y="1440635"/>
+            <a:ext cx="6677957" cy="2876951"/>
           </a:xfrm>
+          <a:prstGeom prst="rect">
+            <a:avLst/>
+          </a:prstGeom>
         </p:spPr>
-        <p:txBody>
-          <a:bodyPr anchor="ctr">
-            <a:noAutofit/>
-          </a:bodyPr>
+      </p:pic>
+      <p:sp>
+        <p:nvSpPr>
+          <p:cNvPr id="6" name="Arrow: Left 5">
+            <a:extLst>
+              <a:ext uri="{FF2B5EF4-FFF2-40B4-BE49-F238E27FC236}">
+                <a16:creationId xmlns:a16="http://schemas.microsoft.com/office/drawing/2014/main" id="{2AF5A4CA-2892-2B6F-7E20-7F5A074A5C04}"/>
+              </a:ext>
+            </a:extLst>
+          </p:cNvPr>
+          <p:cNvSpPr/>
+          <p:nvPr/>
+        </p:nvSpPr>
+        <p:spPr>
+          <a:xfrm>
+            <a:off x="3165822" y="2044432"/>
+            <a:ext cx="5394192" cy="834678"/>
+          </a:xfrm>
+          <a:prstGeom prst="leftArrow">
+            <a:avLst/>
+          </a:prstGeom>
+        </p:spPr>
+        <p:style>
+          <a:lnRef idx="2">
+            <a:schemeClr val="accent1">
+              <a:shade val="15000"/>
+            </a:schemeClr>
+          </a:lnRef>
+          <a:fillRef idx="1">
+            <a:schemeClr val="accent1"/>
+          </a:fillRef>
+          <a:effectRef idx="0">
+            <a:schemeClr val="accent1"/>
+          </a:effectRef>
+          <a:fontRef idx="minor">
+            <a:schemeClr val="lt1"/>
+          </a:fontRef>
+        </p:style>
+        <p:txBody>
+          <a:bodyPr rtlCol="0" anchor="ctr"/>
           <a:lstStyle/>
           <a:p>
-            <a:pPr marL="42863" indent="0" algn="ctr">
-              <a:buNone/>
-            </a:pPr>
-            <a:r>
-              <a:rPr lang="en-US" sz="2800" b="1" dirty="0">
-                <a:solidFill>
-                  <a:schemeClr val="bg1"/>
-                </a:solidFill>
-                <a:hlinkClick r:id="rId3">
-                  <a:extLst>
-                    <a:ext uri="{A12FA001-AC4F-418D-AE19-62706E023703}">
-                      <ahyp:hlinkClr xmlns:ahyp="http://schemas.microsoft.com/office/drawing/2018/hyperlinkcolor" val="tx"/>
-                    </a:ext>
-                  </a:extLst>
-                </a:hlinkClick>
-              </a:rPr>
-              <a:t>https://replit.com/@HylandOutreach/CssExample</a:t>
-            </a:r>
-            <a:endParaRPr lang="en-US" sz="2800" b="1" dirty="0">
-              <a:solidFill>
-                <a:schemeClr val="bg1"/>
-              </a:solidFill>
-            </a:endParaRPr>
+            <a:pPr algn="ctr"/>
+            <a:r>
+              <a:rPr lang="en-US" dirty="0"/>
+              <a:t>This is selecting the &lt;p&gt; element with text below as the specific thing that will turn red</a:t>
+            </a:r>
           </a:p>
         </p:txBody>
       </p:sp>
     </p:spTree>
     <p:extLst>
       <p:ext uri="{BB962C8B-B14F-4D97-AF65-F5344CB8AC3E}">
-        <p14:creationId xmlns:p14="http://schemas.microsoft.com/office/powerpoint/2010/main" val="2549987583"/>
+        <p14:creationId xmlns:p14="http://schemas.microsoft.com/office/powerpoint/2010/main" val="709894418"/>
       </p:ext>
     </p:extLst>
   </p:cSld>
   <p:clrMapOvr>
     <a:masterClrMapping/>
   </p:clrMapOvr>
-  <p:transition>
-    <p:fade/>
-  </p:transition>
 </p:sld>
 </file>
 
@@ -8701,6 +9411,113 @@
         </p:nvSpPr>
         <p:spPr/>
         <p:txBody>
+          <a:bodyPr anchor="ctr"/>
+          <a:lstStyle/>
+          <a:p>
+            <a:r>
+              <a:rPr lang="en-US" dirty="0">
+                <a:solidFill>
+                  <a:schemeClr val="tx1"/>
+                </a:solidFill>
+              </a:rPr>
+              <a:t>CSS Example</a:t>
+            </a:r>
+          </a:p>
+        </p:txBody>
+      </p:sp>
+      <p:sp>
+        <p:nvSpPr>
+          <p:cNvPr id="3" name="Content Placeholder 2"/>
+          <p:cNvSpPr>
+            <a:spLocks noGrp="1"/>
+          </p:cNvSpPr>
+          <p:nvPr>
+            <p:ph idx="1"/>
+          </p:nvPr>
+        </p:nvSpPr>
+        <p:spPr>
+          <a:xfrm>
+            <a:off x="0" y="1152475"/>
+            <a:ext cx="9144000" cy="3416400"/>
+          </a:xfrm>
+        </p:spPr>
+        <p:txBody>
+          <a:bodyPr anchor="ctr">
+            <a:noAutofit/>
+          </a:bodyPr>
+          <a:lstStyle/>
+          <a:p>
+            <a:pPr marL="42863" indent="0" algn="ctr">
+              <a:buNone/>
+            </a:pPr>
+            <a:r>
+              <a:rPr lang="en-US" sz="2800" b="1" dirty="0">
+                <a:solidFill>
+                  <a:schemeClr val="bg1"/>
+                </a:solidFill>
+                <a:hlinkClick r:id="rId3">
+                  <a:extLst>
+                    <a:ext uri="{A12FA001-AC4F-418D-AE19-62706E023703}">
+                      <ahyp:hlinkClr xmlns:ahyp="http://schemas.microsoft.com/office/drawing/2018/hyperlinkcolor" val="tx"/>
+                    </a:ext>
+                  </a:extLst>
+                </a:hlinkClick>
+              </a:rPr>
+              <a:t>https://replit.com/@HylandOutreach/CssExample</a:t>
+            </a:r>
+            <a:endParaRPr lang="en-US" sz="2800" b="1" dirty="0">
+              <a:solidFill>
+                <a:schemeClr val="bg1"/>
+              </a:solidFill>
+            </a:endParaRPr>
+          </a:p>
+        </p:txBody>
+      </p:sp>
+    </p:spTree>
+    <p:extLst>
+      <p:ext uri="{BB962C8B-B14F-4D97-AF65-F5344CB8AC3E}">
+        <p14:creationId xmlns:p14="http://schemas.microsoft.com/office/powerpoint/2010/main" val="2549987583"/>
+      </p:ext>
+    </p:extLst>
+  </p:cSld>
+  <p:clrMapOvr>
+    <a:masterClrMapping/>
+  </p:clrMapOvr>
+  <p:transition>
+    <p:fade/>
+  </p:transition>
+</p:sld>
+</file>
+
+<file path=ppt/slides/slide6.xml><?xml version="1.0" encoding="utf-8"?>
+<p:sld xmlns:a="http://schemas.openxmlformats.org/drawingml/2006/main" xmlns:r="http://schemas.openxmlformats.org/officeDocument/2006/relationships" xmlns:p="http://schemas.openxmlformats.org/presentationml/2006/main">
+  <p:cSld>
+    <p:spTree>
+      <p:nvGrpSpPr>
+        <p:cNvPr id="1" name=""/>
+        <p:cNvGrpSpPr/>
+        <p:nvPr/>
+      </p:nvGrpSpPr>
+      <p:grpSpPr>
+        <a:xfrm>
+          <a:off x="0" y="0"/>
+          <a:ext cx="0" cy="0"/>
+          <a:chOff x="0" y="0"/>
+          <a:chExt cx="0" cy="0"/>
+        </a:xfrm>
+      </p:grpSpPr>
+      <p:sp>
+        <p:nvSpPr>
+          <p:cNvPr id="2" name="Title 1"/>
+          <p:cNvSpPr>
+            <a:spLocks noGrp="1"/>
+          </p:cNvSpPr>
+          <p:nvPr>
+            <p:ph type="title"/>
+          </p:nvPr>
+        </p:nvSpPr>
+        <p:spPr/>
+        <p:txBody>
           <a:bodyPr/>
           <a:lstStyle/>
           <a:p>
@@ -8845,7 +9662,182 @@
 </p:sld>
 </file>
 
-<file path=ppt/slides/slide6.xml><?xml version="1.0" encoding="utf-8"?>
+<file path=ppt/slides/slide7.xml><?xml version="1.0" encoding="utf-8"?>
+<p:sld xmlns:a="http://schemas.openxmlformats.org/drawingml/2006/main" xmlns:r="http://schemas.openxmlformats.org/officeDocument/2006/relationships" xmlns:p="http://schemas.openxmlformats.org/presentationml/2006/main">
+  <p:cSld>
+    <p:spTree>
+      <p:nvGrpSpPr>
+        <p:cNvPr id="1" name=""/>
+        <p:cNvGrpSpPr/>
+        <p:nvPr/>
+      </p:nvGrpSpPr>
+      <p:grpSpPr>
+        <a:xfrm>
+          <a:off x="0" y="0"/>
+          <a:ext cx="0" cy="0"/>
+          <a:chOff x="0" y="0"/>
+          <a:chExt cx="0" cy="0"/>
+        </a:xfrm>
+      </p:grpSpPr>
+      <p:sp>
+        <p:nvSpPr>
+          <p:cNvPr id="2" name="Title 1"/>
+          <p:cNvSpPr>
+            <a:spLocks noGrp="1"/>
+          </p:cNvSpPr>
+          <p:nvPr>
+            <p:ph type="title"/>
+          </p:nvPr>
+        </p:nvSpPr>
+        <p:spPr/>
+        <p:txBody>
+          <a:bodyPr/>
+          <a:lstStyle/>
+          <a:p>
+            <a:r>
+              <a:rPr lang="en-US" dirty="0"/>
+              <a:t>CSS Examples</a:t>
+            </a:r>
+          </a:p>
+        </p:txBody>
+      </p:sp>
+      <p:sp>
+        <p:nvSpPr>
+          <p:cNvPr id="3" name="Content Placeholder 2"/>
+          <p:cNvSpPr>
+            <a:spLocks noGrp="1"/>
+          </p:cNvSpPr>
+          <p:nvPr>
+            <p:ph type="body" idx="1"/>
+          </p:nvPr>
+        </p:nvSpPr>
+        <p:spPr>
+          <a:xfrm>
+            <a:off x="526474" y="1351850"/>
+            <a:ext cx="8091054" cy="3251700"/>
+          </a:xfrm>
+        </p:spPr>
+        <p:txBody>
+          <a:bodyPr/>
+          <a:lstStyle/>
+          <a:p>
+            <a:pPr marL="152400" indent="0">
+              <a:buNone/>
+            </a:pPr>
+            <a:endParaRPr lang="en-US" sz="2400" b="1" dirty="0">
+              <a:solidFill>
+                <a:schemeClr val="accent3">
+                  <a:lumMod val="50000"/>
+                </a:schemeClr>
+              </a:solidFill>
+            </a:endParaRPr>
+          </a:p>
+        </p:txBody>
+      </p:sp>
+      <p:pic>
+        <p:nvPicPr>
+          <p:cNvPr id="5" name="Picture 4">
+            <a:extLst>
+              <a:ext uri="{FF2B5EF4-FFF2-40B4-BE49-F238E27FC236}">
+                <a16:creationId xmlns:a16="http://schemas.microsoft.com/office/drawing/2014/main" id="{89AEA9B5-37F3-81C1-19D5-A80D369314E7}"/>
+              </a:ext>
+            </a:extLst>
+          </p:cNvPr>
+          <p:cNvPicPr>
+            <a:picLocks noChangeAspect="1"/>
+          </p:cNvPicPr>
+          <p:nvPr/>
+        </p:nvPicPr>
+        <p:blipFill>
+          <a:blip r:embed="rId3"/>
+          <a:stretch>
+            <a:fillRect/>
+          </a:stretch>
+        </p:blipFill>
+        <p:spPr>
+          <a:xfrm>
+            <a:off x="5309666" y="1152186"/>
+            <a:ext cx="3457359" cy="2329199"/>
+          </a:xfrm>
+          <a:prstGeom prst="rect">
+            <a:avLst/>
+          </a:prstGeom>
+        </p:spPr>
+      </p:pic>
+      <p:pic>
+        <p:nvPicPr>
+          <p:cNvPr id="9" name="Picture 8">
+            <a:extLst>
+              <a:ext uri="{FF2B5EF4-FFF2-40B4-BE49-F238E27FC236}">
+                <a16:creationId xmlns:a16="http://schemas.microsoft.com/office/drawing/2014/main" id="{18A7A2B8-08AB-186D-B74F-FDB82B47850B}"/>
+              </a:ext>
+            </a:extLst>
+          </p:cNvPr>
+          <p:cNvPicPr>
+            <a:picLocks noChangeAspect="1"/>
+          </p:cNvPicPr>
+          <p:nvPr/>
+        </p:nvPicPr>
+        <p:blipFill>
+          <a:blip r:embed="rId4"/>
+          <a:stretch>
+            <a:fillRect/>
+          </a:stretch>
+        </p:blipFill>
+        <p:spPr>
+          <a:xfrm>
+            <a:off x="114568" y="1152186"/>
+            <a:ext cx="3637648" cy="2453439"/>
+          </a:xfrm>
+          <a:prstGeom prst="rect">
+            <a:avLst/>
+          </a:prstGeom>
+        </p:spPr>
+      </p:pic>
+      <p:pic>
+        <p:nvPicPr>
+          <p:cNvPr id="7" name="Picture 6">
+            <a:extLst>
+              <a:ext uri="{FF2B5EF4-FFF2-40B4-BE49-F238E27FC236}">
+                <a16:creationId xmlns:a16="http://schemas.microsoft.com/office/drawing/2014/main" id="{57FD3524-755E-541A-A4E6-32DE22FF2768}"/>
+              </a:ext>
+            </a:extLst>
+          </p:cNvPr>
+          <p:cNvPicPr>
+            <a:picLocks noChangeAspect="1"/>
+          </p:cNvPicPr>
+          <p:nvPr/>
+        </p:nvPicPr>
+        <p:blipFill>
+          <a:blip r:embed="rId5"/>
+          <a:stretch>
+            <a:fillRect/>
+          </a:stretch>
+        </p:blipFill>
+        <p:spPr>
+          <a:xfrm>
+            <a:off x="2704288" y="2889724"/>
+            <a:ext cx="3367906" cy="2253776"/>
+          </a:xfrm>
+          <a:prstGeom prst="rect">
+            <a:avLst/>
+          </a:prstGeom>
+        </p:spPr>
+      </p:pic>
+    </p:spTree>
+    <p:extLst>
+      <p:ext uri="{BB962C8B-B14F-4D97-AF65-F5344CB8AC3E}">
+        <p14:creationId xmlns:p14="http://schemas.microsoft.com/office/powerpoint/2010/main" val="2872018190"/>
+      </p:ext>
+    </p:extLst>
+  </p:cSld>
+  <p:clrMapOvr>
+    <a:masterClrMapping/>
+  </p:clrMapOvr>
+</p:sld>
+</file>
+
+<file path=ppt/slides/slide8.xml><?xml version="1.0" encoding="utf-8"?>
 <p:sld xmlns:a="http://schemas.openxmlformats.org/drawingml/2006/main" xmlns:r="http://schemas.openxmlformats.org/officeDocument/2006/relationships" xmlns:p="http://schemas.openxmlformats.org/presentationml/2006/main">
   <p:cSld>
     <p:spTree>
@@ -9463,7 +10455,7 @@
 </p:sld>
 </file>
 
-<file path=ppt/slides/slide7.xml><?xml version="1.0" encoding="utf-8"?>
+<file path=ppt/slides/slide9.xml><?xml version="1.0" encoding="utf-8"?>
 <p:sld xmlns:a="http://schemas.openxmlformats.org/drawingml/2006/main" xmlns:r="http://schemas.openxmlformats.org/officeDocument/2006/relationships" xmlns:p="http://schemas.openxmlformats.org/presentationml/2006/main">
   <p:cSld>
     <p:spTree>
@@ -10234,562 +11226,6 @@
       <p:bldP spid="3" grpId="0" uiExpand="1" build="p"/>
     </p:bldLst>
   </p:timing>
-</p:sld>
-</file>
-
-<file path=ppt/slides/slide8.xml><?xml version="1.0" encoding="utf-8"?>
-<p:sld xmlns:a="http://schemas.openxmlformats.org/drawingml/2006/main" xmlns:r="http://schemas.openxmlformats.org/officeDocument/2006/relationships" xmlns:p="http://schemas.openxmlformats.org/presentationml/2006/main">
-  <p:cSld>
-    <p:spTree>
-      <p:nvGrpSpPr>
-        <p:cNvPr id="1" name=""/>
-        <p:cNvGrpSpPr/>
-        <p:nvPr/>
-      </p:nvGrpSpPr>
-      <p:grpSpPr>
-        <a:xfrm>
-          <a:off x="0" y="0"/>
-          <a:ext cx="0" cy="0"/>
-          <a:chOff x="0" y="0"/>
-          <a:chExt cx="0" cy="0"/>
-        </a:xfrm>
-      </p:grpSpPr>
-      <p:sp>
-        <p:nvSpPr>
-          <p:cNvPr id="2" name="Title 1"/>
-          <p:cNvSpPr>
-            <a:spLocks noGrp="1"/>
-          </p:cNvSpPr>
-          <p:nvPr>
-            <p:ph type="title"/>
-          </p:nvPr>
-        </p:nvSpPr>
-        <p:spPr/>
-        <p:txBody>
-          <a:bodyPr anchor="ctr"/>
-          <a:lstStyle/>
-          <a:p>
-            <a:r>
-              <a:rPr lang="en-US" dirty="0">
-                <a:solidFill>
-                  <a:schemeClr val="tx1"/>
-                </a:solidFill>
-              </a:rPr>
-              <a:t>Stylesheet Example</a:t>
-            </a:r>
-          </a:p>
-        </p:txBody>
-      </p:sp>
-      <p:sp>
-        <p:nvSpPr>
-          <p:cNvPr id="3" name="Content Placeholder 2"/>
-          <p:cNvSpPr>
-            <a:spLocks noGrp="1"/>
-          </p:cNvSpPr>
-          <p:nvPr>
-            <p:ph idx="1"/>
-          </p:nvPr>
-        </p:nvSpPr>
-        <p:spPr>
-          <a:xfrm>
-            <a:off x="0" y="1152475"/>
-            <a:ext cx="9144000" cy="3416400"/>
-          </a:xfrm>
-        </p:spPr>
-        <p:txBody>
-          <a:bodyPr anchor="ctr">
-            <a:noAutofit/>
-          </a:bodyPr>
-          <a:lstStyle/>
-          <a:p>
-            <a:pPr marL="42863" indent="0" algn="ctr">
-              <a:buNone/>
-            </a:pPr>
-            <a:r>
-              <a:rPr lang="en-US" sz="2000" b="1" dirty="0">
-                <a:solidFill>
-                  <a:schemeClr val="bg1"/>
-                </a:solidFill>
-                <a:hlinkClick r:id="rId3">
-                  <a:extLst>
-                    <a:ext uri="{A12FA001-AC4F-418D-AE19-62706E023703}">
-                      <ahyp:hlinkClr xmlns:ahyp="http://schemas.microsoft.com/office/drawing/2018/hyperlinkcolor" val="tx"/>
-                    </a:ext>
-                  </a:extLst>
-                </a:hlinkClick>
-              </a:rPr>
-              <a:t>https://replit.com/@HylandOutreach/ExternalStylesheetExample</a:t>
-            </a:r>
-            <a:endParaRPr lang="en-US" sz="2000" b="1" dirty="0">
-              <a:solidFill>
-                <a:schemeClr val="bg1"/>
-              </a:solidFill>
-            </a:endParaRPr>
-          </a:p>
-        </p:txBody>
-      </p:sp>
-    </p:spTree>
-    <p:extLst>
-      <p:ext uri="{BB962C8B-B14F-4D97-AF65-F5344CB8AC3E}">
-        <p14:creationId xmlns:p14="http://schemas.microsoft.com/office/powerpoint/2010/main" val="4005549343"/>
-      </p:ext>
-    </p:extLst>
-  </p:cSld>
-  <p:clrMapOvr>
-    <a:masterClrMapping/>
-  </p:clrMapOvr>
-  <p:transition>
-    <p:fade/>
-  </p:transition>
-</p:sld>
-</file>
-
-<file path=ppt/slides/slide9.xml><?xml version="1.0" encoding="utf-8"?>
-<p:sld xmlns:a="http://schemas.openxmlformats.org/drawingml/2006/main" xmlns:r="http://schemas.openxmlformats.org/officeDocument/2006/relationships" xmlns:p="http://schemas.openxmlformats.org/presentationml/2006/main">
-  <p:cSld>
-    <p:spTree>
-      <p:nvGrpSpPr>
-        <p:cNvPr id="1" name="Shape 1502"/>
-        <p:cNvGrpSpPr/>
-        <p:nvPr/>
-      </p:nvGrpSpPr>
-      <p:grpSpPr>
-        <a:xfrm>
-          <a:off x="0" y="0"/>
-          <a:ext cx="0" cy="0"/>
-          <a:chOff x="0" y="0"/>
-          <a:chExt cx="0" cy="0"/>
-        </a:xfrm>
-      </p:grpSpPr>
-      <p:sp>
-        <p:nvSpPr>
-          <p:cNvPr id="1503" name="Google Shape;1503;p54"/>
-          <p:cNvSpPr txBox="1">
-            <a:spLocks noGrp="1"/>
-          </p:cNvSpPr>
-          <p:nvPr>
-            <p:ph type="subTitle" idx="1"/>
-          </p:nvPr>
-        </p:nvSpPr>
-        <p:spPr>
-          <a:xfrm>
-            <a:off x="720000" y="1824225"/>
-            <a:ext cx="5650200" cy="378300"/>
-          </a:xfrm>
-          <a:prstGeom prst="rect">
-            <a:avLst/>
-          </a:prstGeom>
-        </p:spPr>
-        <p:txBody>
-          <a:bodyPr spcFirstLastPara="1" wrap="square" lIns="91425" tIns="91425" rIns="91425" bIns="91425" anchor="t" anchorCtr="0">
-            <a:noAutofit/>
-          </a:bodyPr>
-          <a:lstStyle/>
-          <a:p>
-            <a:pPr marL="0" lvl="0" indent="0" algn="l" rtl="0">
-              <a:spcBef>
-                <a:spcPts val="0"/>
-              </a:spcBef>
-              <a:spcAft>
-                <a:spcPts val="0"/>
-              </a:spcAft>
-              <a:buNone/>
-            </a:pPr>
-            <a:r>
-              <a:rPr lang="en"/>
-              <a:t>DO YOU HAVE ANY QUESTIONS?</a:t>
-            </a:r>
-            <a:endParaRPr/>
-          </a:p>
-        </p:txBody>
-      </p:sp>
-      <p:sp>
-        <p:nvSpPr>
-          <p:cNvPr id="1504" name="Google Shape;1504;p54"/>
-          <p:cNvSpPr txBox="1">
-            <a:spLocks noGrp="1"/>
-          </p:cNvSpPr>
-          <p:nvPr>
-            <p:ph type="ctrTitle"/>
-          </p:nvPr>
-        </p:nvSpPr>
-        <p:spPr>
-          <a:xfrm>
-            <a:off x="720000" y="1049325"/>
-            <a:ext cx="5650200" cy="774900"/>
-          </a:xfrm>
-          <a:prstGeom prst="rect">
-            <a:avLst/>
-          </a:prstGeom>
-        </p:spPr>
-        <p:txBody>
-          <a:bodyPr spcFirstLastPara="1" wrap="square" lIns="91425" tIns="91425" rIns="91425" bIns="91425" anchor="t" anchorCtr="0">
-            <a:noAutofit/>
-          </a:bodyPr>
-          <a:lstStyle/>
-          <a:p>
-            <a:pPr marL="0" lvl="0" indent="0" algn="l" rtl="0">
-              <a:spcBef>
-                <a:spcPts val="0"/>
-              </a:spcBef>
-              <a:spcAft>
-                <a:spcPts val="0"/>
-              </a:spcAft>
-              <a:buNone/>
-            </a:pPr>
-            <a:r>
-              <a:rPr lang="en"/>
-              <a:t>THANKS!</a:t>
-            </a:r>
-            <a:endParaRPr/>
-          </a:p>
-        </p:txBody>
-      </p:sp>
-      <p:sp>
-        <p:nvSpPr>
-          <p:cNvPr id="1542" name="Google Shape;1542;p54"/>
-          <p:cNvSpPr/>
-          <p:nvPr/>
-        </p:nvSpPr>
-        <p:spPr>
-          <a:xfrm>
-            <a:off x="570050" y="3746300"/>
-            <a:ext cx="939600" cy="939600"/>
-          </a:xfrm>
-          <a:prstGeom prst="snip1Rect">
-            <a:avLst>
-              <a:gd name="adj" fmla="val 11329"/>
-            </a:avLst>
-          </a:prstGeom>
-          <a:solidFill>
-            <a:schemeClr val="lt1"/>
-          </a:solidFill>
-          <a:ln w="28575" cap="flat" cmpd="sng">
-            <a:solidFill>
-              <a:schemeClr val="dk1"/>
-            </a:solidFill>
-            <a:prstDash val="solid"/>
-            <a:round/>
-            <a:headEnd type="none" w="sm" len="sm"/>
-            <a:tailEnd type="none" w="sm" len="sm"/>
-          </a:ln>
-        </p:spPr>
-        <p:txBody>
-          <a:bodyPr spcFirstLastPara="1" wrap="square" lIns="91425" tIns="91425" rIns="91425" bIns="91425" anchor="ctr" anchorCtr="0">
-            <a:noAutofit/>
-          </a:bodyPr>
-          <a:lstStyle/>
-          <a:p>
-            <a:pPr marL="0" lvl="0" indent="0" algn="l" rtl="0">
-              <a:spcBef>
-                <a:spcPts val="0"/>
-              </a:spcBef>
-              <a:spcAft>
-                <a:spcPts val="0"/>
-              </a:spcAft>
-              <a:buNone/>
-            </a:pPr>
-            <a:endParaRPr/>
-          </a:p>
-        </p:txBody>
-      </p:sp>
-      <p:sp>
-        <p:nvSpPr>
-          <p:cNvPr id="1543" name="Google Shape;1543;p54"/>
-          <p:cNvSpPr/>
-          <p:nvPr/>
-        </p:nvSpPr>
-        <p:spPr>
-          <a:xfrm>
-            <a:off x="490150" y="3665400"/>
-            <a:ext cx="939600" cy="939600"/>
-          </a:xfrm>
-          <a:prstGeom prst="snip1Rect">
-            <a:avLst>
-              <a:gd name="adj" fmla="val 11329"/>
-            </a:avLst>
-          </a:prstGeom>
-          <a:solidFill>
-            <a:schemeClr val="accent1"/>
-          </a:solidFill>
-          <a:ln w="28575" cap="flat" cmpd="sng">
-            <a:solidFill>
-              <a:schemeClr val="dk1"/>
-            </a:solidFill>
-            <a:prstDash val="solid"/>
-            <a:round/>
-            <a:headEnd type="none" w="sm" len="sm"/>
-            <a:tailEnd type="none" w="sm" len="sm"/>
-          </a:ln>
-        </p:spPr>
-        <p:txBody>
-          <a:bodyPr spcFirstLastPara="1" wrap="square" lIns="91425" tIns="91425" rIns="91425" bIns="91425" anchor="ctr" anchorCtr="0">
-            <a:noAutofit/>
-          </a:bodyPr>
-          <a:lstStyle/>
-          <a:p>
-            <a:pPr marL="0" lvl="0" indent="0" algn="l" rtl="0">
-              <a:spcBef>
-                <a:spcPts val="0"/>
-              </a:spcBef>
-              <a:spcAft>
-                <a:spcPts val="0"/>
-              </a:spcAft>
-              <a:buNone/>
-            </a:pPr>
-            <a:endParaRPr/>
-          </a:p>
-        </p:txBody>
-      </p:sp>
-      <p:sp>
-        <p:nvSpPr>
-          <p:cNvPr id="1544" name="Google Shape;1544;p54"/>
-          <p:cNvSpPr/>
-          <p:nvPr/>
-        </p:nvSpPr>
-        <p:spPr>
-          <a:xfrm>
-            <a:off x="1708675" y="3746300"/>
-            <a:ext cx="939600" cy="939600"/>
-          </a:xfrm>
-          <a:prstGeom prst="snip1Rect">
-            <a:avLst>
-              <a:gd name="adj" fmla="val 11329"/>
-            </a:avLst>
-          </a:prstGeom>
-          <a:solidFill>
-            <a:schemeClr val="lt1"/>
-          </a:solidFill>
-          <a:ln w="28575" cap="flat" cmpd="sng">
-            <a:solidFill>
-              <a:schemeClr val="dk1"/>
-            </a:solidFill>
-            <a:prstDash val="solid"/>
-            <a:round/>
-            <a:headEnd type="none" w="sm" len="sm"/>
-            <a:tailEnd type="none" w="sm" len="sm"/>
-          </a:ln>
-        </p:spPr>
-        <p:txBody>
-          <a:bodyPr spcFirstLastPara="1" wrap="square" lIns="91425" tIns="91425" rIns="91425" bIns="91425" anchor="ctr" anchorCtr="0">
-            <a:noAutofit/>
-          </a:bodyPr>
-          <a:lstStyle/>
-          <a:p>
-            <a:pPr marL="0" lvl="0" indent="0" algn="l" rtl="0">
-              <a:spcBef>
-                <a:spcPts val="0"/>
-              </a:spcBef>
-              <a:spcAft>
-                <a:spcPts val="0"/>
-              </a:spcAft>
-              <a:buNone/>
-            </a:pPr>
-            <a:endParaRPr/>
-          </a:p>
-        </p:txBody>
-      </p:sp>
-      <p:sp>
-        <p:nvSpPr>
-          <p:cNvPr id="1545" name="Google Shape;1545;p54"/>
-          <p:cNvSpPr/>
-          <p:nvPr/>
-        </p:nvSpPr>
-        <p:spPr>
-          <a:xfrm>
-            <a:off x="1628775" y="3665400"/>
-            <a:ext cx="939600" cy="939600"/>
-          </a:xfrm>
-          <a:prstGeom prst="snip1Rect">
-            <a:avLst>
-              <a:gd name="adj" fmla="val 11329"/>
-            </a:avLst>
-          </a:prstGeom>
-          <a:solidFill>
-            <a:schemeClr val="accent2"/>
-          </a:solidFill>
-          <a:ln w="28575" cap="flat" cmpd="sng">
-            <a:solidFill>
-              <a:schemeClr val="dk1"/>
-            </a:solidFill>
-            <a:prstDash val="solid"/>
-            <a:round/>
-            <a:headEnd type="none" w="sm" len="sm"/>
-            <a:tailEnd type="none" w="sm" len="sm"/>
-          </a:ln>
-        </p:spPr>
-        <p:txBody>
-          <a:bodyPr spcFirstLastPara="1" wrap="square" lIns="91425" tIns="91425" rIns="91425" bIns="91425" anchor="ctr" anchorCtr="0">
-            <a:noAutofit/>
-          </a:bodyPr>
-          <a:lstStyle/>
-          <a:p>
-            <a:pPr marL="0" lvl="0" indent="0" algn="l" rtl="0">
-              <a:spcBef>
-                <a:spcPts val="0"/>
-              </a:spcBef>
-              <a:spcAft>
-                <a:spcPts val="0"/>
-              </a:spcAft>
-              <a:buNone/>
-            </a:pPr>
-            <a:endParaRPr/>
-          </a:p>
-        </p:txBody>
-      </p:sp>
-      <p:sp>
-        <p:nvSpPr>
-          <p:cNvPr id="1546" name="Google Shape;1546;p54"/>
-          <p:cNvSpPr/>
-          <p:nvPr/>
-        </p:nvSpPr>
-        <p:spPr>
-          <a:xfrm>
-            <a:off x="2847300" y="3746300"/>
-            <a:ext cx="939600" cy="939600"/>
-          </a:xfrm>
-          <a:prstGeom prst="snip1Rect">
-            <a:avLst>
-              <a:gd name="adj" fmla="val 11329"/>
-            </a:avLst>
-          </a:prstGeom>
-          <a:solidFill>
-            <a:schemeClr val="lt1"/>
-          </a:solidFill>
-          <a:ln w="28575" cap="flat" cmpd="sng">
-            <a:solidFill>
-              <a:schemeClr val="dk1"/>
-            </a:solidFill>
-            <a:prstDash val="solid"/>
-            <a:round/>
-            <a:headEnd type="none" w="sm" len="sm"/>
-            <a:tailEnd type="none" w="sm" len="sm"/>
-          </a:ln>
-        </p:spPr>
-        <p:txBody>
-          <a:bodyPr spcFirstLastPara="1" wrap="square" lIns="91425" tIns="91425" rIns="91425" bIns="91425" anchor="ctr" anchorCtr="0">
-            <a:noAutofit/>
-          </a:bodyPr>
-          <a:lstStyle/>
-          <a:p>
-            <a:pPr marL="0" lvl="0" indent="0" algn="l" rtl="0">
-              <a:spcBef>
-                <a:spcPts val="0"/>
-              </a:spcBef>
-              <a:spcAft>
-                <a:spcPts val="0"/>
-              </a:spcAft>
-              <a:buNone/>
-            </a:pPr>
-            <a:endParaRPr/>
-          </a:p>
-        </p:txBody>
-      </p:sp>
-      <p:sp>
-        <p:nvSpPr>
-          <p:cNvPr id="1547" name="Google Shape;1547;p54"/>
-          <p:cNvSpPr/>
-          <p:nvPr/>
-        </p:nvSpPr>
-        <p:spPr>
-          <a:xfrm>
-            <a:off x="2767400" y="3665400"/>
-            <a:ext cx="939600" cy="939600"/>
-          </a:xfrm>
-          <a:prstGeom prst="snip1Rect">
-            <a:avLst>
-              <a:gd name="adj" fmla="val 11329"/>
-            </a:avLst>
-          </a:prstGeom>
-          <a:solidFill>
-            <a:schemeClr val="lt2"/>
-          </a:solidFill>
-          <a:ln w="28575" cap="flat" cmpd="sng">
-            <a:solidFill>
-              <a:schemeClr val="dk1"/>
-            </a:solidFill>
-            <a:prstDash val="solid"/>
-            <a:round/>
-            <a:headEnd type="none" w="sm" len="sm"/>
-            <a:tailEnd type="none" w="sm" len="sm"/>
-          </a:ln>
-        </p:spPr>
-        <p:txBody>
-          <a:bodyPr spcFirstLastPara="1" wrap="square" lIns="91425" tIns="91425" rIns="91425" bIns="91425" anchor="ctr" anchorCtr="0">
-            <a:noAutofit/>
-          </a:bodyPr>
-          <a:lstStyle/>
-          <a:p>
-            <a:pPr marL="0" lvl="0" indent="0" algn="l" rtl="0">
-              <a:spcBef>
-                <a:spcPts val="0"/>
-              </a:spcBef>
-              <a:spcAft>
-                <a:spcPts val="0"/>
-              </a:spcAft>
-              <a:buNone/>
-            </a:pPr>
-            <a:endParaRPr/>
-          </a:p>
-        </p:txBody>
-      </p:sp>
-      <p:sp>
-        <p:nvSpPr>
-          <p:cNvPr id="4" name="Rectangle 3">
-            <a:extLst>
-              <a:ext uri="{FF2B5EF4-FFF2-40B4-BE49-F238E27FC236}">
-                <a16:creationId xmlns:a16="http://schemas.microsoft.com/office/drawing/2014/main" id="{9694C185-2733-82A6-CD26-B6BB946D14B6}"/>
-              </a:ext>
-            </a:extLst>
-          </p:cNvPr>
-          <p:cNvSpPr/>
-          <p:nvPr/>
-        </p:nvSpPr>
-        <p:spPr>
-          <a:xfrm>
-            <a:off x="4211782" y="3837709"/>
-            <a:ext cx="4253345" cy="477982"/>
-          </a:xfrm>
-          <a:prstGeom prst="rect">
-            <a:avLst/>
-          </a:prstGeom>
-          <a:solidFill>
-            <a:schemeClr val="bg1"/>
-          </a:solidFill>
-          <a:ln>
-            <a:noFill/>
-          </a:ln>
-        </p:spPr>
-        <p:style>
-          <a:lnRef idx="2">
-            <a:schemeClr val="accent1">
-              <a:shade val="50000"/>
-            </a:schemeClr>
-          </a:lnRef>
-          <a:fillRef idx="1">
-            <a:schemeClr val="accent1"/>
-          </a:fillRef>
-          <a:effectRef idx="0">
-            <a:schemeClr val="accent1"/>
-          </a:effectRef>
-          <a:fontRef idx="minor">
-            <a:schemeClr val="lt1"/>
-          </a:fontRef>
-        </p:style>
-        <p:txBody>
-          <a:bodyPr rtlCol="0" anchor="ctr"/>
-          <a:lstStyle/>
-          <a:p>
-            <a:pPr algn="ctr"/>
-            <a:endParaRPr lang="en-US"/>
-          </a:p>
-        </p:txBody>
-      </p:sp>
-    </p:spTree>
-  </p:cSld>
-  <p:clrMapOvr>
-    <a:masterClrMapping/>
-  </p:clrMapOvr>
 </p:sld>
 </file>
 

--- a/Week06/IntroductionToCss.pptx
+++ b/Week06/IntroductionToCss.pptx
@@ -5,42 +5,44 @@
     <p:sldMasterId id="2147483676" r:id="rId1"/>
   </p:sldMasterIdLst>
   <p:notesMasterIdLst>
-    <p:notesMasterId r:id="rId11"/>
+    <p:notesMasterId r:id="rId13"/>
   </p:notesMasterIdLst>
   <p:sldIdLst>
     <p:sldId id="256" r:id="rId2"/>
     <p:sldId id="319" r:id="rId3"/>
     <p:sldId id="320" r:id="rId4"/>
-    <p:sldId id="321" r:id="rId5"/>
-    <p:sldId id="322" r:id="rId6"/>
-    <p:sldId id="323" r:id="rId7"/>
-    <p:sldId id="324" r:id="rId8"/>
-    <p:sldId id="325" r:id="rId9"/>
-    <p:sldId id="279" r:id="rId10"/>
+    <p:sldId id="326" r:id="rId5"/>
+    <p:sldId id="321" r:id="rId6"/>
+    <p:sldId id="322" r:id="rId7"/>
+    <p:sldId id="327" r:id="rId8"/>
+    <p:sldId id="323" r:id="rId9"/>
+    <p:sldId id="324" r:id="rId10"/>
+    <p:sldId id="325" r:id="rId11"/>
+    <p:sldId id="279" r:id="rId12"/>
   </p:sldIdLst>
   <p:sldSz cx="9144000" cy="5143500" type="screen16x9"/>
   <p:notesSz cx="6858000" cy="9144000"/>
   <p:embeddedFontLst>
     <p:embeddedFont>
       <p:font typeface="Consolas" panose="020B0609020204030204" pitchFamily="49" charset="0"/>
-      <p:regular r:id="rId12"/>
-      <p:bold r:id="rId13"/>
-      <p:italic r:id="rId14"/>
-      <p:boldItalic r:id="rId15"/>
+      <p:regular r:id="rId14"/>
+      <p:bold r:id="rId15"/>
+      <p:italic r:id="rId16"/>
+      <p:boldItalic r:id="rId17"/>
     </p:embeddedFont>
     <p:embeddedFont>
       <p:font typeface="Krona One" panose="020B0604020202020204" charset="0"/>
-      <p:regular r:id="rId16"/>
+      <p:regular r:id="rId18"/>
     </p:embeddedFont>
     <p:embeddedFont>
       <p:font typeface="Miriam Libre" panose="00000500000000000000" pitchFamily="2" charset="-79"/>
-      <p:regular r:id="rId17"/>
-      <p:bold r:id="rId18"/>
+      <p:regular r:id="rId19"/>
+      <p:bold r:id="rId20"/>
     </p:embeddedFont>
     <p:embeddedFont>
       <p:font typeface="Roboto Condensed Light" panose="02000000000000000000" pitchFamily="2" charset="0"/>
-      <p:regular r:id="rId19"/>
-      <p:italic r:id="rId20"/>
+      <p:regular r:id="rId21"/>
+      <p:italic r:id="rId22"/>
     </p:embeddedFont>
   </p:embeddedFontLst>
   <p:defaultTextStyle>
@@ -860,6 +862,110 @@
 </p:notes>
 </file>
 
+<file path=ppt/notesSlides/notesSlide10.xml><?xml version="1.0" encoding="utf-8"?>
+<p:notes xmlns:a="http://schemas.openxmlformats.org/drawingml/2006/main" xmlns:r="http://schemas.openxmlformats.org/officeDocument/2006/relationships" xmlns:p="http://schemas.openxmlformats.org/presentationml/2006/main" showMasterSp="0" showMasterPhAnim="0">
+  <p:cSld>
+    <p:spTree>
+      <p:nvGrpSpPr>
+        <p:cNvPr id="1" name="Shape 1499"/>
+        <p:cNvGrpSpPr/>
+        <p:nvPr/>
+      </p:nvGrpSpPr>
+      <p:grpSpPr>
+        <a:xfrm>
+          <a:off x="0" y="0"/>
+          <a:ext cx="0" cy="0"/>
+          <a:chOff x="0" y="0"/>
+          <a:chExt cx="0" cy="0"/>
+        </a:xfrm>
+      </p:grpSpPr>
+      <p:sp>
+        <p:nvSpPr>
+          <p:cNvPr id="1500" name="Google Shape;1500;ge30e247bb5_0_42916:notes"/>
+          <p:cNvSpPr>
+            <a:spLocks noGrp="1" noRot="1" noChangeAspect="1"/>
+          </p:cNvSpPr>
+          <p:nvPr>
+            <p:ph type="sldImg" idx="2"/>
+          </p:nvPr>
+        </p:nvSpPr>
+        <p:spPr>
+          <a:xfrm>
+            <a:off x="381000" y="685800"/>
+            <a:ext cx="6096000" cy="3429000"/>
+          </a:xfrm>
+          <a:custGeom>
+            <a:avLst/>
+            <a:gdLst/>
+            <a:ahLst/>
+            <a:cxnLst/>
+            <a:rect l="l" t="t" r="r" b="b"/>
+            <a:pathLst>
+              <a:path w="120000" h="120000" extrusionOk="0">
+                <a:moveTo>
+                  <a:pt x="0" y="0"/>
+                </a:moveTo>
+                <a:lnTo>
+                  <a:pt x="120000" y="0"/>
+                </a:lnTo>
+                <a:lnTo>
+                  <a:pt x="120000" y="120000"/>
+                </a:lnTo>
+                <a:lnTo>
+                  <a:pt x="0" y="120000"/>
+                </a:lnTo>
+                <a:close/>
+              </a:path>
+            </a:pathLst>
+          </a:custGeom>
+        </p:spPr>
+      </p:sp>
+      <p:sp>
+        <p:nvSpPr>
+          <p:cNvPr id="1501" name="Google Shape;1501;ge30e247bb5_0_42916:notes"/>
+          <p:cNvSpPr txBox="1">
+            <a:spLocks noGrp="1"/>
+          </p:cNvSpPr>
+          <p:nvPr>
+            <p:ph type="body" idx="1"/>
+          </p:nvPr>
+        </p:nvSpPr>
+        <p:spPr>
+          <a:xfrm>
+            <a:off x="685800" y="4343400"/>
+            <a:ext cx="5486400" cy="4114800"/>
+          </a:xfrm>
+          <a:prstGeom prst="rect">
+            <a:avLst/>
+          </a:prstGeom>
+        </p:spPr>
+        <p:txBody>
+          <a:bodyPr spcFirstLastPara="1" wrap="square" lIns="91425" tIns="91425" rIns="91425" bIns="91425" anchor="t" anchorCtr="0">
+            <a:noAutofit/>
+          </a:bodyPr>
+          <a:lstStyle/>
+          <a:p>
+            <a:pPr marL="0" lvl="0" indent="0" algn="l" rtl="0">
+              <a:spcBef>
+                <a:spcPts val="0"/>
+              </a:spcBef>
+              <a:spcAft>
+                <a:spcPts val="0"/>
+              </a:spcAft>
+              <a:buNone/>
+            </a:pPr>
+            <a:endParaRPr/>
+          </a:p>
+        </p:txBody>
+      </p:sp>
+    </p:spTree>
+  </p:cSld>
+  <p:clrMapOvr>
+    <a:masterClrMapping/>
+  </p:clrMapOvr>
+</p:notes>
+</file>
+
 <file path=ppt/notesSlides/notesSlide2.xml><?xml version="1.0" encoding="utf-8"?>
 <p:notes xmlns:a="http://schemas.openxmlformats.org/drawingml/2006/main" xmlns:r="http://schemas.openxmlformats.org/officeDocument/2006/relationships" xmlns:p="http://schemas.openxmlformats.org/presentationml/2006/main">
   <p:cSld>
@@ -1164,7 +1270,7 @@
           <a:p>
             <a:fld id="{DEC8F7F9-57EC-49CF-9FCD-2B781E4B449F}" type="slidenum">
               <a:rPr lang="en-US" smtClean="0"/>
-              <a:t>4</a:t>
+              <a:t>5</a:t>
             </a:fld>
             <a:endParaRPr lang="en-US"/>
           </a:p>
@@ -1261,7 +1367,7 @@
           <a:p>
             <a:fld id="{DEC8F7F9-57EC-49CF-9FCD-2B781E4B449F}" type="slidenum">
               <a:rPr lang="en-US" smtClean="0"/>
-              <a:t>5</a:t>
+              <a:t>6</a:t>
             </a:fld>
             <a:endParaRPr lang="en-US"/>
           </a:p>
@@ -1329,50 +1435,14 @@
           <a:bodyPr/>
           <a:lstStyle/>
           <a:p>
-            <a:pPr marL="171450" indent="-171450">
-              <a:buFontTx/>
-              <a:buChar char="-"/>
-            </a:pPr>
             <a:r>
               <a:rPr lang="en-US" dirty="0"/>
-              <a:t>Emphasize that the file has to end in </a:t>
-            </a:r>
-            <a:r>
-              <a:rPr lang="en-US" b="1" dirty="0"/>
-              <a:t>.</a:t>
-            </a:r>
-            <a:r>
-              <a:rPr lang="en-US" b="1" dirty="0" err="1"/>
-              <a:t>css</a:t>
-            </a:r>
-            <a:r>
-              <a:rPr lang="en-US" b="0" dirty="0"/>
-              <a:t> and it has to be in the same folder as the</a:t>
-            </a:r>
-            <a:r>
-              <a:rPr lang="en-US" b="0" baseline="0" dirty="0"/>
-              <a:t> HTML file</a:t>
-            </a:r>
-          </a:p>
-          <a:p>
-            <a:pPr marL="171450" indent="-171450">
-              <a:buFontTx/>
-              <a:buChar char="-"/>
-            </a:pPr>
-            <a:r>
-              <a:rPr lang="en-US" b="0" baseline="0" dirty="0"/>
-              <a:t>The </a:t>
-            </a:r>
-            <a:r>
-              <a:rPr lang="en-US" b="1" baseline="0" dirty="0"/>
-              <a:t>link</a:t>
-            </a:r>
-            <a:r>
-              <a:rPr lang="en-US" b="0" baseline="0" dirty="0"/>
-              <a:t> tag is an example</a:t>
-            </a:r>
-          </a:p>
-          <a:p>
+              <a:t>Introduce</a:t>
+            </a:r>
+            <a:r>
+              <a:rPr lang="en-US" baseline="0" dirty="0"/>
+              <a:t> the idea of separate CSS files. Click the link to show an example of multiple stylesheets applied to one HTML page</a:t>
+            </a:r>
             <a:endParaRPr lang="en-US" dirty="0"/>
           </a:p>
         </p:txBody>
@@ -1394,7 +1464,7 @@
           <a:p>
             <a:fld id="{DEC8F7F9-57EC-49CF-9FCD-2B781E4B449F}" type="slidenum">
               <a:rPr lang="en-US" smtClean="0"/>
-              <a:t>6</a:t>
+              <a:t>7</a:t>
             </a:fld>
             <a:endParaRPr lang="en-US"/>
           </a:p>
@@ -1403,7 +1473,7 @@
     </p:spTree>
     <p:extLst>
       <p:ext uri="{BB962C8B-B14F-4D97-AF65-F5344CB8AC3E}">
-        <p14:creationId xmlns:p14="http://schemas.microsoft.com/office/powerpoint/2010/main" val="2031122598"/>
+        <p14:creationId xmlns:p14="http://schemas.microsoft.com/office/powerpoint/2010/main" val="3810924368"/>
       </p:ext>
     </p:extLst>
   </p:cSld>
@@ -1462,10 +1532,51 @@
           <a:bodyPr/>
           <a:lstStyle/>
           <a:p>
+            <a:pPr marL="171450" indent="-171450">
+              <a:buFontTx/>
+              <a:buChar char="-"/>
+            </a:pPr>
             <a:r>
               <a:rPr lang="en-US" dirty="0"/>
-              <a:t>Explain the link tag</a:t>
-            </a:r>
+              <a:t>Emphasize that the file has to end in </a:t>
+            </a:r>
+            <a:r>
+              <a:rPr lang="en-US" b="1" dirty="0"/>
+              <a:t>.</a:t>
+            </a:r>
+            <a:r>
+              <a:rPr lang="en-US" b="1" dirty="0" err="1"/>
+              <a:t>css</a:t>
+            </a:r>
+            <a:r>
+              <a:rPr lang="en-US" b="0" dirty="0"/>
+              <a:t> and it has to be in the same folder as the</a:t>
+            </a:r>
+            <a:r>
+              <a:rPr lang="en-US" b="0" baseline="0" dirty="0"/>
+              <a:t> HTML file</a:t>
+            </a:r>
+          </a:p>
+          <a:p>
+            <a:pPr marL="171450" indent="-171450">
+              <a:buFontTx/>
+              <a:buChar char="-"/>
+            </a:pPr>
+            <a:r>
+              <a:rPr lang="en-US" b="0" baseline="0" dirty="0"/>
+              <a:t>The </a:t>
+            </a:r>
+            <a:r>
+              <a:rPr lang="en-US" b="1" baseline="0" dirty="0"/>
+              <a:t>link</a:t>
+            </a:r>
+            <a:r>
+              <a:rPr lang="en-US" b="0" baseline="0" dirty="0"/>
+              <a:t> tag is an example</a:t>
+            </a:r>
+          </a:p>
+          <a:p>
+            <a:endParaRPr lang="en-US" dirty="0"/>
           </a:p>
         </p:txBody>
       </p:sp>
@@ -1486,7 +1597,7 @@
           <a:p>
             <a:fld id="{DEC8F7F9-57EC-49CF-9FCD-2B781E4B449F}" type="slidenum">
               <a:rPr lang="en-US" smtClean="0"/>
-              <a:t>7</a:t>
+              <a:t>8</a:t>
             </a:fld>
             <a:endParaRPr lang="en-US"/>
           </a:p>
@@ -1495,7 +1606,7 @@
     </p:spTree>
     <p:extLst>
       <p:ext uri="{BB962C8B-B14F-4D97-AF65-F5344CB8AC3E}">
-        <p14:creationId xmlns:p14="http://schemas.microsoft.com/office/powerpoint/2010/main" val="2439832816"/>
+        <p14:creationId xmlns:p14="http://schemas.microsoft.com/office/powerpoint/2010/main" val="2031122598"/>
       </p:ext>
     </p:extLst>
   </p:cSld>
@@ -1556,11 +1667,7 @@
           <a:p>
             <a:r>
               <a:rPr lang="en-US" dirty="0"/>
-              <a:t>Show the link tag in action.</a:t>
-            </a:r>
-            <a:r>
-              <a:rPr lang="en-US" baseline="0" dirty="0"/>
-              <a:t> Make sure to note the filename, attributes, and new CSS property.</a:t>
+              <a:t>Explain the link tag</a:t>
             </a:r>
           </a:p>
         </p:txBody>
@@ -1582,7 +1689,7 @@
           <a:p>
             <a:fld id="{DEC8F7F9-57EC-49CF-9FCD-2B781E4B449F}" type="slidenum">
               <a:rPr lang="en-US" smtClean="0"/>
-              <a:t>8</a:t>
+              <a:t>9</a:t>
             </a:fld>
             <a:endParaRPr lang="en-US"/>
           </a:p>
@@ -1591,7 +1698,7 @@
     </p:spTree>
     <p:extLst>
       <p:ext uri="{BB962C8B-B14F-4D97-AF65-F5344CB8AC3E}">
-        <p14:creationId xmlns:p14="http://schemas.microsoft.com/office/powerpoint/2010/main" val="1081873275"/>
+        <p14:creationId xmlns:p14="http://schemas.microsoft.com/office/powerpoint/2010/main" val="2439832816"/>
       </p:ext>
     </p:extLst>
   </p:cSld>
@@ -1602,11 +1709,11 @@
 </file>
 
 <file path=ppt/notesSlides/notesSlide9.xml><?xml version="1.0" encoding="utf-8"?>
-<p:notes xmlns:a="http://schemas.openxmlformats.org/drawingml/2006/main" xmlns:r="http://schemas.openxmlformats.org/officeDocument/2006/relationships" xmlns:p="http://schemas.openxmlformats.org/presentationml/2006/main" showMasterSp="0" showMasterPhAnim="0">
+<p:notes xmlns:a="http://schemas.openxmlformats.org/drawingml/2006/main" xmlns:r="http://schemas.openxmlformats.org/officeDocument/2006/relationships" xmlns:p="http://schemas.openxmlformats.org/presentationml/2006/main">
   <p:cSld>
     <p:spTree>
       <p:nvGrpSpPr>
-        <p:cNvPr id="1" name="Shape 1499"/>
+        <p:cNvPr id="1" name=""/>
         <p:cNvGrpSpPr/>
         <p:nvPr/>
       </p:nvGrpSpPr>
@@ -1620,12 +1727,12 @@
       </p:grpSpPr>
       <p:sp>
         <p:nvSpPr>
-          <p:cNvPr id="1500" name="Google Shape;1500;ge30e247bb5_0_42916:notes"/>
+          <p:cNvPr id="2" name="Slide Image Placeholder 1"/>
           <p:cNvSpPr>
             <a:spLocks noGrp="1" noRot="1" noChangeAspect="1"/>
           </p:cNvSpPr>
           <p:nvPr>
-            <p:ph type="sldImg" idx="2"/>
+            <p:ph type="sldImg"/>
           </p:nvPr>
         </p:nvSpPr>
         <p:spPr>
@@ -1633,71 +1740,63 @@
             <a:off x="381000" y="685800"/>
             <a:ext cx="6096000" cy="3429000"/>
           </a:xfrm>
-          <a:custGeom>
-            <a:avLst/>
-            <a:gdLst/>
-            <a:ahLst/>
-            <a:cxnLst/>
-            <a:rect l="l" t="t" r="r" b="b"/>
-            <a:pathLst>
-              <a:path w="120000" h="120000" extrusionOk="0">
-                <a:moveTo>
-                  <a:pt x="0" y="0"/>
-                </a:moveTo>
-                <a:lnTo>
-                  <a:pt x="120000" y="0"/>
-                </a:lnTo>
-                <a:lnTo>
-                  <a:pt x="120000" y="120000"/>
-                </a:lnTo>
-                <a:lnTo>
-                  <a:pt x="0" y="120000"/>
-                </a:lnTo>
-                <a:close/>
-              </a:path>
-            </a:pathLst>
-          </a:custGeom>
         </p:spPr>
       </p:sp>
       <p:sp>
         <p:nvSpPr>
-          <p:cNvPr id="1501" name="Google Shape;1501;ge30e247bb5_0_42916:notes"/>
-          <p:cNvSpPr txBox="1">
+          <p:cNvPr id="3" name="Notes Placeholder 2"/>
+          <p:cNvSpPr>
             <a:spLocks noGrp="1"/>
           </p:cNvSpPr>
           <p:nvPr>
             <p:ph type="body" idx="1"/>
           </p:nvPr>
         </p:nvSpPr>
-        <p:spPr>
-          <a:xfrm>
-            <a:off x="685800" y="4343400"/>
-            <a:ext cx="5486400" cy="4114800"/>
-          </a:xfrm>
-          <a:prstGeom prst="rect">
-            <a:avLst/>
-          </a:prstGeom>
-        </p:spPr>
-        <p:txBody>
-          <a:bodyPr spcFirstLastPara="1" wrap="square" lIns="91425" tIns="91425" rIns="91425" bIns="91425" anchor="t" anchorCtr="0">
-            <a:noAutofit/>
-          </a:bodyPr>
+        <p:spPr/>
+        <p:txBody>
+          <a:bodyPr/>
           <a:lstStyle/>
           <a:p>
-            <a:pPr marL="0" lvl="0" indent="0" algn="l" rtl="0">
-              <a:spcBef>
-                <a:spcPts val="0"/>
-              </a:spcBef>
-              <a:spcAft>
-                <a:spcPts val="0"/>
-              </a:spcAft>
-              <a:buNone/>
-            </a:pPr>
-            <a:endParaRPr/>
+            <a:r>
+              <a:rPr lang="en-US" dirty="0"/>
+              <a:t>Show the link tag in action.</a:t>
+            </a:r>
+            <a:r>
+              <a:rPr lang="en-US" baseline="0" dirty="0"/>
+              <a:t> Make sure to note the filename, attributes, and new CSS property.</a:t>
+            </a:r>
+          </a:p>
+        </p:txBody>
+      </p:sp>
+      <p:sp>
+        <p:nvSpPr>
+          <p:cNvPr id="4" name="Slide Number Placeholder 3"/>
+          <p:cNvSpPr>
+            <a:spLocks noGrp="1"/>
+          </p:cNvSpPr>
+          <p:nvPr>
+            <p:ph type="sldNum" sz="quarter" idx="10"/>
+          </p:nvPr>
+        </p:nvSpPr>
+        <p:spPr/>
+        <p:txBody>
+          <a:bodyPr/>
+          <a:lstStyle/>
+          <a:p>
+            <a:fld id="{DEC8F7F9-57EC-49CF-9FCD-2B781E4B449F}" type="slidenum">
+              <a:rPr lang="en-US" smtClean="0"/>
+              <a:t>10</a:t>
+            </a:fld>
+            <a:endParaRPr lang="en-US"/>
           </a:p>
         </p:txBody>
       </p:sp>
     </p:spTree>
+    <p:extLst>
+      <p:ext uri="{BB962C8B-B14F-4D97-AF65-F5344CB8AC3E}">
+        <p14:creationId xmlns:p14="http://schemas.microsoft.com/office/powerpoint/2010/main" val="1081873275"/>
+      </p:ext>
+    </p:extLst>
   </p:cSld>
   <p:clrMapOvr>
     <a:masterClrMapping/>
@@ -5759,7 +5858,7 @@
           <a:p>
             <a:fld id="{5958763E-B898-436D-883D-03711491D54A}" type="datetimeFigureOut">
               <a:rPr lang="en-US" smtClean="0"/>
-              <a:t>2/9/2023</a:t>
+              <a:t>8/21/2024</a:t>
             </a:fld>
             <a:endParaRPr lang="en-US"/>
           </a:p>
@@ -7492,6 +7591,562 @@
 </p:sld>
 </file>
 
+<file path=ppt/slides/slide10.xml><?xml version="1.0" encoding="utf-8"?>
+<p:sld xmlns:a="http://schemas.openxmlformats.org/drawingml/2006/main" xmlns:r="http://schemas.openxmlformats.org/officeDocument/2006/relationships" xmlns:p="http://schemas.openxmlformats.org/presentationml/2006/main">
+  <p:cSld>
+    <p:spTree>
+      <p:nvGrpSpPr>
+        <p:cNvPr id="1" name=""/>
+        <p:cNvGrpSpPr/>
+        <p:nvPr/>
+      </p:nvGrpSpPr>
+      <p:grpSpPr>
+        <a:xfrm>
+          <a:off x="0" y="0"/>
+          <a:ext cx="0" cy="0"/>
+          <a:chOff x="0" y="0"/>
+          <a:chExt cx="0" cy="0"/>
+        </a:xfrm>
+      </p:grpSpPr>
+      <p:sp>
+        <p:nvSpPr>
+          <p:cNvPr id="2" name="Title 1"/>
+          <p:cNvSpPr>
+            <a:spLocks noGrp="1"/>
+          </p:cNvSpPr>
+          <p:nvPr>
+            <p:ph type="title"/>
+          </p:nvPr>
+        </p:nvSpPr>
+        <p:spPr/>
+        <p:txBody>
+          <a:bodyPr anchor="ctr"/>
+          <a:lstStyle/>
+          <a:p>
+            <a:r>
+              <a:rPr lang="en-US" dirty="0">
+                <a:solidFill>
+                  <a:schemeClr val="tx1"/>
+                </a:solidFill>
+              </a:rPr>
+              <a:t>Stylesheet Example</a:t>
+            </a:r>
+          </a:p>
+        </p:txBody>
+      </p:sp>
+      <p:sp>
+        <p:nvSpPr>
+          <p:cNvPr id="3" name="Content Placeholder 2"/>
+          <p:cNvSpPr>
+            <a:spLocks noGrp="1"/>
+          </p:cNvSpPr>
+          <p:nvPr>
+            <p:ph idx="1"/>
+          </p:nvPr>
+        </p:nvSpPr>
+        <p:spPr>
+          <a:xfrm>
+            <a:off x="0" y="1152475"/>
+            <a:ext cx="9144000" cy="3416400"/>
+          </a:xfrm>
+        </p:spPr>
+        <p:txBody>
+          <a:bodyPr anchor="ctr">
+            <a:noAutofit/>
+          </a:bodyPr>
+          <a:lstStyle/>
+          <a:p>
+            <a:pPr marL="42863" indent="0" algn="ctr">
+              <a:buNone/>
+            </a:pPr>
+            <a:r>
+              <a:rPr lang="en-US" sz="2000" b="1" dirty="0">
+                <a:solidFill>
+                  <a:schemeClr val="bg1"/>
+                </a:solidFill>
+                <a:hlinkClick r:id="rId3">
+                  <a:extLst>
+                    <a:ext uri="{A12FA001-AC4F-418D-AE19-62706E023703}">
+                      <ahyp:hlinkClr xmlns:ahyp="http://schemas.microsoft.com/office/drawing/2018/hyperlinkcolor" val="tx"/>
+                    </a:ext>
+                  </a:extLst>
+                </a:hlinkClick>
+              </a:rPr>
+              <a:t>https://replit.com/@HylandOutreach/ExternalStylesheetExample</a:t>
+            </a:r>
+            <a:endParaRPr lang="en-US" sz="2000" b="1" dirty="0">
+              <a:solidFill>
+                <a:schemeClr val="bg1"/>
+              </a:solidFill>
+            </a:endParaRPr>
+          </a:p>
+        </p:txBody>
+      </p:sp>
+    </p:spTree>
+    <p:extLst>
+      <p:ext uri="{BB962C8B-B14F-4D97-AF65-F5344CB8AC3E}">
+        <p14:creationId xmlns:p14="http://schemas.microsoft.com/office/powerpoint/2010/main" val="4005549343"/>
+      </p:ext>
+    </p:extLst>
+  </p:cSld>
+  <p:clrMapOvr>
+    <a:masterClrMapping/>
+  </p:clrMapOvr>
+  <p:transition>
+    <p:fade/>
+  </p:transition>
+</p:sld>
+</file>
+
+<file path=ppt/slides/slide11.xml><?xml version="1.0" encoding="utf-8"?>
+<p:sld xmlns:a="http://schemas.openxmlformats.org/drawingml/2006/main" xmlns:r="http://schemas.openxmlformats.org/officeDocument/2006/relationships" xmlns:p="http://schemas.openxmlformats.org/presentationml/2006/main">
+  <p:cSld>
+    <p:spTree>
+      <p:nvGrpSpPr>
+        <p:cNvPr id="1" name="Shape 1502"/>
+        <p:cNvGrpSpPr/>
+        <p:nvPr/>
+      </p:nvGrpSpPr>
+      <p:grpSpPr>
+        <a:xfrm>
+          <a:off x="0" y="0"/>
+          <a:ext cx="0" cy="0"/>
+          <a:chOff x="0" y="0"/>
+          <a:chExt cx="0" cy="0"/>
+        </a:xfrm>
+      </p:grpSpPr>
+      <p:sp>
+        <p:nvSpPr>
+          <p:cNvPr id="1503" name="Google Shape;1503;p54"/>
+          <p:cNvSpPr txBox="1">
+            <a:spLocks noGrp="1"/>
+          </p:cNvSpPr>
+          <p:nvPr>
+            <p:ph type="subTitle" idx="1"/>
+          </p:nvPr>
+        </p:nvSpPr>
+        <p:spPr>
+          <a:xfrm>
+            <a:off x="720000" y="1824225"/>
+            <a:ext cx="5650200" cy="378300"/>
+          </a:xfrm>
+          <a:prstGeom prst="rect">
+            <a:avLst/>
+          </a:prstGeom>
+        </p:spPr>
+        <p:txBody>
+          <a:bodyPr spcFirstLastPara="1" wrap="square" lIns="91425" tIns="91425" rIns="91425" bIns="91425" anchor="t" anchorCtr="0">
+            <a:noAutofit/>
+          </a:bodyPr>
+          <a:lstStyle/>
+          <a:p>
+            <a:pPr marL="0" lvl="0" indent="0" algn="l" rtl="0">
+              <a:spcBef>
+                <a:spcPts val="0"/>
+              </a:spcBef>
+              <a:spcAft>
+                <a:spcPts val="0"/>
+              </a:spcAft>
+              <a:buNone/>
+            </a:pPr>
+            <a:r>
+              <a:rPr lang="en"/>
+              <a:t>DO YOU HAVE ANY QUESTIONS?</a:t>
+            </a:r>
+            <a:endParaRPr/>
+          </a:p>
+        </p:txBody>
+      </p:sp>
+      <p:sp>
+        <p:nvSpPr>
+          <p:cNvPr id="1504" name="Google Shape;1504;p54"/>
+          <p:cNvSpPr txBox="1">
+            <a:spLocks noGrp="1"/>
+          </p:cNvSpPr>
+          <p:nvPr>
+            <p:ph type="ctrTitle"/>
+          </p:nvPr>
+        </p:nvSpPr>
+        <p:spPr>
+          <a:xfrm>
+            <a:off x="720000" y="1049325"/>
+            <a:ext cx="5650200" cy="774900"/>
+          </a:xfrm>
+          <a:prstGeom prst="rect">
+            <a:avLst/>
+          </a:prstGeom>
+        </p:spPr>
+        <p:txBody>
+          <a:bodyPr spcFirstLastPara="1" wrap="square" lIns="91425" tIns="91425" rIns="91425" bIns="91425" anchor="t" anchorCtr="0">
+            <a:noAutofit/>
+          </a:bodyPr>
+          <a:lstStyle/>
+          <a:p>
+            <a:pPr marL="0" lvl="0" indent="0" algn="l" rtl="0">
+              <a:spcBef>
+                <a:spcPts val="0"/>
+              </a:spcBef>
+              <a:spcAft>
+                <a:spcPts val="0"/>
+              </a:spcAft>
+              <a:buNone/>
+            </a:pPr>
+            <a:r>
+              <a:rPr lang="en"/>
+              <a:t>THANKS!</a:t>
+            </a:r>
+            <a:endParaRPr/>
+          </a:p>
+        </p:txBody>
+      </p:sp>
+      <p:sp>
+        <p:nvSpPr>
+          <p:cNvPr id="1542" name="Google Shape;1542;p54"/>
+          <p:cNvSpPr/>
+          <p:nvPr/>
+        </p:nvSpPr>
+        <p:spPr>
+          <a:xfrm>
+            <a:off x="570050" y="3746300"/>
+            <a:ext cx="939600" cy="939600"/>
+          </a:xfrm>
+          <a:prstGeom prst="snip1Rect">
+            <a:avLst>
+              <a:gd name="adj" fmla="val 11329"/>
+            </a:avLst>
+          </a:prstGeom>
+          <a:solidFill>
+            <a:schemeClr val="lt1"/>
+          </a:solidFill>
+          <a:ln w="28575" cap="flat" cmpd="sng">
+            <a:solidFill>
+              <a:schemeClr val="dk1"/>
+            </a:solidFill>
+            <a:prstDash val="solid"/>
+            <a:round/>
+            <a:headEnd type="none" w="sm" len="sm"/>
+            <a:tailEnd type="none" w="sm" len="sm"/>
+          </a:ln>
+        </p:spPr>
+        <p:txBody>
+          <a:bodyPr spcFirstLastPara="1" wrap="square" lIns="91425" tIns="91425" rIns="91425" bIns="91425" anchor="ctr" anchorCtr="0">
+            <a:noAutofit/>
+          </a:bodyPr>
+          <a:lstStyle/>
+          <a:p>
+            <a:pPr marL="0" lvl="0" indent="0" algn="l" rtl="0">
+              <a:spcBef>
+                <a:spcPts val="0"/>
+              </a:spcBef>
+              <a:spcAft>
+                <a:spcPts val="0"/>
+              </a:spcAft>
+              <a:buNone/>
+            </a:pPr>
+            <a:endParaRPr/>
+          </a:p>
+        </p:txBody>
+      </p:sp>
+      <p:sp>
+        <p:nvSpPr>
+          <p:cNvPr id="1543" name="Google Shape;1543;p54"/>
+          <p:cNvSpPr/>
+          <p:nvPr/>
+        </p:nvSpPr>
+        <p:spPr>
+          <a:xfrm>
+            <a:off x="490150" y="3665400"/>
+            <a:ext cx="939600" cy="939600"/>
+          </a:xfrm>
+          <a:prstGeom prst="snip1Rect">
+            <a:avLst>
+              <a:gd name="adj" fmla="val 11329"/>
+            </a:avLst>
+          </a:prstGeom>
+          <a:solidFill>
+            <a:schemeClr val="accent1"/>
+          </a:solidFill>
+          <a:ln w="28575" cap="flat" cmpd="sng">
+            <a:solidFill>
+              <a:schemeClr val="dk1"/>
+            </a:solidFill>
+            <a:prstDash val="solid"/>
+            <a:round/>
+            <a:headEnd type="none" w="sm" len="sm"/>
+            <a:tailEnd type="none" w="sm" len="sm"/>
+          </a:ln>
+        </p:spPr>
+        <p:txBody>
+          <a:bodyPr spcFirstLastPara="1" wrap="square" lIns="91425" tIns="91425" rIns="91425" bIns="91425" anchor="ctr" anchorCtr="0">
+            <a:noAutofit/>
+          </a:bodyPr>
+          <a:lstStyle/>
+          <a:p>
+            <a:pPr marL="0" lvl="0" indent="0" algn="l" rtl="0">
+              <a:spcBef>
+                <a:spcPts val="0"/>
+              </a:spcBef>
+              <a:spcAft>
+                <a:spcPts val="0"/>
+              </a:spcAft>
+              <a:buNone/>
+            </a:pPr>
+            <a:endParaRPr/>
+          </a:p>
+        </p:txBody>
+      </p:sp>
+      <p:sp>
+        <p:nvSpPr>
+          <p:cNvPr id="1544" name="Google Shape;1544;p54"/>
+          <p:cNvSpPr/>
+          <p:nvPr/>
+        </p:nvSpPr>
+        <p:spPr>
+          <a:xfrm>
+            <a:off x="1708675" y="3746300"/>
+            <a:ext cx="939600" cy="939600"/>
+          </a:xfrm>
+          <a:prstGeom prst="snip1Rect">
+            <a:avLst>
+              <a:gd name="adj" fmla="val 11329"/>
+            </a:avLst>
+          </a:prstGeom>
+          <a:solidFill>
+            <a:schemeClr val="lt1"/>
+          </a:solidFill>
+          <a:ln w="28575" cap="flat" cmpd="sng">
+            <a:solidFill>
+              <a:schemeClr val="dk1"/>
+            </a:solidFill>
+            <a:prstDash val="solid"/>
+            <a:round/>
+            <a:headEnd type="none" w="sm" len="sm"/>
+            <a:tailEnd type="none" w="sm" len="sm"/>
+          </a:ln>
+        </p:spPr>
+        <p:txBody>
+          <a:bodyPr spcFirstLastPara="1" wrap="square" lIns="91425" tIns="91425" rIns="91425" bIns="91425" anchor="ctr" anchorCtr="0">
+            <a:noAutofit/>
+          </a:bodyPr>
+          <a:lstStyle/>
+          <a:p>
+            <a:pPr marL="0" lvl="0" indent="0" algn="l" rtl="0">
+              <a:spcBef>
+                <a:spcPts val="0"/>
+              </a:spcBef>
+              <a:spcAft>
+                <a:spcPts val="0"/>
+              </a:spcAft>
+              <a:buNone/>
+            </a:pPr>
+            <a:endParaRPr/>
+          </a:p>
+        </p:txBody>
+      </p:sp>
+      <p:sp>
+        <p:nvSpPr>
+          <p:cNvPr id="1545" name="Google Shape;1545;p54"/>
+          <p:cNvSpPr/>
+          <p:nvPr/>
+        </p:nvSpPr>
+        <p:spPr>
+          <a:xfrm>
+            <a:off x="1628775" y="3665400"/>
+            <a:ext cx="939600" cy="939600"/>
+          </a:xfrm>
+          <a:prstGeom prst="snip1Rect">
+            <a:avLst>
+              <a:gd name="adj" fmla="val 11329"/>
+            </a:avLst>
+          </a:prstGeom>
+          <a:solidFill>
+            <a:schemeClr val="accent2"/>
+          </a:solidFill>
+          <a:ln w="28575" cap="flat" cmpd="sng">
+            <a:solidFill>
+              <a:schemeClr val="dk1"/>
+            </a:solidFill>
+            <a:prstDash val="solid"/>
+            <a:round/>
+            <a:headEnd type="none" w="sm" len="sm"/>
+            <a:tailEnd type="none" w="sm" len="sm"/>
+          </a:ln>
+        </p:spPr>
+        <p:txBody>
+          <a:bodyPr spcFirstLastPara="1" wrap="square" lIns="91425" tIns="91425" rIns="91425" bIns="91425" anchor="ctr" anchorCtr="0">
+            <a:noAutofit/>
+          </a:bodyPr>
+          <a:lstStyle/>
+          <a:p>
+            <a:pPr marL="0" lvl="0" indent="0" algn="l" rtl="0">
+              <a:spcBef>
+                <a:spcPts val="0"/>
+              </a:spcBef>
+              <a:spcAft>
+                <a:spcPts val="0"/>
+              </a:spcAft>
+              <a:buNone/>
+            </a:pPr>
+            <a:endParaRPr/>
+          </a:p>
+        </p:txBody>
+      </p:sp>
+      <p:sp>
+        <p:nvSpPr>
+          <p:cNvPr id="1546" name="Google Shape;1546;p54"/>
+          <p:cNvSpPr/>
+          <p:nvPr/>
+        </p:nvSpPr>
+        <p:spPr>
+          <a:xfrm>
+            <a:off x="2847300" y="3746300"/>
+            <a:ext cx="939600" cy="939600"/>
+          </a:xfrm>
+          <a:prstGeom prst="snip1Rect">
+            <a:avLst>
+              <a:gd name="adj" fmla="val 11329"/>
+            </a:avLst>
+          </a:prstGeom>
+          <a:solidFill>
+            <a:schemeClr val="lt1"/>
+          </a:solidFill>
+          <a:ln w="28575" cap="flat" cmpd="sng">
+            <a:solidFill>
+              <a:schemeClr val="dk1"/>
+            </a:solidFill>
+            <a:prstDash val="solid"/>
+            <a:round/>
+            <a:headEnd type="none" w="sm" len="sm"/>
+            <a:tailEnd type="none" w="sm" len="sm"/>
+          </a:ln>
+        </p:spPr>
+        <p:txBody>
+          <a:bodyPr spcFirstLastPara="1" wrap="square" lIns="91425" tIns="91425" rIns="91425" bIns="91425" anchor="ctr" anchorCtr="0">
+            <a:noAutofit/>
+          </a:bodyPr>
+          <a:lstStyle/>
+          <a:p>
+            <a:pPr marL="0" lvl="0" indent="0" algn="l" rtl="0">
+              <a:spcBef>
+                <a:spcPts val="0"/>
+              </a:spcBef>
+              <a:spcAft>
+                <a:spcPts val="0"/>
+              </a:spcAft>
+              <a:buNone/>
+            </a:pPr>
+            <a:endParaRPr/>
+          </a:p>
+        </p:txBody>
+      </p:sp>
+      <p:sp>
+        <p:nvSpPr>
+          <p:cNvPr id="1547" name="Google Shape;1547;p54"/>
+          <p:cNvSpPr/>
+          <p:nvPr/>
+        </p:nvSpPr>
+        <p:spPr>
+          <a:xfrm>
+            <a:off x="2767400" y="3665400"/>
+            <a:ext cx="939600" cy="939600"/>
+          </a:xfrm>
+          <a:prstGeom prst="snip1Rect">
+            <a:avLst>
+              <a:gd name="adj" fmla="val 11329"/>
+            </a:avLst>
+          </a:prstGeom>
+          <a:solidFill>
+            <a:schemeClr val="lt2"/>
+          </a:solidFill>
+          <a:ln w="28575" cap="flat" cmpd="sng">
+            <a:solidFill>
+              <a:schemeClr val="dk1"/>
+            </a:solidFill>
+            <a:prstDash val="solid"/>
+            <a:round/>
+            <a:headEnd type="none" w="sm" len="sm"/>
+            <a:tailEnd type="none" w="sm" len="sm"/>
+          </a:ln>
+        </p:spPr>
+        <p:txBody>
+          <a:bodyPr spcFirstLastPara="1" wrap="square" lIns="91425" tIns="91425" rIns="91425" bIns="91425" anchor="ctr" anchorCtr="0">
+            <a:noAutofit/>
+          </a:bodyPr>
+          <a:lstStyle/>
+          <a:p>
+            <a:pPr marL="0" lvl="0" indent="0" algn="l" rtl="0">
+              <a:spcBef>
+                <a:spcPts val="0"/>
+              </a:spcBef>
+              <a:spcAft>
+                <a:spcPts val="0"/>
+              </a:spcAft>
+              <a:buNone/>
+            </a:pPr>
+            <a:endParaRPr/>
+          </a:p>
+        </p:txBody>
+      </p:sp>
+      <p:sp>
+        <p:nvSpPr>
+          <p:cNvPr id="4" name="Rectangle 3">
+            <a:extLst>
+              <a:ext uri="{FF2B5EF4-FFF2-40B4-BE49-F238E27FC236}">
+                <a16:creationId xmlns:a16="http://schemas.microsoft.com/office/drawing/2014/main" id="{9694C185-2733-82A6-CD26-B6BB946D14B6}"/>
+              </a:ext>
+            </a:extLst>
+          </p:cNvPr>
+          <p:cNvSpPr/>
+          <p:nvPr/>
+        </p:nvSpPr>
+        <p:spPr>
+          <a:xfrm>
+            <a:off x="4211782" y="3837709"/>
+            <a:ext cx="4253345" cy="477982"/>
+          </a:xfrm>
+          <a:prstGeom prst="rect">
+            <a:avLst/>
+          </a:prstGeom>
+          <a:solidFill>
+            <a:schemeClr val="bg1"/>
+          </a:solidFill>
+          <a:ln>
+            <a:noFill/>
+          </a:ln>
+        </p:spPr>
+        <p:style>
+          <a:lnRef idx="2">
+            <a:schemeClr val="accent1">
+              <a:shade val="50000"/>
+            </a:schemeClr>
+          </a:lnRef>
+          <a:fillRef idx="1">
+            <a:schemeClr val="accent1"/>
+          </a:fillRef>
+          <a:effectRef idx="0">
+            <a:schemeClr val="accent1"/>
+          </a:effectRef>
+          <a:fontRef idx="minor">
+            <a:schemeClr val="lt1"/>
+          </a:fontRef>
+        </p:style>
+        <p:txBody>
+          <a:bodyPr rtlCol="0" anchor="ctr"/>
+          <a:lstStyle/>
+          <a:p>
+            <a:pPr algn="ctr"/>
+            <a:endParaRPr lang="en-US"/>
+          </a:p>
+        </p:txBody>
+      </p:sp>
+    </p:spTree>
+  </p:cSld>
+  <p:clrMapOvr>
+    <a:masterClrMapping/>
+  </p:clrMapOvr>
+</p:sld>
+</file>
+
 <file path=ppt/slides/slide2.xml><?xml version="1.0" encoding="utf-8"?>
 <p:sld xmlns:a="http://schemas.openxmlformats.org/drawingml/2006/main" xmlns:r="http://schemas.openxmlformats.org/officeDocument/2006/relationships" xmlns:p="http://schemas.openxmlformats.org/presentationml/2006/main">
   <p:cSld>
@@ -8584,7 +9239,13 @@
       </p:grpSpPr>
       <p:sp>
         <p:nvSpPr>
-          <p:cNvPr id="2" name="Title 1"/>
+          <p:cNvPr id="2" name="Title 1">
+            <a:extLst>
+              <a:ext uri="{FF2B5EF4-FFF2-40B4-BE49-F238E27FC236}">
+                <a16:creationId xmlns:a16="http://schemas.microsoft.com/office/drawing/2014/main" id="{FB63D9E0-6F6B-33E2-C30A-B0EA2CF94E45}"/>
+              </a:ext>
+            </a:extLst>
+          </p:cNvPr>
           <p:cNvSpPr>
             <a:spLocks noGrp="1"/>
           </p:cNvSpPr>
@@ -8594,81 +9255,130 @@
         </p:nvSpPr>
         <p:spPr/>
         <p:txBody>
-          <a:bodyPr anchor="ctr"/>
+          <a:bodyPr/>
           <a:lstStyle/>
           <a:p>
             <a:r>
-              <a:rPr lang="en-US" dirty="0">
-                <a:solidFill>
-                  <a:schemeClr val="tx1"/>
-                </a:solidFill>
-              </a:rPr>
-              <a:t>CSS Example</a:t>
-            </a:r>
-          </a:p>
-        </p:txBody>
-      </p:sp>
-      <p:sp>
-        <p:nvSpPr>
-          <p:cNvPr id="3" name="Content Placeholder 2"/>
+              <a:rPr lang="en-US" dirty="0"/>
+              <a:t>A Webpage with CSS</a:t>
+            </a:r>
+          </a:p>
+        </p:txBody>
+      </p:sp>
+      <p:sp>
+        <p:nvSpPr>
+          <p:cNvPr id="3" name="Text Placeholder 2">
+            <a:extLst>
+              <a:ext uri="{FF2B5EF4-FFF2-40B4-BE49-F238E27FC236}">
+                <a16:creationId xmlns:a16="http://schemas.microsoft.com/office/drawing/2014/main" id="{2AAE01E2-6030-5543-F2AB-6E76E7E39DB2}"/>
+              </a:ext>
+            </a:extLst>
+          </p:cNvPr>
           <p:cNvSpPr>
             <a:spLocks noGrp="1"/>
           </p:cNvSpPr>
           <p:nvPr>
-            <p:ph idx="1"/>
+            <p:ph type="body" idx="1"/>
           </p:nvPr>
         </p:nvSpPr>
+        <p:spPr/>
+        <p:txBody>
+          <a:bodyPr/>
+          <a:lstStyle/>
+          <a:p>
+            <a:endParaRPr lang="en-US"/>
+          </a:p>
+        </p:txBody>
+      </p:sp>
+      <p:pic>
+        <p:nvPicPr>
+          <p:cNvPr id="5" name="Picture 4">
+            <a:extLst>
+              <a:ext uri="{FF2B5EF4-FFF2-40B4-BE49-F238E27FC236}">
+                <a16:creationId xmlns:a16="http://schemas.microsoft.com/office/drawing/2014/main" id="{554EA9C6-714C-B63D-5419-6A01C2E032FA}"/>
+              </a:ext>
+            </a:extLst>
+          </p:cNvPr>
+          <p:cNvPicPr>
+            <a:picLocks noChangeAspect="1"/>
+          </p:cNvPicPr>
+          <p:nvPr/>
+        </p:nvPicPr>
+        <p:blipFill>
+          <a:blip r:embed="rId2"/>
+          <a:stretch>
+            <a:fillRect/>
+          </a:stretch>
+        </p:blipFill>
         <p:spPr>
           <a:xfrm>
-            <a:off x="0" y="1152475"/>
-            <a:ext cx="9144000" cy="3416400"/>
+            <a:off x="1002500" y="1440635"/>
+            <a:ext cx="6677957" cy="2876951"/>
           </a:xfrm>
+          <a:prstGeom prst="rect">
+            <a:avLst/>
+          </a:prstGeom>
         </p:spPr>
-        <p:txBody>
-          <a:bodyPr anchor="ctr">
-            <a:noAutofit/>
-          </a:bodyPr>
+      </p:pic>
+      <p:sp>
+        <p:nvSpPr>
+          <p:cNvPr id="6" name="Arrow: Left 5">
+            <a:extLst>
+              <a:ext uri="{FF2B5EF4-FFF2-40B4-BE49-F238E27FC236}">
+                <a16:creationId xmlns:a16="http://schemas.microsoft.com/office/drawing/2014/main" id="{2AF5A4CA-2892-2B6F-7E20-7F5A074A5C04}"/>
+              </a:ext>
+            </a:extLst>
+          </p:cNvPr>
+          <p:cNvSpPr/>
+          <p:nvPr/>
+        </p:nvSpPr>
+        <p:spPr>
+          <a:xfrm>
+            <a:off x="3165822" y="2044432"/>
+            <a:ext cx="5394192" cy="834678"/>
+          </a:xfrm>
+          <a:prstGeom prst="leftArrow">
+            <a:avLst/>
+          </a:prstGeom>
+        </p:spPr>
+        <p:style>
+          <a:lnRef idx="2">
+            <a:schemeClr val="accent1">
+              <a:shade val="15000"/>
+            </a:schemeClr>
+          </a:lnRef>
+          <a:fillRef idx="1">
+            <a:schemeClr val="accent1"/>
+          </a:fillRef>
+          <a:effectRef idx="0">
+            <a:schemeClr val="accent1"/>
+          </a:effectRef>
+          <a:fontRef idx="minor">
+            <a:schemeClr val="lt1"/>
+          </a:fontRef>
+        </p:style>
+        <p:txBody>
+          <a:bodyPr rtlCol="0" anchor="ctr"/>
           <a:lstStyle/>
           <a:p>
-            <a:pPr marL="42863" indent="0" algn="ctr">
-              <a:buNone/>
-            </a:pPr>
-            <a:r>
-              <a:rPr lang="en-US" sz="2800" b="1" dirty="0">
-                <a:solidFill>
-                  <a:schemeClr val="bg1"/>
-                </a:solidFill>
-                <a:hlinkClick r:id="rId3">
-                  <a:extLst>
-                    <a:ext uri="{A12FA001-AC4F-418D-AE19-62706E023703}">
-                      <ahyp:hlinkClr xmlns:ahyp="http://schemas.microsoft.com/office/drawing/2018/hyperlinkcolor" val="tx"/>
-                    </a:ext>
-                  </a:extLst>
-                </a:hlinkClick>
-              </a:rPr>
-              <a:t>https://replit.com/@HylandOutreach/CssExample</a:t>
-            </a:r>
-            <a:endParaRPr lang="en-US" sz="2800" b="1" dirty="0">
-              <a:solidFill>
-                <a:schemeClr val="bg1"/>
-              </a:solidFill>
-            </a:endParaRPr>
+            <a:pPr algn="ctr"/>
+            <a:r>
+              <a:rPr lang="en-US" dirty="0"/>
+              <a:t>This is selecting the &lt;p&gt; element with text below as the specific thing that will turn red</a:t>
+            </a:r>
           </a:p>
         </p:txBody>
       </p:sp>
     </p:spTree>
     <p:extLst>
       <p:ext uri="{BB962C8B-B14F-4D97-AF65-F5344CB8AC3E}">
-        <p14:creationId xmlns:p14="http://schemas.microsoft.com/office/powerpoint/2010/main" val="2549987583"/>
+        <p14:creationId xmlns:p14="http://schemas.microsoft.com/office/powerpoint/2010/main" val="709894418"/>
       </p:ext>
     </p:extLst>
   </p:cSld>
   <p:clrMapOvr>
     <a:masterClrMapping/>
   </p:clrMapOvr>
-  <p:transition>
-    <p:fade/>
-  </p:transition>
 </p:sld>
 </file>
 
@@ -8701,6 +9411,113 @@
         </p:nvSpPr>
         <p:spPr/>
         <p:txBody>
+          <a:bodyPr anchor="ctr"/>
+          <a:lstStyle/>
+          <a:p>
+            <a:r>
+              <a:rPr lang="en-US" dirty="0">
+                <a:solidFill>
+                  <a:schemeClr val="tx1"/>
+                </a:solidFill>
+              </a:rPr>
+              <a:t>CSS Example</a:t>
+            </a:r>
+          </a:p>
+        </p:txBody>
+      </p:sp>
+      <p:sp>
+        <p:nvSpPr>
+          <p:cNvPr id="3" name="Content Placeholder 2"/>
+          <p:cNvSpPr>
+            <a:spLocks noGrp="1"/>
+          </p:cNvSpPr>
+          <p:nvPr>
+            <p:ph idx="1"/>
+          </p:nvPr>
+        </p:nvSpPr>
+        <p:spPr>
+          <a:xfrm>
+            <a:off x="0" y="1152475"/>
+            <a:ext cx="9144000" cy="3416400"/>
+          </a:xfrm>
+        </p:spPr>
+        <p:txBody>
+          <a:bodyPr anchor="ctr">
+            <a:noAutofit/>
+          </a:bodyPr>
+          <a:lstStyle/>
+          <a:p>
+            <a:pPr marL="42863" indent="0" algn="ctr">
+              <a:buNone/>
+            </a:pPr>
+            <a:r>
+              <a:rPr lang="en-US" sz="2800" b="1" dirty="0">
+                <a:solidFill>
+                  <a:schemeClr val="bg1"/>
+                </a:solidFill>
+                <a:hlinkClick r:id="rId3">
+                  <a:extLst>
+                    <a:ext uri="{A12FA001-AC4F-418D-AE19-62706E023703}">
+                      <ahyp:hlinkClr xmlns:ahyp="http://schemas.microsoft.com/office/drawing/2018/hyperlinkcolor" val="tx"/>
+                    </a:ext>
+                  </a:extLst>
+                </a:hlinkClick>
+              </a:rPr>
+              <a:t>https://replit.com/@HylandOutreach/CssExample</a:t>
+            </a:r>
+            <a:endParaRPr lang="en-US" sz="2800" b="1" dirty="0">
+              <a:solidFill>
+                <a:schemeClr val="bg1"/>
+              </a:solidFill>
+            </a:endParaRPr>
+          </a:p>
+        </p:txBody>
+      </p:sp>
+    </p:spTree>
+    <p:extLst>
+      <p:ext uri="{BB962C8B-B14F-4D97-AF65-F5344CB8AC3E}">
+        <p14:creationId xmlns:p14="http://schemas.microsoft.com/office/powerpoint/2010/main" val="2549987583"/>
+      </p:ext>
+    </p:extLst>
+  </p:cSld>
+  <p:clrMapOvr>
+    <a:masterClrMapping/>
+  </p:clrMapOvr>
+  <p:transition>
+    <p:fade/>
+  </p:transition>
+</p:sld>
+</file>
+
+<file path=ppt/slides/slide6.xml><?xml version="1.0" encoding="utf-8"?>
+<p:sld xmlns:a="http://schemas.openxmlformats.org/drawingml/2006/main" xmlns:r="http://schemas.openxmlformats.org/officeDocument/2006/relationships" xmlns:p="http://schemas.openxmlformats.org/presentationml/2006/main">
+  <p:cSld>
+    <p:spTree>
+      <p:nvGrpSpPr>
+        <p:cNvPr id="1" name=""/>
+        <p:cNvGrpSpPr/>
+        <p:nvPr/>
+      </p:nvGrpSpPr>
+      <p:grpSpPr>
+        <a:xfrm>
+          <a:off x="0" y="0"/>
+          <a:ext cx="0" cy="0"/>
+          <a:chOff x="0" y="0"/>
+          <a:chExt cx="0" cy="0"/>
+        </a:xfrm>
+      </p:grpSpPr>
+      <p:sp>
+        <p:nvSpPr>
+          <p:cNvPr id="2" name="Title 1"/>
+          <p:cNvSpPr>
+            <a:spLocks noGrp="1"/>
+          </p:cNvSpPr>
+          <p:nvPr>
+            <p:ph type="title"/>
+          </p:nvPr>
+        </p:nvSpPr>
+        <p:spPr/>
+        <p:txBody>
           <a:bodyPr/>
           <a:lstStyle/>
           <a:p>
@@ -8845,7 +9662,182 @@
 </p:sld>
 </file>
 
-<file path=ppt/slides/slide6.xml><?xml version="1.0" encoding="utf-8"?>
+<file path=ppt/slides/slide7.xml><?xml version="1.0" encoding="utf-8"?>
+<p:sld xmlns:a="http://schemas.openxmlformats.org/drawingml/2006/main" xmlns:r="http://schemas.openxmlformats.org/officeDocument/2006/relationships" xmlns:p="http://schemas.openxmlformats.org/presentationml/2006/main">
+  <p:cSld>
+    <p:spTree>
+      <p:nvGrpSpPr>
+        <p:cNvPr id="1" name=""/>
+        <p:cNvGrpSpPr/>
+        <p:nvPr/>
+      </p:nvGrpSpPr>
+      <p:grpSpPr>
+        <a:xfrm>
+          <a:off x="0" y="0"/>
+          <a:ext cx="0" cy="0"/>
+          <a:chOff x="0" y="0"/>
+          <a:chExt cx="0" cy="0"/>
+        </a:xfrm>
+      </p:grpSpPr>
+      <p:sp>
+        <p:nvSpPr>
+          <p:cNvPr id="2" name="Title 1"/>
+          <p:cNvSpPr>
+            <a:spLocks noGrp="1"/>
+          </p:cNvSpPr>
+          <p:nvPr>
+            <p:ph type="title"/>
+          </p:nvPr>
+        </p:nvSpPr>
+        <p:spPr/>
+        <p:txBody>
+          <a:bodyPr/>
+          <a:lstStyle/>
+          <a:p>
+            <a:r>
+              <a:rPr lang="en-US" dirty="0"/>
+              <a:t>CSS Examples</a:t>
+            </a:r>
+          </a:p>
+        </p:txBody>
+      </p:sp>
+      <p:sp>
+        <p:nvSpPr>
+          <p:cNvPr id="3" name="Content Placeholder 2"/>
+          <p:cNvSpPr>
+            <a:spLocks noGrp="1"/>
+          </p:cNvSpPr>
+          <p:nvPr>
+            <p:ph type="body" idx="1"/>
+          </p:nvPr>
+        </p:nvSpPr>
+        <p:spPr>
+          <a:xfrm>
+            <a:off x="526474" y="1351850"/>
+            <a:ext cx="8091054" cy="3251700"/>
+          </a:xfrm>
+        </p:spPr>
+        <p:txBody>
+          <a:bodyPr/>
+          <a:lstStyle/>
+          <a:p>
+            <a:pPr marL="152400" indent="0">
+              <a:buNone/>
+            </a:pPr>
+            <a:endParaRPr lang="en-US" sz="2400" b="1" dirty="0">
+              <a:solidFill>
+                <a:schemeClr val="accent3">
+                  <a:lumMod val="50000"/>
+                </a:schemeClr>
+              </a:solidFill>
+            </a:endParaRPr>
+          </a:p>
+        </p:txBody>
+      </p:sp>
+      <p:pic>
+        <p:nvPicPr>
+          <p:cNvPr id="5" name="Picture 4">
+            <a:extLst>
+              <a:ext uri="{FF2B5EF4-FFF2-40B4-BE49-F238E27FC236}">
+                <a16:creationId xmlns:a16="http://schemas.microsoft.com/office/drawing/2014/main" id="{89AEA9B5-37F3-81C1-19D5-A80D369314E7}"/>
+              </a:ext>
+            </a:extLst>
+          </p:cNvPr>
+          <p:cNvPicPr>
+            <a:picLocks noChangeAspect="1"/>
+          </p:cNvPicPr>
+          <p:nvPr/>
+        </p:nvPicPr>
+        <p:blipFill>
+          <a:blip r:embed="rId3"/>
+          <a:stretch>
+            <a:fillRect/>
+          </a:stretch>
+        </p:blipFill>
+        <p:spPr>
+          <a:xfrm>
+            <a:off x="5309666" y="1152186"/>
+            <a:ext cx="3457359" cy="2329199"/>
+          </a:xfrm>
+          <a:prstGeom prst="rect">
+            <a:avLst/>
+          </a:prstGeom>
+        </p:spPr>
+      </p:pic>
+      <p:pic>
+        <p:nvPicPr>
+          <p:cNvPr id="9" name="Picture 8">
+            <a:extLst>
+              <a:ext uri="{FF2B5EF4-FFF2-40B4-BE49-F238E27FC236}">
+                <a16:creationId xmlns:a16="http://schemas.microsoft.com/office/drawing/2014/main" id="{18A7A2B8-08AB-186D-B74F-FDB82B47850B}"/>
+              </a:ext>
+            </a:extLst>
+          </p:cNvPr>
+          <p:cNvPicPr>
+            <a:picLocks noChangeAspect="1"/>
+          </p:cNvPicPr>
+          <p:nvPr/>
+        </p:nvPicPr>
+        <p:blipFill>
+          <a:blip r:embed="rId4"/>
+          <a:stretch>
+            <a:fillRect/>
+          </a:stretch>
+        </p:blipFill>
+        <p:spPr>
+          <a:xfrm>
+            <a:off x="114568" y="1152186"/>
+            <a:ext cx="3637648" cy="2453439"/>
+          </a:xfrm>
+          <a:prstGeom prst="rect">
+            <a:avLst/>
+          </a:prstGeom>
+        </p:spPr>
+      </p:pic>
+      <p:pic>
+        <p:nvPicPr>
+          <p:cNvPr id="7" name="Picture 6">
+            <a:extLst>
+              <a:ext uri="{FF2B5EF4-FFF2-40B4-BE49-F238E27FC236}">
+                <a16:creationId xmlns:a16="http://schemas.microsoft.com/office/drawing/2014/main" id="{57FD3524-755E-541A-A4E6-32DE22FF2768}"/>
+              </a:ext>
+            </a:extLst>
+          </p:cNvPr>
+          <p:cNvPicPr>
+            <a:picLocks noChangeAspect="1"/>
+          </p:cNvPicPr>
+          <p:nvPr/>
+        </p:nvPicPr>
+        <p:blipFill>
+          <a:blip r:embed="rId5"/>
+          <a:stretch>
+            <a:fillRect/>
+          </a:stretch>
+        </p:blipFill>
+        <p:spPr>
+          <a:xfrm>
+            <a:off x="2704288" y="2889724"/>
+            <a:ext cx="3367906" cy="2253776"/>
+          </a:xfrm>
+          <a:prstGeom prst="rect">
+            <a:avLst/>
+          </a:prstGeom>
+        </p:spPr>
+      </p:pic>
+    </p:spTree>
+    <p:extLst>
+      <p:ext uri="{BB962C8B-B14F-4D97-AF65-F5344CB8AC3E}">
+        <p14:creationId xmlns:p14="http://schemas.microsoft.com/office/powerpoint/2010/main" val="2872018190"/>
+      </p:ext>
+    </p:extLst>
+  </p:cSld>
+  <p:clrMapOvr>
+    <a:masterClrMapping/>
+  </p:clrMapOvr>
+</p:sld>
+</file>
+
+<file path=ppt/slides/slide8.xml><?xml version="1.0" encoding="utf-8"?>
 <p:sld xmlns:a="http://schemas.openxmlformats.org/drawingml/2006/main" xmlns:r="http://schemas.openxmlformats.org/officeDocument/2006/relationships" xmlns:p="http://schemas.openxmlformats.org/presentationml/2006/main">
   <p:cSld>
     <p:spTree>
@@ -9463,7 +10455,7 @@
 </p:sld>
 </file>
 
-<file path=ppt/slides/slide7.xml><?xml version="1.0" encoding="utf-8"?>
+<file path=ppt/slides/slide9.xml><?xml version="1.0" encoding="utf-8"?>
 <p:sld xmlns:a="http://schemas.openxmlformats.org/drawingml/2006/main" xmlns:r="http://schemas.openxmlformats.org/officeDocument/2006/relationships" xmlns:p="http://schemas.openxmlformats.org/presentationml/2006/main">
   <p:cSld>
     <p:spTree>
@@ -10234,562 +11226,6 @@
       <p:bldP spid="3" grpId="0" uiExpand="1" build="p"/>
     </p:bldLst>
   </p:timing>
-</p:sld>
-</file>
-
-<file path=ppt/slides/slide8.xml><?xml version="1.0" encoding="utf-8"?>
-<p:sld xmlns:a="http://schemas.openxmlformats.org/drawingml/2006/main" xmlns:r="http://schemas.openxmlformats.org/officeDocument/2006/relationships" xmlns:p="http://schemas.openxmlformats.org/presentationml/2006/main">
-  <p:cSld>
-    <p:spTree>
-      <p:nvGrpSpPr>
-        <p:cNvPr id="1" name=""/>
-        <p:cNvGrpSpPr/>
-        <p:nvPr/>
-      </p:nvGrpSpPr>
-      <p:grpSpPr>
-        <a:xfrm>
-          <a:off x="0" y="0"/>
-          <a:ext cx="0" cy="0"/>
-          <a:chOff x="0" y="0"/>
-          <a:chExt cx="0" cy="0"/>
-        </a:xfrm>
-      </p:grpSpPr>
-      <p:sp>
-        <p:nvSpPr>
-          <p:cNvPr id="2" name="Title 1"/>
-          <p:cNvSpPr>
-            <a:spLocks noGrp="1"/>
-          </p:cNvSpPr>
-          <p:nvPr>
-            <p:ph type="title"/>
-          </p:nvPr>
-        </p:nvSpPr>
-        <p:spPr/>
-        <p:txBody>
-          <a:bodyPr anchor="ctr"/>
-          <a:lstStyle/>
-          <a:p>
-            <a:r>
-              <a:rPr lang="en-US" dirty="0">
-                <a:solidFill>
-                  <a:schemeClr val="tx1"/>
-                </a:solidFill>
-              </a:rPr>
-              <a:t>Stylesheet Example</a:t>
-            </a:r>
-          </a:p>
-        </p:txBody>
-      </p:sp>
-      <p:sp>
-        <p:nvSpPr>
-          <p:cNvPr id="3" name="Content Placeholder 2"/>
-          <p:cNvSpPr>
-            <a:spLocks noGrp="1"/>
-          </p:cNvSpPr>
-          <p:nvPr>
-            <p:ph idx="1"/>
-          </p:nvPr>
-        </p:nvSpPr>
-        <p:spPr>
-          <a:xfrm>
-            <a:off x="0" y="1152475"/>
-            <a:ext cx="9144000" cy="3416400"/>
-          </a:xfrm>
-        </p:spPr>
-        <p:txBody>
-          <a:bodyPr anchor="ctr">
-            <a:noAutofit/>
-          </a:bodyPr>
-          <a:lstStyle/>
-          <a:p>
-            <a:pPr marL="42863" indent="0" algn="ctr">
-              <a:buNone/>
-            </a:pPr>
-            <a:r>
-              <a:rPr lang="en-US" sz="2000" b="1" dirty="0">
-                <a:solidFill>
-                  <a:schemeClr val="bg1"/>
-                </a:solidFill>
-                <a:hlinkClick r:id="rId3">
-                  <a:extLst>
-                    <a:ext uri="{A12FA001-AC4F-418D-AE19-62706E023703}">
-                      <ahyp:hlinkClr xmlns:ahyp="http://schemas.microsoft.com/office/drawing/2018/hyperlinkcolor" val="tx"/>
-                    </a:ext>
-                  </a:extLst>
-                </a:hlinkClick>
-              </a:rPr>
-              <a:t>https://replit.com/@HylandOutreach/ExternalStylesheetExample</a:t>
-            </a:r>
-            <a:endParaRPr lang="en-US" sz="2000" b="1" dirty="0">
-              <a:solidFill>
-                <a:schemeClr val="bg1"/>
-              </a:solidFill>
-            </a:endParaRPr>
-          </a:p>
-        </p:txBody>
-      </p:sp>
-    </p:spTree>
-    <p:extLst>
-      <p:ext uri="{BB962C8B-B14F-4D97-AF65-F5344CB8AC3E}">
-        <p14:creationId xmlns:p14="http://schemas.microsoft.com/office/powerpoint/2010/main" val="4005549343"/>
-      </p:ext>
-    </p:extLst>
-  </p:cSld>
-  <p:clrMapOvr>
-    <a:masterClrMapping/>
-  </p:clrMapOvr>
-  <p:transition>
-    <p:fade/>
-  </p:transition>
-</p:sld>
-</file>
-
-<file path=ppt/slides/slide9.xml><?xml version="1.0" encoding="utf-8"?>
-<p:sld xmlns:a="http://schemas.openxmlformats.org/drawingml/2006/main" xmlns:r="http://schemas.openxmlformats.org/officeDocument/2006/relationships" xmlns:p="http://schemas.openxmlformats.org/presentationml/2006/main">
-  <p:cSld>
-    <p:spTree>
-      <p:nvGrpSpPr>
-        <p:cNvPr id="1" name="Shape 1502"/>
-        <p:cNvGrpSpPr/>
-        <p:nvPr/>
-      </p:nvGrpSpPr>
-      <p:grpSpPr>
-        <a:xfrm>
-          <a:off x="0" y="0"/>
-          <a:ext cx="0" cy="0"/>
-          <a:chOff x="0" y="0"/>
-          <a:chExt cx="0" cy="0"/>
-        </a:xfrm>
-      </p:grpSpPr>
-      <p:sp>
-        <p:nvSpPr>
-          <p:cNvPr id="1503" name="Google Shape;1503;p54"/>
-          <p:cNvSpPr txBox="1">
-            <a:spLocks noGrp="1"/>
-          </p:cNvSpPr>
-          <p:nvPr>
-            <p:ph type="subTitle" idx="1"/>
-          </p:nvPr>
-        </p:nvSpPr>
-        <p:spPr>
-          <a:xfrm>
-            <a:off x="720000" y="1824225"/>
-            <a:ext cx="5650200" cy="378300"/>
-          </a:xfrm>
-          <a:prstGeom prst="rect">
-            <a:avLst/>
-          </a:prstGeom>
-        </p:spPr>
-        <p:txBody>
-          <a:bodyPr spcFirstLastPara="1" wrap="square" lIns="91425" tIns="91425" rIns="91425" bIns="91425" anchor="t" anchorCtr="0">
-            <a:noAutofit/>
-          </a:bodyPr>
-          <a:lstStyle/>
-          <a:p>
-            <a:pPr marL="0" lvl="0" indent="0" algn="l" rtl="0">
-              <a:spcBef>
-                <a:spcPts val="0"/>
-              </a:spcBef>
-              <a:spcAft>
-                <a:spcPts val="0"/>
-              </a:spcAft>
-              <a:buNone/>
-            </a:pPr>
-            <a:r>
-              <a:rPr lang="en"/>
-              <a:t>DO YOU HAVE ANY QUESTIONS?</a:t>
-            </a:r>
-            <a:endParaRPr/>
-          </a:p>
-        </p:txBody>
-      </p:sp>
-      <p:sp>
-        <p:nvSpPr>
-          <p:cNvPr id="1504" name="Google Shape;1504;p54"/>
-          <p:cNvSpPr txBox="1">
-            <a:spLocks noGrp="1"/>
-          </p:cNvSpPr>
-          <p:nvPr>
-            <p:ph type="ctrTitle"/>
-          </p:nvPr>
-        </p:nvSpPr>
-        <p:spPr>
-          <a:xfrm>
-            <a:off x="720000" y="1049325"/>
-            <a:ext cx="5650200" cy="774900"/>
-          </a:xfrm>
-          <a:prstGeom prst="rect">
-            <a:avLst/>
-          </a:prstGeom>
-        </p:spPr>
-        <p:txBody>
-          <a:bodyPr spcFirstLastPara="1" wrap="square" lIns="91425" tIns="91425" rIns="91425" bIns="91425" anchor="t" anchorCtr="0">
-            <a:noAutofit/>
-          </a:bodyPr>
-          <a:lstStyle/>
-          <a:p>
-            <a:pPr marL="0" lvl="0" indent="0" algn="l" rtl="0">
-              <a:spcBef>
-                <a:spcPts val="0"/>
-              </a:spcBef>
-              <a:spcAft>
-                <a:spcPts val="0"/>
-              </a:spcAft>
-              <a:buNone/>
-            </a:pPr>
-            <a:r>
-              <a:rPr lang="en"/>
-              <a:t>THANKS!</a:t>
-            </a:r>
-            <a:endParaRPr/>
-          </a:p>
-        </p:txBody>
-      </p:sp>
-      <p:sp>
-        <p:nvSpPr>
-          <p:cNvPr id="1542" name="Google Shape;1542;p54"/>
-          <p:cNvSpPr/>
-          <p:nvPr/>
-        </p:nvSpPr>
-        <p:spPr>
-          <a:xfrm>
-            <a:off x="570050" y="3746300"/>
-            <a:ext cx="939600" cy="939600"/>
-          </a:xfrm>
-          <a:prstGeom prst="snip1Rect">
-            <a:avLst>
-              <a:gd name="adj" fmla="val 11329"/>
-            </a:avLst>
-          </a:prstGeom>
-          <a:solidFill>
-            <a:schemeClr val="lt1"/>
-          </a:solidFill>
-          <a:ln w="28575" cap="flat" cmpd="sng">
-            <a:solidFill>
-              <a:schemeClr val="dk1"/>
-            </a:solidFill>
-            <a:prstDash val="solid"/>
-            <a:round/>
-            <a:headEnd type="none" w="sm" len="sm"/>
-            <a:tailEnd type="none" w="sm" len="sm"/>
-          </a:ln>
-        </p:spPr>
-        <p:txBody>
-          <a:bodyPr spcFirstLastPara="1" wrap="square" lIns="91425" tIns="91425" rIns="91425" bIns="91425" anchor="ctr" anchorCtr="0">
-            <a:noAutofit/>
-          </a:bodyPr>
-          <a:lstStyle/>
-          <a:p>
-            <a:pPr marL="0" lvl="0" indent="0" algn="l" rtl="0">
-              <a:spcBef>
-                <a:spcPts val="0"/>
-              </a:spcBef>
-              <a:spcAft>
-                <a:spcPts val="0"/>
-              </a:spcAft>
-              <a:buNone/>
-            </a:pPr>
-            <a:endParaRPr/>
-          </a:p>
-        </p:txBody>
-      </p:sp>
-      <p:sp>
-        <p:nvSpPr>
-          <p:cNvPr id="1543" name="Google Shape;1543;p54"/>
-          <p:cNvSpPr/>
-          <p:nvPr/>
-        </p:nvSpPr>
-        <p:spPr>
-          <a:xfrm>
-            <a:off x="490150" y="3665400"/>
-            <a:ext cx="939600" cy="939600"/>
-          </a:xfrm>
-          <a:prstGeom prst="snip1Rect">
-            <a:avLst>
-              <a:gd name="adj" fmla="val 11329"/>
-            </a:avLst>
-          </a:prstGeom>
-          <a:solidFill>
-            <a:schemeClr val="accent1"/>
-          </a:solidFill>
-          <a:ln w="28575" cap="flat" cmpd="sng">
-            <a:solidFill>
-              <a:schemeClr val="dk1"/>
-            </a:solidFill>
-            <a:prstDash val="solid"/>
-            <a:round/>
-            <a:headEnd type="none" w="sm" len="sm"/>
-            <a:tailEnd type="none" w="sm" len="sm"/>
-          </a:ln>
-        </p:spPr>
-        <p:txBody>
-          <a:bodyPr spcFirstLastPara="1" wrap="square" lIns="91425" tIns="91425" rIns="91425" bIns="91425" anchor="ctr" anchorCtr="0">
-            <a:noAutofit/>
-          </a:bodyPr>
-          <a:lstStyle/>
-          <a:p>
-            <a:pPr marL="0" lvl="0" indent="0" algn="l" rtl="0">
-              <a:spcBef>
-                <a:spcPts val="0"/>
-              </a:spcBef>
-              <a:spcAft>
-                <a:spcPts val="0"/>
-              </a:spcAft>
-              <a:buNone/>
-            </a:pPr>
-            <a:endParaRPr/>
-          </a:p>
-        </p:txBody>
-      </p:sp>
-      <p:sp>
-        <p:nvSpPr>
-          <p:cNvPr id="1544" name="Google Shape;1544;p54"/>
-          <p:cNvSpPr/>
-          <p:nvPr/>
-        </p:nvSpPr>
-        <p:spPr>
-          <a:xfrm>
-            <a:off x="1708675" y="3746300"/>
-            <a:ext cx="939600" cy="939600"/>
-          </a:xfrm>
-          <a:prstGeom prst="snip1Rect">
-            <a:avLst>
-              <a:gd name="adj" fmla="val 11329"/>
-            </a:avLst>
-          </a:prstGeom>
-          <a:solidFill>
-            <a:schemeClr val="lt1"/>
-          </a:solidFill>
-          <a:ln w="28575" cap="flat" cmpd="sng">
-            <a:solidFill>
-              <a:schemeClr val="dk1"/>
-            </a:solidFill>
-            <a:prstDash val="solid"/>
-            <a:round/>
-            <a:headEnd type="none" w="sm" len="sm"/>
-            <a:tailEnd type="none" w="sm" len="sm"/>
-          </a:ln>
-        </p:spPr>
-        <p:txBody>
-          <a:bodyPr spcFirstLastPara="1" wrap="square" lIns="91425" tIns="91425" rIns="91425" bIns="91425" anchor="ctr" anchorCtr="0">
-            <a:noAutofit/>
-          </a:bodyPr>
-          <a:lstStyle/>
-          <a:p>
-            <a:pPr marL="0" lvl="0" indent="0" algn="l" rtl="0">
-              <a:spcBef>
-                <a:spcPts val="0"/>
-              </a:spcBef>
-              <a:spcAft>
-                <a:spcPts val="0"/>
-              </a:spcAft>
-              <a:buNone/>
-            </a:pPr>
-            <a:endParaRPr/>
-          </a:p>
-        </p:txBody>
-      </p:sp>
-      <p:sp>
-        <p:nvSpPr>
-          <p:cNvPr id="1545" name="Google Shape;1545;p54"/>
-          <p:cNvSpPr/>
-          <p:nvPr/>
-        </p:nvSpPr>
-        <p:spPr>
-          <a:xfrm>
-            <a:off x="1628775" y="3665400"/>
-            <a:ext cx="939600" cy="939600"/>
-          </a:xfrm>
-          <a:prstGeom prst="snip1Rect">
-            <a:avLst>
-              <a:gd name="adj" fmla="val 11329"/>
-            </a:avLst>
-          </a:prstGeom>
-          <a:solidFill>
-            <a:schemeClr val="accent2"/>
-          </a:solidFill>
-          <a:ln w="28575" cap="flat" cmpd="sng">
-            <a:solidFill>
-              <a:schemeClr val="dk1"/>
-            </a:solidFill>
-            <a:prstDash val="solid"/>
-            <a:round/>
-            <a:headEnd type="none" w="sm" len="sm"/>
-            <a:tailEnd type="none" w="sm" len="sm"/>
-          </a:ln>
-        </p:spPr>
-        <p:txBody>
-          <a:bodyPr spcFirstLastPara="1" wrap="square" lIns="91425" tIns="91425" rIns="91425" bIns="91425" anchor="ctr" anchorCtr="0">
-            <a:noAutofit/>
-          </a:bodyPr>
-          <a:lstStyle/>
-          <a:p>
-            <a:pPr marL="0" lvl="0" indent="0" algn="l" rtl="0">
-              <a:spcBef>
-                <a:spcPts val="0"/>
-              </a:spcBef>
-              <a:spcAft>
-                <a:spcPts val="0"/>
-              </a:spcAft>
-              <a:buNone/>
-            </a:pPr>
-            <a:endParaRPr/>
-          </a:p>
-        </p:txBody>
-      </p:sp>
-      <p:sp>
-        <p:nvSpPr>
-          <p:cNvPr id="1546" name="Google Shape;1546;p54"/>
-          <p:cNvSpPr/>
-          <p:nvPr/>
-        </p:nvSpPr>
-        <p:spPr>
-          <a:xfrm>
-            <a:off x="2847300" y="3746300"/>
-            <a:ext cx="939600" cy="939600"/>
-          </a:xfrm>
-          <a:prstGeom prst="snip1Rect">
-            <a:avLst>
-              <a:gd name="adj" fmla="val 11329"/>
-            </a:avLst>
-          </a:prstGeom>
-          <a:solidFill>
-            <a:schemeClr val="lt1"/>
-          </a:solidFill>
-          <a:ln w="28575" cap="flat" cmpd="sng">
-            <a:solidFill>
-              <a:schemeClr val="dk1"/>
-            </a:solidFill>
-            <a:prstDash val="solid"/>
-            <a:round/>
-            <a:headEnd type="none" w="sm" len="sm"/>
-            <a:tailEnd type="none" w="sm" len="sm"/>
-          </a:ln>
-        </p:spPr>
-        <p:txBody>
-          <a:bodyPr spcFirstLastPara="1" wrap="square" lIns="91425" tIns="91425" rIns="91425" bIns="91425" anchor="ctr" anchorCtr="0">
-            <a:noAutofit/>
-          </a:bodyPr>
-          <a:lstStyle/>
-          <a:p>
-            <a:pPr marL="0" lvl="0" indent="0" algn="l" rtl="0">
-              <a:spcBef>
-                <a:spcPts val="0"/>
-              </a:spcBef>
-              <a:spcAft>
-                <a:spcPts val="0"/>
-              </a:spcAft>
-              <a:buNone/>
-            </a:pPr>
-            <a:endParaRPr/>
-          </a:p>
-        </p:txBody>
-      </p:sp>
-      <p:sp>
-        <p:nvSpPr>
-          <p:cNvPr id="1547" name="Google Shape;1547;p54"/>
-          <p:cNvSpPr/>
-          <p:nvPr/>
-        </p:nvSpPr>
-        <p:spPr>
-          <a:xfrm>
-            <a:off x="2767400" y="3665400"/>
-            <a:ext cx="939600" cy="939600"/>
-          </a:xfrm>
-          <a:prstGeom prst="snip1Rect">
-            <a:avLst>
-              <a:gd name="adj" fmla="val 11329"/>
-            </a:avLst>
-          </a:prstGeom>
-          <a:solidFill>
-            <a:schemeClr val="lt2"/>
-          </a:solidFill>
-          <a:ln w="28575" cap="flat" cmpd="sng">
-            <a:solidFill>
-              <a:schemeClr val="dk1"/>
-            </a:solidFill>
-            <a:prstDash val="solid"/>
-            <a:round/>
-            <a:headEnd type="none" w="sm" len="sm"/>
-            <a:tailEnd type="none" w="sm" len="sm"/>
-          </a:ln>
-        </p:spPr>
-        <p:txBody>
-          <a:bodyPr spcFirstLastPara="1" wrap="square" lIns="91425" tIns="91425" rIns="91425" bIns="91425" anchor="ctr" anchorCtr="0">
-            <a:noAutofit/>
-          </a:bodyPr>
-          <a:lstStyle/>
-          <a:p>
-            <a:pPr marL="0" lvl="0" indent="0" algn="l" rtl="0">
-              <a:spcBef>
-                <a:spcPts val="0"/>
-              </a:spcBef>
-              <a:spcAft>
-                <a:spcPts val="0"/>
-              </a:spcAft>
-              <a:buNone/>
-            </a:pPr>
-            <a:endParaRPr/>
-          </a:p>
-        </p:txBody>
-      </p:sp>
-      <p:sp>
-        <p:nvSpPr>
-          <p:cNvPr id="4" name="Rectangle 3">
-            <a:extLst>
-              <a:ext uri="{FF2B5EF4-FFF2-40B4-BE49-F238E27FC236}">
-                <a16:creationId xmlns:a16="http://schemas.microsoft.com/office/drawing/2014/main" id="{9694C185-2733-82A6-CD26-B6BB946D14B6}"/>
-              </a:ext>
-            </a:extLst>
-          </p:cNvPr>
-          <p:cNvSpPr/>
-          <p:nvPr/>
-        </p:nvSpPr>
-        <p:spPr>
-          <a:xfrm>
-            <a:off x="4211782" y="3837709"/>
-            <a:ext cx="4253345" cy="477982"/>
-          </a:xfrm>
-          <a:prstGeom prst="rect">
-            <a:avLst/>
-          </a:prstGeom>
-          <a:solidFill>
-            <a:schemeClr val="bg1"/>
-          </a:solidFill>
-          <a:ln>
-            <a:noFill/>
-          </a:ln>
-        </p:spPr>
-        <p:style>
-          <a:lnRef idx="2">
-            <a:schemeClr val="accent1">
-              <a:shade val="50000"/>
-            </a:schemeClr>
-          </a:lnRef>
-          <a:fillRef idx="1">
-            <a:schemeClr val="accent1"/>
-          </a:fillRef>
-          <a:effectRef idx="0">
-            <a:schemeClr val="accent1"/>
-          </a:effectRef>
-          <a:fontRef idx="minor">
-            <a:schemeClr val="lt1"/>
-          </a:fontRef>
-        </p:style>
-        <p:txBody>
-          <a:bodyPr rtlCol="0" anchor="ctr"/>
-          <a:lstStyle/>
-          <a:p>
-            <a:pPr algn="ctr"/>
-            <a:endParaRPr lang="en-US"/>
-          </a:p>
-        </p:txBody>
-      </p:sp>
-    </p:spTree>
-  </p:cSld>
-  <p:clrMapOvr>
-    <a:masterClrMapping/>
-  </p:clrMapOvr>
 </p:sld>
 </file>
 

--- a/Week06/IntroductionToCss.pptx
+++ b/Week06/IntroductionToCss.pptx
@@ -5858,7 +5858,7 @@
           <a:p>
             <a:fld id="{5958763E-B898-436D-883D-03711491D54A}" type="datetimeFigureOut">
               <a:rPr lang="en-US" smtClean="0"/>
-              <a:t>8/21/2024</a:t>
+              <a:t>9/4/2024</a:t>
             </a:fld>
             <a:endParaRPr lang="en-US"/>
           </a:p>
@@ -7662,7 +7662,9 @@
             <a:r>
               <a:rPr lang="en-US" sz="2000" b="1" dirty="0">
                 <a:solidFill>
-                  <a:schemeClr val="bg1"/>
+                  <a:schemeClr val="bg1">
+                    <a:lumMod val="95000"/>
+                  </a:schemeClr>
                 </a:solidFill>
                 <a:hlinkClick r:id="rId3">
                   <a:extLst>
@@ -7672,11 +7674,13 @@
                   </a:extLst>
                 </a:hlinkClick>
               </a:rPr>
-              <a:t>https://replit.com/@HylandOutreach/ExternalStylesheetExample</a:t>
+              <a:t>https://glitch.com/edit/#!/trapezoidal-glorious-ragamuffin</a:t>
             </a:r>
             <a:endParaRPr lang="en-US" sz="2000" b="1" dirty="0">
               <a:solidFill>
-                <a:schemeClr val="bg1"/>
+                <a:schemeClr val="bg1">
+                  <a:lumMod val="95000"/>
+                </a:schemeClr>
               </a:solidFill>
             </a:endParaRPr>
           </a:p>
@@ -9453,7 +9457,9 @@
             <a:r>
               <a:rPr lang="en-US" sz="2800" b="1" dirty="0">
                 <a:solidFill>
-                  <a:schemeClr val="bg1"/>
+                  <a:schemeClr val="bg1">
+                    <a:lumMod val="95000"/>
+                  </a:schemeClr>
                 </a:solidFill>
                 <a:hlinkClick r:id="rId3">
                   <a:extLst>
@@ -9463,11 +9469,13 @@
                   </a:extLst>
                 </a:hlinkClick>
               </a:rPr>
-              <a:t>https://replit.com/@HylandOutreach/CssExample</a:t>
+              <a:t>https://jsfiddle.net/43rhtc20/</a:t>
             </a:r>
             <a:endParaRPr lang="en-US" sz="2800" b="1" dirty="0">
               <a:solidFill>
-                <a:schemeClr val="bg1"/>
+                <a:schemeClr val="bg1">
+                  <a:lumMod val="95000"/>
+                </a:schemeClr>
               </a:solidFill>
             </a:endParaRPr>
           </a:p>

--- a/Week06/IntroductionToCss.pptx
+++ b/Week06/IntroductionToCss.pptx
@@ -5858,7 +5858,7 @@
           <a:p>
             <a:fld id="{5958763E-B898-436D-883D-03711491D54A}" type="datetimeFigureOut">
               <a:rPr lang="en-US" smtClean="0"/>
-              <a:t>9/4/2024</a:t>
+              <a:t>2/4/2025</a:t>
             </a:fld>
             <a:endParaRPr lang="en-US"/>
           </a:p>
@@ -7662,9 +7662,7 @@
             <a:r>
               <a:rPr lang="en-US" sz="2000" b="1" dirty="0">
                 <a:solidFill>
-                  <a:schemeClr val="bg1">
-                    <a:lumMod val="95000"/>
-                  </a:schemeClr>
+                  <a:schemeClr val="bg1"/>
                 </a:solidFill>
                 <a:hlinkClick r:id="rId3">
                   <a:extLst>
@@ -7674,13 +7672,11 @@
                   </a:extLst>
                 </a:hlinkClick>
               </a:rPr>
-              <a:t>https://glitch.com/edit/#!/trapezoidal-glorious-ragamuffin</a:t>
+              <a:t>https://glitch.com/edit/#!/oval-shared-wealth</a:t>
             </a:r>
             <a:endParaRPr lang="en-US" sz="2000" b="1" dirty="0">
               <a:solidFill>
-                <a:schemeClr val="bg1">
-                  <a:lumMod val="95000"/>
-                </a:schemeClr>
+                <a:schemeClr val="bg1"/>
               </a:solidFill>
             </a:endParaRPr>
           </a:p>

--- a/Week06/IntroductionToCss.pptx
+++ b/Week06/IntroductionToCss.pptx
@@ -5858,7 +5858,7 @@
           <a:p>
             <a:fld id="{5958763E-B898-436D-883D-03711491D54A}" type="datetimeFigureOut">
               <a:rPr lang="en-US" smtClean="0"/>
-              <a:t>2/4/2025</a:t>
+              <a:t>4/9/2025</a:t>
             </a:fld>
             <a:endParaRPr lang="en-US"/>
           </a:p>
@@ -7672,7 +7672,42 @@
                   </a:extLst>
                 </a:hlinkClick>
               </a:rPr>
-              <a:t>https://glitch.com/edit/#!/oval-shared-wealth</a:t>
+              <a:t>https://glitch.com/edit/#!/remix/oval-shared-wealth</a:t>
+            </a:r>
+            <a:endParaRPr lang="en-US" sz="2000" b="1" dirty="0">
+              <a:solidFill>
+                <a:schemeClr val="bg1"/>
+              </a:solidFill>
+            </a:endParaRPr>
+          </a:p>
+          <a:p>
+            <a:pPr marL="42863" indent="0" algn="ctr">
+              <a:buNone/>
+            </a:pPr>
+            <a:endParaRPr lang="en-US" sz="2000" b="1" dirty="0">
+              <a:solidFill>
+                <a:schemeClr val="bg1"/>
+              </a:solidFill>
+            </a:endParaRPr>
+          </a:p>
+          <a:p>
+            <a:pPr marL="42863" indent="0" algn="ctr">
+              <a:buNone/>
+            </a:pPr>
+            <a:r>
+              <a:rPr lang="en-US" sz="2000" b="1" dirty="0">
+                <a:solidFill>
+                  <a:schemeClr val="bg1"/>
+                </a:solidFill>
+                <a:hlinkClick r:id="rId4">
+                  <a:extLst>
+                    <a:ext uri="{A12FA001-AC4F-418D-AE19-62706E023703}">
+                      <ahyp:hlinkClr xmlns:ahyp="http://schemas.microsoft.com/office/drawing/2018/hyperlinkcolor" val="tx"/>
+                    </a:ext>
+                  </a:extLst>
+                </a:hlinkClick>
+              </a:rPr>
+              <a:t>https://stackblitz.com/edit/web-platform-bgy6gtls?file=index.html</a:t>
             </a:r>
             <a:endParaRPr lang="en-US" sz="2000" b="1" dirty="0">
               <a:solidFill>
